--- a/FYP First Evaluation.pptx
+++ b/FYP First Evaluation.pptx
@@ -1,38 +1,38 @@
 
 <file path=ppt/presentation.xml><?xml version="1.0" encoding="utf-8"?>
-<p:presentation xmlns:a="http://schemas.openxmlformats.org/drawingml/2006/main" xmlns:r="http://schemas.openxmlformats.org/officeDocument/2006/relationships" xmlns:mc="http://schemas.openxmlformats.org/markup-compatibility/2006" xmlns:mv="urn:schemas-microsoft-com:mac:vml" xmlns:p="http://schemas.openxmlformats.org/presentationml/2006/main" xmlns:c="http://schemas.openxmlformats.org/drawingml/2006/chart" xmlns:dgm="http://schemas.openxmlformats.org/drawingml/2006/diagram" xmlns:o="urn:schemas-microsoft-com:office:office" xmlns:v="urn:schemas-microsoft-com:vml" xmlns:pvml="urn:schemas-microsoft-com:office:powerpoint" xmlns:com="http://schemas.openxmlformats.org/drawingml/2006/compatibility" xmlns:p14="http://schemas.microsoft.com/office/powerpoint/2010/main" xmlns:p15="http://schemas.microsoft.com/office/powerpoint/2012/main" autoCompressPictures="0" embedTrueTypeFonts="1" strictFirstAndLastChars="0" saveSubsetFonts="1">
+<p:presentation xmlns:a="http://schemas.openxmlformats.org/drawingml/2006/main" xmlns:r="http://schemas.openxmlformats.org/officeDocument/2006/relationships" xmlns:p="http://schemas.openxmlformats.org/presentationml/2006/main" strictFirstAndLastChars="0" embedTrueTypeFonts="1" saveSubsetFonts="1" autoCompressPictures="0">
   <p:sldMasterIdLst>
-    <p:sldMasterId id="2147483659" r:id="rId3"/>
+    <p:sldMasterId id="2147483659" r:id="rId1"/>
   </p:sldMasterIdLst>
   <p:notesMasterIdLst>
-    <p:notesMasterId r:id="rId4"/>
+    <p:notesMasterId r:id="rId11"/>
   </p:notesMasterIdLst>
   <p:sldIdLst>
-    <p:sldId id="256" r:id="rId5"/>
-    <p:sldId id="257" r:id="rId6"/>
-    <p:sldId id="258" r:id="rId7"/>
-    <p:sldId id="259" r:id="rId8"/>
-    <p:sldId id="260" r:id="rId9"/>
-    <p:sldId id="261" r:id="rId10"/>
-    <p:sldId id="262" r:id="rId11"/>
-    <p:sldId id="263" r:id="rId12"/>
-    <p:sldId id="264" r:id="rId13"/>
+    <p:sldId id="256" r:id="rId2"/>
+    <p:sldId id="257" r:id="rId3"/>
+    <p:sldId id="258" r:id="rId4"/>
+    <p:sldId id="259" r:id="rId5"/>
+    <p:sldId id="260" r:id="rId6"/>
+    <p:sldId id="261" r:id="rId7"/>
+    <p:sldId id="262" r:id="rId8"/>
+    <p:sldId id="263" r:id="rId9"/>
+    <p:sldId id="264" r:id="rId10"/>
   </p:sldIdLst>
-  <p:sldSz cy="5143500" cx="9144000"/>
+  <p:sldSz cx="9144000" cy="5143500" type="screen16x9"/>
   <p:notesSz cx="6858000" cy="9144000"/>
   <p:embeddedFontLst>
     <p:embeddedFont>
-      <p:font typeface="Average"/>
-      <p:regular r:id="rId14"/>
+      <p:font typeface="Average" panose="020B0604020202020204" charset="0"/>
+      <p:regular r:id="rId12"/>
     </p:embeddedFont>
     <p:embeddedFont>
-      <p:font typeface="Oswald"/>
-      <p:regular r:id="rId15"/>
-      <p:bold r:id="rId16"/>
+      <p:font typeface="Oswald" panose="020B0604020202020204" charset="0"/>
+      <p:regular r:id="rId13"/>
+      <p:bold r:id="rId14"/>
     </p:embeddedFont>
   </p:embeddedFontLst>
   <p:defaultTextStyle>
-    <a:defPPr lvl="0" marR="0" rtl="0" algn="l">
+    <a:defPPr marR="0" lvl="0" algn="l" rtl="0">
       <a:lnSpc>
         <a:spcPct val="100000"/>
       </a:lnSpc>
@@ -43,7 +43,7 @@
         <a:spcPts val="0"/>
       </a:spcAft>
     </a:defPPr>
-    <a:lvl1pPr lvl="0" marR="0" rtl="0" algn="l">
+    <a:lvl1pPr marR="0" lvl="0" algn="l" rtl="0">
       <a:lnSpc>
         <a:spcPct val="100000"/>
       </a:lnSpc>
@@ -57,7 +57,7 @@
         <a:srgbClr val="000000"/>
       </a:buClr>
       <a:buFont typeface="Arial"/>
-      <a:defRPr b="0" i="0" sz="1400" u="none" cap="none" strike="noStrike">
+      <a:defRPr sz="1400" b="0" i="0" u="none" strike="noStrike" cap="none">
         <a:solidFill>
           <a:srgbClr val="000000"/>
         </a:solidFill>
@@ -67,7 +67,7 @@
         <a:sym typeface="Arial"/>
       </a:defRPr>
     </a:lvl1pPr>
-    <a:lvl2pPr lvl="1" marR="0" rtl="0" algn="l">
+    <a:lvl2pPr marR="0" lvl="1" algn="l" rtl="0">
       <a:lnSpc>
         <a:spcPct val="100000"/>
       </a:lnSpc>
@@ -81,7 +81,7 @@
         <a:srgbClr val="000000"/>
       </a:buClr>
       <a:buFont typeface="Arial"/>
-      <a:defRPr b="0" i="0" sz="1400" u="none" cap="none" strike="noStrike">
+      <a:defRPr sz="1400" b="0" i="0" u="none" strike="noStrike" cap="none">
         <a:solidFill>
           <a:srgbClr val="000000"/>
         </a:solidFill>
@@ -91,7 +91,7 @@
         <a:sym typeface="Arial"/>
       </a:defRPr>
     </a:lvl2pPr>
-    <a:lvl3pPr lvl="2" marR="0" rtl="0" algn="l">
+    <a:lvl3pPr marR="0" lvl="2" algn="l" rtl="0">
       <a:lnSpc>
         <a:spcPct val="100000"/>
       </a:lnSpc>
@@ -105,7 +105,7 @@
         <a:srgbClr val="000000"/>
       </a:buClr>
       <a:buFont typeface="Arial"/>
-      <a:defRPr b="0" i="0" sz="1400" u="none" cap="none" strike="noStrike">
+      <a:defRPr sz="1400" b="0" i="0" u="none" strike="noStrike" cap="none">
         <a:solidFill>
           <a:srgbClr val="000000"/>
         </a:solidFill>
@@ -115,7 +115,7 @@
         <a:sym typeface="Arial"/>
       </a:defRPr>
     </a:lvl3pPr>
-    <a:lvl4pPr lvl="3" marR="0" rtl="0" algn="l">
+    <a:lvl4pPr marR="0" lvl="3" algn="l" rtl="0">
       <a:lnSpc>
         <a:spcPct val="100000"/>
       </a:lnSpc>
@@ -129,7 +129,7 @@
         <a:srgbClr val="000000"/>
       </a:buClr>
       <a:buFont typeface="Arial"/>
-      <a:defRPr b="0" i="0" sz="1400" u="none" cap="none" strike="noStrike">
+      <a:defRPr sz="1400" b="0" i="0" u="none" strike="noStrike" cap="none">
         <a:solidFill>
           <a:srgbClr val="000000"/>
         </a:solidFill>
@@ -139,7 +139,7 @@
         <a:sym typeface="Arial"/>
       </a:defRPr>
     </a:lvl4pPr>
-    <a:lvl5pPr lvl="4" marR="0" rtl="0" algn="l">
+    <a:lvl5pPr marR="0" lvl="4" algn="l" rtl="0">
       <a:lnSpc>
         <a:spcPct val="100000"/>
       </a:lnSpc>
@@ -153,7 +153,7 @@
         <a:srgbClr val="000000"/>
       </a:buClr>
       <a:buFont typeface="Arial"/>
-      <a:defRPr b="0" i="0" sz="1400" u="none" cap="none" strike="noStrike">
+      <a:defRPr sz="1400" b="0" i="0" u="none" strike="noStrike" cap="none">
         <a:solidFill>
           <a:srgbClr val="000000"/>
         </a:solidFill>
@@ -163,7 +163,7 @@
         <a:sym typeface="Arial"/>
       </a:defRPr>
     </a:lvl5pPr>
-    <a:lvl6pPr lvl="5" marR="0" rtl="0" algn="l">
+    <a:lvl6pPr marR="0" lvl="5" algn="l" rtl="0">
       <a:lnSpc>
         <a:spcPct val="100000"/>
       </a:lnSpc>
@@ -177,7 +177,7 @@
         <a:srgbClr val="000000"/>
       </a:buClr>
       <a:buFont typeface="Arial"/>
-      <a:defRPr b="0" i="0" sz="1400" u="none" cap="none" strike="noStrike">
+      <a:defRPr sz="1400" b="0" i="0" u="none" strike="noStrike" cap="none">
         <a:solidFill>
           <a:srgbClr val="000000"/>
         </a:solidFill>
@@ -187,7 +187,7 @@
         <a:sym typeface="Arial"/>
       </a:defRPr>
     </a:lvl6pPr>
-    <a:lvl7pPr lvl="6" marR="0" rtl="0" algn="l">
+    <a:lvl7pPr marR="0" lvl="6" algn="l" rtl="0">
       <a:lnSpc>
         <a:spcPct val="100000"/>
       </a:lnSpc>
@@ -201,7 +201,7 @@
         <a:srgbClr val="000000"/>
       </a:buClr>
       <a:buFont typeface="Arial"/>
-      <a:defRPr b="0" i="0" sz="1400" u="none" cap="none" strike="noStrike">
+      <a:defRPr sz="1400" b="0" i="0" u="none" strike="noStrike" cap="none">
         <a:solidFill>
           <a:srgbClr val="000000"/>
         </a:solidFill>
@@ -211,7 +211,7 @@
         <a:sym typeface="Arial"/>
       </a:defRPr>
     </a:lvl7pPr>
-    <a:lvl8pPr lvl="7" marR="0" rtl="0" algn="l">
+    <a:lvl8pPr marR="0" lvl="7" algn="l" rtl="0">
       <a:lnSpc>
         <a:spcPct val="100000"/>
       </a:lnSpc>
@@ -225,7 +225,7 @@
         <a:srgbClr val="000000"/>
       </a:buClr>
       <a:buFont typeface="Arial"/>
-      <a:defRPr b="0" i="0" sz="1400" u="none" cap="none" strike="noStrike">
+      <a:defRPr sz="1400" b="0" i="0" u="none" strike="noStrike" cap="none">
         <a:solidFill>
           <a:srgbClr val="000000"/>
         </a:solidFill>
@@ -235,7 +235,7 @@
         <a:sym typeface="Arial"/>
       </a:defRPr>
     </a:lvl8pPr>
-    <a:lvl9pPr lvl="8" marR="0" rtl="0" algn="l">
+    <a:lvl9pPr marR="0" lvl="8" algn="l" rtl="0">
       <a:lnSpc>
         <a:spcPct val="100000"/>
       </a:lnSpc>
@@ -249,7 +249,7 @@
         <a:srgbClr val="000000"/>
       </a:buClr>
       <a:buFont typeface="Arial"/>
-      <a:defRPr b="0" i="0" sz="1400" u="none" cap="none" strike="noStrike">
+      <a:defRPr sz="1400" b="0" i="0" u="none" strike="noStrike" cap="none">
         <a:solidFill>
           <a:srgbClr val="000000"/>
         </a:solidFill>
@@ -264,11 +264,16 @@
 </file>
 
 <file path=ppt/notesMasters/notesMaster1.xml><?xml version="1.0" encoding="utf-8"?>
-<p:notesMaster xmlns:a="http://schemas.openxmlformats.org/drawingml/2006/main" xmlns:r="http://schemas.openxmlformats.org/officeDocument/2006/relationships" xmlns:mc="http://schemas.openxmlformats.org/markup-compatibility/2006" xmlns:mv="urn:schemas-microsoft-com:mac:vml" xmlns:p="http://schemas.openxmlformats.org/presentationml/2006/main" xmlns:c="http://schemas.openxmlformats.org/drawingml/2006/chart" xmlns:dgm="http://schemas.openxmlformats.org/drawingml/2006/diagram" xmlns:o="urn:schemas-microsoft-com:office:office" xmlns:v="urn:schemas-microsoft-com:vml" xmlns:pvml="urn:schemas-microsoft-com:office:powerpoint" xmlns:com="http://schemas.openxmlformats.org/drawingml/2006/compatibility" xmlns:p14="http://schemas.microsoft.com/office/powerpoint/2010/main" xmlns:p15="http://schemas.microsoft.com/office/powerpoint/2012/main">
+<p:notesMaster xmlns:a="http://schemas.openxmlformats.org/drawingml/2006/main" xmlns:r="http://schemas.openxmlformats.org/officeDocument/2006/relationships" xmlns:p="http://schemas.openxmlformats.org/presentationml/2006/main">
   <p:cSld>
+    <p:bg>
+      <p:bgRef idx="1001">
+        <a:schemeClr val="bg1"/>
+      </p:bgRef>
+    </p:bg>
     <p:spTree>
       <p:nvGrpSpPr>
-        <p:cNvPr id="2" name="Shape 2"/>
+        <p:cNvPr id="1" name="Shape 2"/>
         <p:cNvGrpSpPr/>
         <p:nvPr/>
       </p:nvGrpSpPr>
@@ -283,9 +288,11 @@
       <p:sp>
         <p:nvSpPr>
           <p:cNvPr id="3" name="Google Shape;3;n"/>
-          <p:cNvSpPr/>
+          <p:cNvSpPr>
+            <a:spLocks noGrp="1" noRot="1" noChangeAspect="1"/>
+          </p:cNvSpPr>
           <p:nvPr>
-            <p:ph idx="2" type="sldImg"/>
+            <p:ph type="sldImg" idx="2"/>
           </p:nvPr>
         </p:nvSpPr>
         <p:spPr>
@@ -294,9 +301,13 @@
             <a:ext cx="6096075" cy="3429000"/>
           </a:xfrm>
           <a:custGeom>
-            <a:rect b="b" l="l" r="r" t="t"/>
+            <a:avLst/>
+            <a:gdLst/>
+            <a:ahLst/>
+            <a:cxnLst/>
+            <a:rect l="l" t="t" r="r" b="b"/>
             <a:pathLst>
-              <a:path extrusionOk="0" h="120000" w="120000">
+              <a:path w="120000" h="120000" extrusionOk="0">
                 <a:moveTo>
                   <a:pt x="0" y="0"/>
                 </a:moveTo>
@@ -314,23 +325,25 @@
             </a:pathLst>
           </a:custGeom>
           <a:noFill/>
-          <a:ln cap="flat" cmpd="sng" w="9525">
+          <a:ln w="9525" cap="flat" cmpd="sng">
             <a:solidFill>
               <a:srgbClr val="000000"/>
             </a:solidFill>
             <a:prstDash val="solid"/>
             <a:round/>
-            <a:headEnd len="sm" w="sm" type="none"/>
-            <a:tailEnd len="sm" w="sm" type="none"/>
+            <a:headEnd type="none" w="sm" len="sm"/>
+            <a:tailEnd type="none" w="sm" len="sm"/>
           </a:ln>
         </p:spPr>
       </p:sp>
       <p:sp>
         <p:nvSpPr>
           <p:cNvPr id="4" name="Google Shape;4;n"/>
-          <p:cNvSpPr txBox="1"/>
+          <p:cNvSpPr txBox="1">
+            <a:spLocks noGrp="1"/>
+          </p:cNvSpPr>
           <p:nvPr>
-            <p:ph idx="1" type="body"/>
+            <p:ph type="body" idx="1"/>
           </p:nvPr>
         </p:nvSpPr>
         <p:spPr>
@@ -347,9 +360,9 @@
           </a:ln>
         </p:spPr>
         <p:txBody>
-          <a:bodyPr anchorCtr="0" anchor="t" bIns="91425" lIns="91425" spcFirstLastPara="1" rIns="91425" wrap="square" tIns="91425"/>
+          <a:bodyPr spcFirstLastPara="1" wrap="square" lIns="91425" tIns="91425" rIns="91425" bIns="91425" anchor="t" anchorCtr="0"/>
           <a:lstStyle>
-            <a:lvl1pPr indent="-298450" lvl="0" marL="457200">
+            <a:lvl1pPr marL="457200" lvl="0" indent="-298450">
               <a:spcBef>
                 <a:spcPts val="0"/>
               </a:spcBef>
@@ -360,7 +373,7 @@
               <a:buChar char="●"/>
               <a:defRPr sz="1100"/>
             </a:lvl1pPr>
-            <a:lvl2pPr indent="-298450" lvl="1" marL="914400">
+            <a:lvl2pPr marL="914400" lvl="1" indent="-298450">
               <a:spcBef>
                 <a:spcPts val="0"/>
               </a:spcBef>
@@ -371,7 +384,7 @@
               <a:buChar char="○"/>
               <a:defRPr sz="1100"/>
             </a:lvl2pPr>
-            <a:lvl3pPr indent="-298450" lvl="2" marL="1371600">
+            <a:lvl3pPr marL="1371600" lvl="2" indent="-298450">
               <a:spcBef>
                 <a:spcPts val="0"/>
               </a:spcBef>
@@ -382,7 +395,7 @@
               <a:buChar char="■"/>
               <a:defRPr sz="1100"/>
             </a:lvl3pPr>
-            <a:lvl4pPr indent="-298450" lvl="3" marL="1828800">
+            <a:lvl4pPr marL="1828800" lvl="3" indent="-298450">
               <a:spcBef>
                 <a:spcPts val="0"/>
               </a:spcBef>
@@ -393,7 +406,7 @@
               <a:buChar char="●"/>
               <a:defRPr sz="1100"/>
             </a:lvl4pPr>
-            <a:lvl5pPr indent="-298450" lvl="4" marL="2286000">
+            <a:lvl5pPr marL="2286000" lvl="4" indent="-298450">
               <a:spcBef>
                 <a:spcPts val="0"/>
               </a:spcBef>
@@ -404,7 +417,7 @@
               <a:buChar char="○"/>
               <a:defRPr sz="1100"/>
             </a:lvl5pPr>
-            <a:lvl6pPr indent="-298450" lvl="5" marL="2743200">
+            <a:lvl6pPr marL="2743200" lvl="5" indent="-298450">
               <a:spcBef>
                 <a:spcPts val="0"/>
               </a:spcBef>
@@ -415,7 +428,7 @@
               <a:buChar char="■"/>
               <a:defRPr sz="1100"/>
             </a:lvl6pPr>
-            <a:lvl7pPr indent="-298450" lvl="6" marL="3200400">
+            <a:lvl7pPr marL="3200400" lvl="6" indent="-298450">
               <a:spcBef>
                 <a:spcPts val="0"/>
               </a:spcBef>
@@ -426,7 +439,7 @@
               <a:buChar char="●"/>
               <a:defRPr sz="1100"/>
             </a:lvl7pPr>
-            <a:lvl8pPr indent="-298450" lvl="7" marL="3657600">
+            <a:lvl8pPr marL="3657600" lvl="7" indent="-298450">
               <a:spcBef>
                 <a:spcPts val="0"/>
               </a:spcBef>
@@ -437,7 +450,7 @@
               <a:buChar char="○"/>
               <a:defRPr sz="1100"/>
             </a:lvl8pPr>
-            <a:lvl9pPr indent="-298450" lvl="8" marL="4114800">
+            <a:lvl9pPr marL="4114800" lvl="8" indent="-298450">
               <a:spcBef>
                 <a:spcPts val="0"/>
               </a:spcBef>
@@ -449,14 +462,21 @@
               <a:defRPr sz="1100"/>
             </a:lvl9pPr>
           </a:lstStyle>
-          <a:p/>
+          <a:p>
+            <a:endParaRPr/>
+          </a:p>
         </p:txBody>
       </p:sp>
     </p:spTree>
+    <p:extLst>
+      <p:ext uri="{BB962C8B-B14F-4D97-AF65-F5344CB8AC3E}">
+        <p14:creationId xmlns:p14="http://schemas.microsoft.com/office/powerpoint/2010/main" val="1883789293"/>
+      </p:ext>
+    </p:extLst>
   </p:cSld>
-  <p:clrMap accent1="accent1" accent2="accent2" accent3="accent3" accent4="accent4" accent5="accent5" accent6="accent6" bg1="lt1" bg2="dk2" tx1="dk1" tx2="lt2" folHlink="folHlink" hlink="hlink"/>
+  <p:clrMap bg1="lt1" tx1="dk1" bg2="dk2" tx2="lt2" accent1="accent1" accent2="accent2" accent3="accent3" accent4="accent4" accent5="accent5" accent6="accent6" hlink="hlink" folHlink="folHlink"/>
   <p:notesStyle>
-    <a:defPPr lvl="0" marR="0" rtl="0" algn="l">
+    <a:defPPr marR="0" lvl="0" algn="l" rtl="0">
       <a:lnSpc>
         <a:spcPct val="100000"/>
       </a:lnSpc>
@@ -467,7 +487,7 @@
         <a:spcPts val="0"/>
       </a:spcAft>
     </a:defPPr>
-    <a:lvl1pPr lvl="0" marR="0" rtl="0" algn="l">
+    <a:lvl1pPr marR="0" lvl="0" algn="l" rtl="0">
       <a:lnSpc>
         <a:spcPct val="100000"/>
       </a:lnSpc>
@@ -481,7 +501,7 @@
         <a:srgbClr val="000000"/>
       </a:buClr>
       <a:buFont typeface="Arial"/>
-      <a:defRPr b="0" i="0" sz="1400" u="none" cap="none" strike="noStrike">
+      <a:defRPr sz="1400" b="0" i="0" u="none" strike="noStrike" cap="none">
         <a:solidFill>
           <a:srgbClr val="000000"/>
         </a:solidFill>
@@ -491,7 +511,7 @@
         <a:sym typeface="Arial"/>
       </a:defRPr>
     </a:lvl1pPr>
-    <a:lvl2pPr lvl="1" marR="0" rtl="0" algn="l">
+    <a:lvl2pPr marR="0" lvl="1" algn="l" rtl="0">
       <a:lnSpc>
         <a:spcPct val="100000"/>
       </a:lnSpc>
@@ -505,7 +525,7 @@
         <a:srgbClr val="000000"/>
       </a:buClr>
       <a:buFont typeface="Arial"/>
-      <a:defRPr b="0" i="0" sz="1400" u="none" cap="none" strike="noStrike">
+      <a:defRPr sz="1400" b="0" i="0" u="none" strike="noStrike" cap="none">
         <a:solidFill>
           <a:srgbClr val="000000"/>
         </a:solidFill>
@@ -515,7 +535,7 @@
         <a:sym typeface="Arial"/>
       </a:defRPr>
     </a:lvl2pPr>
-    <a:lvl3pPr lvl="2" marR="0" rtl="0" algn="l">
+    <a:lvl3pPr marR="0" lvl="2" algn="l" rtl="0">
       <a:lnSpc>
         <a:spcPct val="100000"/>
       </a:lnSpc>
@@ -529,7 +549,7 @@
         <a:srgbClr val="000000"/>
       </a:buClr>
       <a:buFont typeface="Arial"/>
-      <a:defRPr b="0" i="0" sz="1400" u="none" cap="none" strike="noStrike">
+      <a:defRPr sz="1400" b="0" i="0" u="none" strike="noStrike" cap="none">
         <a:solidFill>
           <a:srgbClr val="000000"/>
         </a:solidFill>
@@ -539,7 +559,7 @@
         <a:sym typeface="Arial"/>
       </a:defRPr>
     </a:lvl3pPr>
-    <a:lvl4pPr lvl="3" marR="0" rtl="0" algn="l">
+    <a:lvl4pPr marR="0" lvl="3" algn="l" rtl="0">
       <a:lnSpc>
         <a:spcPct val="100000"/>
       </a:lnSpc>
@@ -553,7 +573,7 @@
         <a:srgbClr val="000000"/>
       </a:buClr>
       <a:buFont typeface="Arial"/>
-      <a:defRPr b="0" i="0" sz="1400" u="none" cap="none" strike="noStrike">
+      <a:defRPr sz="1400" b="0" i="0" u="none" strike="noStrike" cap="none">
         <a:solidFill>
           <a:srgbClr val="000000"/>
         </a:solidFill>
@@ -563,7 +583,7 @@
         <a:sym typeface="Arial"/>
       </a:defRPr>
     </a:lvl4pPr>
-    <a:lvl5pPr lvl="4" marR="0" rtl="0" algn="l">
+    <a:lvl5pPr marR="0" lvl="4" algn="l" rtl="0">
       <a:lnSpc>
         <a:spcPct val="100000"/>
       </a:lnSpc>
@@ -577,7 +597,7 @@
         <a:srgbClr val="000000"/>
       </a:buClr>
       <a:buFont typeface="Arial"/>
-      <a:defRPr b="0" i="0" sz="1400" u="none" cap="none" strike="noStrike">
+      <a:defRPr sz="1400" b="0" i="0" u="none" strike="noStrike" cap="none">
         <a:solidFill>
           <a:srgbClr val="000000"/>
         </a:solidFill>
@@ -587,7 +607,7 @@
         <a:sym typeface="Arial"/>
       </a:defRPr>
     </a:lvl5pPr>
-    <a:lvl6pPr lvl="5" marR="0" rtl="0" algn="l">
+    <a:lvl6pPr marR="0" lvl="5" algn="l" rtl="0">
       <a:lnSpc>
         <a:spcPct val="100000"/>
       </a:lnSpc>
@@ -601,7 +621,7 @@
         <a:srgbClr val="000000"/>
       </a:buClr>
       <a:buFont typeface="Arial"/>
-      <a:defRPr b="0" i="0" sz="1400" u="none" cap="none" strike="noStrike">
+      <a:defRPr sz="1400" b="0" i="0" u="none" strike="noStrike" cap="none">
         <a:solidFill>
           <a:srgbClr val="000000"/>
         </a:solidFill>
@@ -611,7 +631,7 @@
         <a:sym typeface="Arial"/>
       </a:defRPr>
     </a:lvl6pPr>
-    <a:lvl7pPr lvl="6" marR="0" rtl="0" algn="l">
+    <a:lvl7pPr marR="0" lvl="6" algn="l" rtl="0">
       <a:lnSpc>
         <a:spcPct val="100000"/>
       </a:lnSpc>
@@ -625,7 +645,7 @@
         <a:srgbClr val="000000"/>
       </a:buClr>
       <a:buFont typeface="Arial"/>
-      <a:defRPr b="0" i="0" sz="1400" u="none" cap="none" strike="noStrike">
+      <a:defRPr sz="1400" b="0" i="0" u="none" strike="noStrike" cap="none">
         <a:solidFill>
           <a:srgbClr val="000000"/>
         </a:solidFill>
@@ -635,7 +655,7 @@
         <a:sym typeface="Arial"/>
       </a:defRPr>
     </a:lvl7pPr>
-    <a:lvl8pPr lvl="7" marR="0" rtl="0" algn="l">
+    <a:lvl8pPr marR="0" lvl="7" algn="l" rtl="0">
       <a:lnSpc>
         <a:spcPct val="100000"/>
       </a:lnSpc>
@@ -649,7 +669,7 @@
         <a:srgbClr val="000000"/>
       </a:buClr>
       <a:buFont typeface="Arial"/>
-      <a:defRPr b="0" i="0" sz="1400" u="none" cap="none" strike="noStrike">
+      <a:defRPr sz="1400" b="0" i="0" u="none" strike="noStrike" cap="none">
         <a:solidFill>
           <a:srgbClr val="000000"/>
         </a:solidFill>
@@ -659,7 +679,7 @@
         <a:sym typeface="Arial"/>
       </a:defRPr>
     </a:lvl8pPr>
-    <a:lvl9pPr lvl="8" marR="0" rtl="0" algn="l">
+    <a:lvl9pPr marR="0" lvl="8" algn="l" rtl="0">
       <a:lnSpc>
         <a:spcPct val="100000"/>
       </a:lnSpc>
@@ -673,7 +693,7 @@
         <a:srgbClr val="000000"/>
       </a:buClr>
       <a:buFont typeface="Arial"/>
-      <a:defRPr b="0" i="0" sz="1400" u="none" cap="none" strike="noStrike">
+      <a:defRPr sz="1400" b="0" i="0" u="none" strike="noStrike" cap="none">
         <a:solidFill>
           <a:srgbClr val="000000"/>
         </a:solidFill>
@@ -688,11 +708,11 @@
 </file>
 
 <file path=ppt/notesSlides/notesSlide1.xml><?xml version="1.0" encoding="utf-8"?>
-<p:notes xmlns:a="http://schemas.openxmlformats.org/drawingml/2006/main" xmlns:r="http://schemas.openxmlformats.org/officeDocument/2006/relationships" xmlns:mc="http://schemas.openxmlformats.org/markup-compatibility/2006" xmlns:mv="urn:schemas-microsoft-com:mac:vml" xmlns:p="http://schemas.openxmlformats.org/presentationml/2006/main" xmlns:c="http://schemas.openxmlformats.org/drawingml/2006/chart" xmlns:dgm="http://schemas.openxmlformats.org/drawingml/2006/diagram" xmlns:o="urn:schemas-microsoft-com:office:office" xmlns:v="urn:schemas-microsoft-com:vml" xmlns:pvml="urn:schemas-microsoft-com:office:powerpoint" xmlns:com="http://schemas.openxmlformats.org/drawingml/2006/compatibility" xmlns:p14="http://schemas.microsoft.com/office/powerpoint/2010/main" xmlns:p15="http://schemas.microsoft.com/office/powerpoint/2012/main" showMasterPhAnim="0" showMasterSp="0">
+<p:notes xmlns:a="http://schemas.openxmlformats.org/drawingml/2006/main" xmlns:r="http://schemas.openxmlformats.org/officeDocument/2006/relationships" xmlns:p="http://schemas.openxmlformats.org/presentationml/2006/main" showMasterSp="0" showMasterPhAnim="0">
   <p:cSld>
     <p:spTree>
       <p:nvGrpSpPr>
-        <p:cNvPr id="55" name="Shape 55"/>
+        <p:cNvPr id="1" name="Shape 55"/>
         <p:cNvGrpSpPr/>
         <p:nvPr/>
       </p:nvGrpSpPr>
@@ -707,20 +727,26 @@
       <p:sp>
         <p:nvSpPr>
           <p:cNvPr id="56" name="Google Shape;56;p:notes"/>
-          <p:cNvSpPr/>
+          <p:cNvSpPr>
+            <a:spLocks noGrp="1" noRot="1" noChangeAspect="1"/>
+          </p:cNvSpPr>
           <p:nvPr>
-            <p:ph idx="2" type="sldImg"/>
+            <p:ph type="sldImg" idx="2"/>
           </p:nvPr>
         </p:nvSpPr>
         <p:spPr>
           <a:xfrm>
-            <a:off x="381300" y="685800"/>
-            <a:ext cx="6096075" cy="3429000"/>
+            <a:off x="381000" y="685800"/>
+            <a:ext cx="6096000" cy="3429000"/>
           </a:xfrm>
           <a:custGeom>
-            <a:rect b="b" l="l" r="r" t="t"/>
+            <a:avLst/>
+            <a:gdLst/>
+            <a:ahLst/>
+            <a:cxnLst/>
+            <a:rect l="l" t="t" r="r" b="b"/>
             <a:pathLst>
-              <a:path extrusionOk="0" h="120000" w="120000">
+              <a:path w="120000" h="120000" extrusionOk="0">
                 <a:moveTo>
                   <a:pt x="0" y="0"/>
                 </a:moveTo>
@@ -742,9 +768,11 @@
       <p:sp>
         <p:nvSpPr>
           <p:cNvPr id="57" name="Google Shape;57;p:notes"/>
-          <p:cNvSpPr txBox="1"/>
+          <p:cNvSpPr txBox="1">
+            <a:spLocks noGrp="1"/>
+          </p:cNvSpPr>
           <p:nvPr>
-            <p:ph idx="1" type="body"/>
+            <p:ph type="body" idx="1"/>
           </p:nvPr>
         </p:nvSpPr>
         <p:spPr>
@@ -757,12 +785,12 @@
           </a:prstGeom>
         </p:spPr>
         <p:txBody>
-          <a:bodyPr anchorCtr="0" anchor="t" bIns="91425" lIns="91425" spcFirstLastPara="1" rIns="91425" wrap="square" tIns="91425">
+          <a:bodyPr spcFirstLastPara="1" wrap="square" lIns="91425" tIns="91425" rIns="91425" bIns="91425" anchor="t" anchorCtr="0">
             <a:noAutofit/>
           </a:bodyPr>
           <a:lstStyle/>
           <a:p>
-            <a:pPr indent="0" lvl="0" marL="0" rtl="0" algn="l">
+            <a:pPr marL="0" lvl="0" indent="0" algn="l" rtl="0">
               <a:spcBef>
                 <a:spcPts val="0"/>
               </a:spcBef>
@@ -771,14 +799,16 @@
               </a:spcAft>
               <a:buNone/>
             </a:pPr>
-            <a:r>
-              <a:t/>
-            </a:r>
             <a:endParaRPr/>
           </a:p>
         </p:txBody>
       </p:sp>
     </p:spTree>
+    <p:extLst>
+      <p:ext uri="{BB962C8B-B14F-4D97-AF65-F5344CB8AC3E}">
+        <p14:creationId xmlns:p14="http://schemas.microsoft.com/office/powerpoint/2010/main" val="2494052952"/>
+      </p:ext>
+    </p:extLst>
   </p:cSld>
   <p:clrMapOvr>
     <a:masterClrMapping/>
@@ -787,11 +817,11 @@
 </file>
 
 <file path=ppt/notesSlides/notesSlide2.xml><?xml version="1.0" encoding="utf-8"?>
-<p:notes xmlns:a="http://schemas.openxmlformats.org/drawingml/2006/main" xmlns:r="http://schemas.openxmlformats.org/officeDocument/2006/relationships" xmlns:mc="http://schemas.openxmlformats.org/markup-compatibility/2006" xmlns:mv="urn:schemas-microsoft-com:mac:vml" xmlns:p="http://schemas.openxmlformats.org/presentationml/2006/main" xmlns:c="http://schemas.openxmlformats.org/drawingml/2006/chart" xmlns:dgm="http://schemas.openxmlformats.org/drawingml/2006/diagram" xmlns:o="urn:schemas-microsoft-com:office:office" xmlns:v="urn:schemas-microsoft-com:vml" xmlns:pvml="urn:schemas-microsoft-com:office:powerpoint" xmlns:com="http://schemas.openxmlformats.org/drawingml/2006/compatibility" xmlns:p14="http://schemas.microsoft.com/office/powerpoint/2010/main" xmlns:p15="http://schemas.microsoft.com/office/powerpoint/2012/main" showMasterPhAnim="0" showMasterSp="0">
+<p:notes xmlns:a="http://schemas.openxmlformats.org/drawingml/2006/main" xmlns:r="http://schemas.openxmlformats.org/officeDocument/2006/relationships" xmlns:p="http://schemas.openxmlformats.org/presentationml/2006/main" showMasterSp="0" showMasterPhAnim="0">
   <p:cSld>
     <p:spTree>
       <p:nvGrpSpPr>
-        <p:cNvPr id="61" name="Shape 61"/>
+        <p:cNvPr id="1" name="Shape 61"/>
         <p:cNvGrpSpPr/>
         <p:nvPr/>
       </p:nvGrpSpPr>
@@ -806,20 +836,26 @@
       <p:sp>
         <p:nvSpPr>
           <p:cNvPr id="62" name="Google Shape;62;g4c618b5ddd_1_10:notes"/>
-          <p:cNvSpPr/>
+          <p:cNvSpPr>
+            <a:spLocks noGrp="1" noRot="1" noChangeAspect="1"/>
+          </p:cNvSpPr>
           <p:nvPr>
-            <p:ph idx="2" type="sldImg"/>
+            <p:ph type="sldImg" idx="2"/>
           </p:nvPr>
         </p:nvSpPr>
         <p:spPr>
           <a:xfrm>
-            <a:off x="381300" y="685800"/>
+            <a:off x="381000" y="685800"/>
             <a:ext cx="6096000" cy="3429000"/>
           </a:xfrm>
           <a:custGeom>
-            <a:rect b="b" l="l" r="r" t="t"/>
+            <a:avLst/>
+            <a:gdLst/>
+            <a:ahLst/>
+            <a:cxnLst/>
+            <a:rect l="l" t="t" r="r" b="b"/>
             <a:pathLst>
-              <a:path extrusionOk="0" h="120000" w="120000">
+              <a:path w="120000" h="120000" extrusionOk="0">
                 <a:moveTo>
                   <a:pt x="0" y="0"/>
                 </a:moveTo>
@@ -841,9 +877,11 @@
       <p:sp>
         <p:nvSpPr>
           <p:cNvPr id="63" name="Google Shape;63;g4c618b5ddd_1_10:notes"/>
-          <p:cNvSpPr txBox="1"/>
+          <p:cNvSpPr txBox="1">
+            <a:spLocks noGrp="1"/>
+          </p:cNvSpPr>
           <p:nvPr>
-            <p:ph idx="1" type="body"/>
+            <p:ph type="body" idx="1"/>
           </p:nvPr>
         </p:nvSpPr>
         <p:spPr>
@@ -856,12 +894,12 @@
           </a:prstGeom>
         </p:spPr>
         <p:txBody>
-          <a:bodyPr anchorCtr="0" anchor="t" bIns="91425" lIns="91425" spcFirstLastPara="1" rIns="91425" wrap="square" tIns="91425">
+          <a:bodyPr spcFirstLastPara="1" wrap="square" lIns="91425" tIns="91425" rIns="91425" bIns="91425" anchor="t" anchorCtr="0">
             <a:noAutofit/>
           </a:bodyPr>
           <a:lstStyle/>
           <a:p>
-            <a:pPr indent="0" lvl="0" marL="0" rtl="0" algn="l">
+            <a:pPr marL="0" lvl="0" indent="0" algn="l" rtl="0">
               <a:spcBef>
                 <a:spcPts val="0"/>
               </a:spcBef>
@@ -870,14 +908,16 @@
               </a:spcAft>
               <a:buNone/>
             </a:pPr>
-            <a:r>
-              <a:t/>
-            </a:r>
             <a:endParaRPr/>
           </a:p>
         </p:txBody>
       </p:sp>
     </p:spTree>
+    <p:extLst>
+      <p:ext uri="{BB962C8B-B14F-4D97-AF65-F5344CB8AC3E}">
+        <p14:creationId xmlns:p14="http://schemas.microsoft.com/office/powerpoint/2010/main" val="401272526"/>
+      </p:ext>
+    </p:extLst>
   </p:cSld>
   <p:clrMapOvr>
     <a:masterClrMapping/>
@@ -886,11 +926,11 @@
 </file>
 
 <file path=ppt/notesSlides/notesSlide3.xml><?xml version="1.0" encoding="utf-8"?>
-<p:notes xmlns:a="http://schemas.openxmlformats.org/drawingml/2006/main" xmlns:r="http://schemas.openxmlformats.org/officeDocument/2006/relationships" xmlns:mc="http://schemas.openxmlformats.org/markup-compatibility/2006" xmlns:mv="urn:schemas-microsoft-com:mac:vml" xmlns:p="http://schemas.openxmlformats.org/presentationml/2006/main" xmlns:c="http://schemas.openxmlformats.org/drawingml/2006/chart" xmlns:dgm="http://schemas.openxmlformats.org/drawingml/2006/diagram" xmlns:o="urn:schemas-microsoft-com:office:office" xmlns:v="urn:schemas-microsoft-com:vml" xmlns:pvml="urn:schemas-microsoft-com:office:powerpoint" xmlns:com="http://schemas.openxmlformats.org/drawingml/2006/compatibility" xmlns:p14="http://schemas.microsoft.com/office/powerpoint/2010/main" xmlns:p15="http://schemas.microsoft.com/office/powerpoint/2012/main" showMasterPhAnim="0" showMasterSp="0">
+<p:notes xmlns:a="http://schemas.openxmlformats.org/drawingml/2006/main" xmlns:r="http://schemas.openxmlformats.org/officeDocument/2006/relationships" xmlns:p="http://schemas.openxmlformats.org/presentationml/2006/main" showMasterSp="0" showMasterPhAnim="0">
   <p:cSld>
     <p:spTree>
       <p:nvGrpSpPr>
-        <p:cNvPr id="67" name="Shape 67"/>
+        <p:cNvPr id="1" name="Shape 67"/>
         <p:cNvGrpSpPr/>
         <p:nvPr/>
       </p:nvGrpSpPr>
@@ -905,20 +945,26 @@
       <p:sp>
         <p:nvSpPr>
           <p:cNvPr id="68" name="Google Shape;68;g4c618b5ddd_1_19:notes"/>
-          <p:cNvSpPr/>
+          <p:cNvSpPr>
+            <a:spLocks noGrp="1" noRot="1" noChangeAspect="1"/>
+          </p:cNvSpPr>
           <p:nvPr>
-            <p:ph idx="2" type="sldImg"/>
+            <p:ph type="sldImg" idx="2"/>
           </p:nvPr>
         </p:nvSpPr>
         <p:spPr>
           <a:xfrm>
-            <a:off x="381300" y="685800"/>
+            <a:off x="381000" y="685800"/>
             <a:ext cx="6096000" cy="3429000"/>
           </a:xfrm>
           <a:custGeom>
-            <a:rect b="b" l="l" r="r" t="t"/>
+            <a:avLst/>
+            <a:gdLst/>
+            <a:ahLst/>
+            <a:cxnLst/>
+            <a:rect l="l" t="t" r="r" b="b"/>
             <a:pathLst>
-              <a:path extrusionOk="0" h="120000" w="120000">
+              <a:path w="120000" h="120000" extrusionOk="0">
                 <a:moveTo>
                   <a:pt x="0" y="0"/>
                 </a:moveTo>
@@ -940,9 +986,11 @@
       <p:sp>
         <p:nvSpPr>
           <p:cNvPr id="69" name="Google Shape;69;g4c618b5ddd_1_19:notes"/>
-          <p:cNvSpPr txBox="1"/>
+          <p:cNvSpPr txBox="1">
+            <a:spLocks noGrp="1"/>
+          </p:cNvSpPr>
           <p:nvPr>
-            <p:ph idx="1" type="body"/>
+            <p:ph type="body" idx="1"/>
           </p:nvPr>
         </p:nvSpPr>
         <p:spPr>
@@ -955,12 +1003,12 @@
           </a:prstGeom>
         </p:spPr>
         <p:txBody>
-          <a:bodyPr anchorCtr="0" anchor="t" bIns="91425" lIns="91425" spcFirstLastPara="1" rIns="91425" wrap="square" tIns="91425">
+          <a:bodyPr spcFirstLastPara="1" wrap="square" lIns="91425" tIns="91425" rIns="91425" bIns="91425" anchor="t" anchorCtr="0">
             <a:noAutofit/>
           </a:bodyPr>
           <a:lstStyle/>
           <a:p>
-            <a:pPr indent="0" lvl="0" marL="0" rtl="0" algn="l">
+            <a:pPr marL="0" lvl="0" indent="0" algn="l" rtl="0">
               <a:spcBef>
                 <a:spcPts val="0"/>
               </a:spcBef>
@@ -969,14 +1017,16 @@
               </a:spcAft>
               <a:buNone/>
             </a:pPr>
-            <a:r>
-              <a:t/>
-            </a:r>
             <a:endParaRPr/>
           </a:p>
         </p:txBody>
       </p:sp>
     </p:spTree>
+    <p:extLst>
+      <p:ext uri="{BB962C8B-B14F-4D97-AF65-F5344CB8AC3E}">
+        <p14:creationId xmlns:p14="http://schemas.microsoft.com/office/powerpoint/2010/main" val="4088136634"/>
+      </p:ext>
+    </p:extLst>
   </p:cSld>
   <p:clrMapOvr>
     <a:masterClrMapping/>
@@ -985,11 +1035,11 @@
 </file>
 
 <file path=ppt/notesSlides/notesSlide4.xml><?xml version="1.0" encoding="utf-8"?>
-<p:notes xmlns:a="http://schemas.openxmlformats.org/drawingml/2006/main" xmlns:r="http://schemas.openxmlformats.org/officeDocument/2006/relationships" xmlns:mc="http://schemas.openxmlformats.org/markup-compatibility/2006" xmlns:mv="urn:schemas-microsoft-com:mac:vml" xmlns:p="http://schemas.openxmlformats.org/presentationml/2006/main" xmlns:c="http://schemas.openxmlformats.org/drawingml/2006/chart" xmlns:dgm="http://schemas.openxmlformats.org/drawingml/2006/diagram" xmlns:o="urn:schemas-microsoft-com:office:office" xmlns:v="urn:schemas-microsoft-com:vml" xmlns:pvml="urn:schemas-microsoft-com:office:powerpoint" xmlns:com="http://schemas.openxmlformats.org/drawingml/2006/compatibility" xmlns:p14="http://schemas.microsoft.com/office/powerpoint/2010/main" xmlns:p15="http://schemas.microsoft.com/office/powerpoint/2012/main" showMasterPhAnim="0" showMasterSp="0">
+<p:notes xmlns:a="http://schemas.openxmlformats.org/drawingml/2006/main" xmlns:r="http://schemas.openxmlformats.org/officeDocument/2006/relationships" xmlns:p="http://schemas.openxmlformats.org/presentationml/2006/main" showMasterSp="0" showMasterPhAnim="0">
   <p:cSld>
     <p:spTree>
       <p:nvGrpSpPr>
-        <p:cNvPr id="76" name="Shape 76"/>
+        <p:cNvPr id="1" name="Shape 76"/>
         <p:cNvGrpSpPr/>
         <p:nvPr/>
       </p:nvGrpSpPr>
@@ -1004,20 +1054,26 @@
       <p:sp>
         <p:nvSpPr>
           <p:cNvPr id="77" name="Google Shape;77;g4c618b5ddd_1_29:notes"/>
-          <p:cNvSpPr/>
+          <p:cNvSpPr>
+            <a:spLocks noGrp="1" noRot="1" noChangeAspect="1"/>
+          </p:cNvSpPr>
           <p:nvPr>
-            <p:ph idx="2" type="sldImg"/>
+            <p:ph type="sldImg" idx="2"/>
           </p:nvPr>
         </p:nvSpPr>
         <p:spPr>
           <a:xfrm>
-            <a:off x="381300" y="685800"/>
+            <a:off x="381000" y="685800"/>
             <a:ext cx="6096000" cy="3429000"/>
           </a:xfrm>
           <a:custGeom>
-            <a:rect b="b" l="l" r="r" t="t"/>
+            <a:avLst/>
+            <a:gdLst/>
+            <a:ahLst/>
+            <a:cxnLst/>
+            <a:rect l="l" t="t" r="r" b="b"/>
             <a:pathLst>
-              <a:path extrusionOk="0" h="120000" w="120000">
+              <a:path w="120000" h="120000" extrusionOk="0">
                 <a:moveTo>
                   <a:pt x="0" y="0"/>
                 </a:moveTo>
@@ -1039,9 +1095,11 @@
       <p:sp>
         <p:nvSpPr>
           <p:cNvPr id="78" name="Google Shape;78;g4c618b5ddd_1_29:notes"/>
-          <p:cNvSpPr txBox="1"/>
+          <p:cNvSpPr txBox="1">
+            <a:spLocks noGrp="1"/>
+          </p:cNvSpPr>
           <p:nvPr>
-            <p:ph idx="1" type="body"/>
+            <p:ph type="body" idx="1"/>
           </p:nvPr>
         </p:nvSpPr>
         <p:spPr>
@@ -1054,12 +1112,12 @@
           </a:prstGeom>
         </p:spPr>
         <p:txBody>
-          <a:bodyPr anchorCtr="0" anchor="t" bIns="91425" lIns="91425" spcFirstLastPara="1" rIns="91425" wrap="square" tIns="91425">
+          <a:bodyPr spcFirstLastPara="1" wrap="square" lIns="91425" tIns="91425" rIns="91425" bIns="91425" anchor="t" anchorCtr="0">
             <a:noAutofit/>
           </a:bodyPr>
           <a:lstStyle/>
           <a:p>
-            <a:pPr indent="0" lvl="0" marL="0" rtl="0" algn="l">
+            <a:pPr marL="0" lvl="0" indent="0" algn="l" rtl="0">
               <a:spcBef>
                 <a:spcPts val="0"/>
               </a:spcBef>
@@ -1068,14 +1126,16 @@
               </a:spcAft>
               <a:buNone/>
             </a:pPr>
-            <a:r>
-              <a:t/>
-            </a:r>
             <a:endParaRPr/>
           </a:p>
         </p:txBody>
       </p:sp>
     </p:spTree>
+    <p:extLst>
+      <p:ext uri="{BB962C8B-B14F-4D97-AF65-F5344CB8AC3E}">
+        <p14:creationId xmlns:p14="http://schemas.microsoft.com/office/powerpoint/2010/main" val="852098563"/>
+      </p:ext>
+    </p:extLst>
   </p:cSld>
   <p:clrMapOvr>
     <a:masterClrMapping/>
@@ -1084,11 +1144,11 @@
 </file>
 
 <file path=ppt/notesSlides/notesSlide5.xml><?xml version="1.0" encoding="utf-8"?>
-<p:notes xmlns:a="http://schemas.openxmlformats.org/drawingml/2006/main" xmlns:r="http://schemas.openxmlformats.org/officeDocument/2006/relationships" xmlns:mc="http://schemas.openxmlformats.org/markup-compatibility/2006" xmlns:mv="urn:schemas-microsoft-com:mac:vml" xmlns:p="http://schemas.openxmlformats.org/presentationml/2006/main" xmlns:c="http://schemas.openxmlformats.org/drawingml/2006/chart" xmlns:dgm="http://schemas.openxmlformats.org/drawingml/2006/diagram" xmlns:o="urn:schemas-microsoft-com:office:office" xmlns:v="urn:schemas-microsoft-com:vml" xmlns:pvml="urn:schemas-microsoft-com:office:powerpoint" xmlns:com="http://schemas.openxmlformats.org/drawingml/2006/compatibility" xmlns:p14="http://schemas.microsoft.com/office/powerpoint/2010/main" xmlns:p15="http://schemas.microsoft.com/office/powerpoint/2012/main" showMasterPhAnim="0" showMasterSp="0">
+<p:notes xmlns:a="http://schemas.openxmlformats.org/drawingml/2006/main" xmlns:r="http://schemas.openxmlformats.org/officeDocument/2006/relationships" xmlns:p="http://schemas.openxmlformats.org/presentationml/2006/main" showMasterSp="0" showMasterPhAnim="0">
   <p:cSld>
     <p:spTree>
       <p:nvGrpSpPr>
-        <p:cNvPr id="83" name="Shape 83"/>
+        <p:cNvPr id="1" name="Shape 83"/>
         <p:cNvGrpSpPr/>
         <p:nvPr/>
       </p:nvGrpSpPr>
@@ -1103,20 +1163,26 @@
       <p:sp>
         <p:nvSpPr>
           <p:cNvPr id="84" name="Google Shape;84;g4c618b5ddd_1_37:notes"/>
-          <p:cNvSpPr/>
+          <p:cNvSpPr>
+            <a:spLocks noGrp="1" noRot="1" noChangeAspect="1"/>
+          </p:cNvSpPr>
           <p:nvPr>
-            <p:ph idx="2" type="sldImg"/>
+            <p:ph type="sldImg" idx="2"/>
           </p:nvPr>
         </p:nvSpPr>
         <p:spPr>
           <a:xfrm>
-            <a:off x="381300" y="685800"/>
+            <a:off x="381000" y="685800"/>
             <a:ext cx="6096000" cy="3429000"/>
           </a:xfrm>
           <a:custGeom>
-            <a:rect b="b" l="l" r="r" t="t"/>
+            <a:avLst/>
+            <a:gdLst/>
+            <a:ahLst/>
+            <a:cxnLst/>
+            <a:rect l="l" t="t" r="r" b="b"/>
             <a:pathLst>
-              <a:path extrusionOk="0" h="120000" w="120000">
+              <a:path w="120000" h="120000" extrusionOk="0">
                 <a:moveTo>
                   <a:pt x="0" y="0"/>
                 </a:moveTo>
@@ -1138,9 +1204,11 @@
       <p:sp>
         <p:nvSpPr>
           <p:cNvPr id="85" name="Google Shape;85;g4c618b5ddd_1_37:notes"/>
-          <p:cNvSpPr txBox="1"/>
+          <p:cNvSpPr txBox="1">
+            <a:spLocks noGrp="1"/>
+          </p:cNvSpPr>
           <p:nvPr>
-            <p:ph idx="1" type="body"/>
+            <p:ph type="body" idx="1"/>
           </p:nvPr>
         </p:nvSpPr>
         <p:spPr>
@@ -1153,12 +1221,12 @@
           </a:prstGeom>
         </p:spPr>
         <p:txBody>
-          <a:bodyPr anchorCtr="0" anchor="t" bIns="91425" lIns="91425" spcFirstLastPara="1" rIns="91425" wrap="square" tIns="91425">
+          <a:bodyPr spcFirstLastPara="1" wrap="square" lIns="91425" tIns="91425" rIns="91425" bIns="91425" anchor="t" anchorCtr="0">
             <a:noAutofit/>
           </a:bodyPr>
           <a:lstStyle/>
           <a:p>
-            <a:pPr indent="0" lvl="0" marL="0" rtl="0" algn="l">
+            <a:pPr marL="0" lvl="0" indent="0" algn="l" rtl="0">
               <a:spcBef>
                 <a:spcPts val="0"/>
               </a:spcBef>
@@ -1167,14 +1235,16 @@
               </a:spcAft>
               <a:buNone/>
             </a:pPr>
-            <a:r>
-              <a:t/>
-            </a:r>
             <a:endParaRPr/>
           </a:p>
         </p:txBody>
       </p:sp>
     </p:spTree>
+    <p:extLst>
+      <p:ext uri="{BB962C8B-B14F-4D97-AF65-F5344CB8AC3E}">
+        <p14:creationId xmlns:p14="http://schemas.microsoft.com/office/powerpoint/2010/main" val="3296042126"/>
+      </p:ext>
+    </p:extLst>
   </p:cSld>
   <p:clrMapOvr>
     <a:masterClrMapping/>
@@ -1183,11 +1253,11 @@
 </file>
 
 <file path=ppt/notesSlides/notesSlide6.xml><?xml version="1.0" encoding="utf-8"?>
-<p:notes xmlns:a="http://schemas.openxmlformats.org/drawingml/2006/main" xmlns:r="http://schemas.openxmlformats.org/officeDocument/2006/relationships" xmlns:mc="http://schemas.openxmlformats.org/markup-compatibility/2006" xmlns:mv="urn:schemas-microsoft-com:mac:vml" xmlns:p="http://schemas.openxmlformats.org/presentationml/2006/main" xmlns:c="http://schemas.openxmlformats.org/drawingml/2006/chart" xmlns:dgm="http://schemas.openxmlformats.org/drawingml/2006/diagram" xmlns:o="urn:schemas-microsoft-com:office:office" xmlns:v="urn:schemas-microsoft-com:vml" xmlns:pvml="urn:schemas-microsoft-com:office:powerpoint" xmlns:com="http://schemas.openxmlformats.org/drawingml/2006/compatibility" xmlns:p14="http://schemas.microsoft.com/office/powerpoint/2010/main" xmlns:p15="http://schemas.microsoft.com/office/powerpoint/2012/main" showMasterPhAnim="0" showMasterSp="0">
+<p:notes xmlns:a="http://schemas.openxmlformats.org/drawingml/2006/main" xmlns:r="http://schemas.openxmlformats.org/officeDocument/2006/relationships" xmlns:p="http://schemas.openxmlformats.org/presentationml/2006/main" showMasterSp="0" showMasterPhAnim="0">
   <p:cSld>
     <p:spTree>
       <p:nvGrpSpPr>
-        <p:cNvPr id="92" name="Shape 92"/>
+        <p:cNvPr id="1" name="Shape 92"/>
         <p:cNvGrpSpPr/>
         <p:nvPr/>
       </p:nvGrpSpPr>
@@ -1202,20 +1272,26 @@
       <p:sp>
         <p:nvSpPr>
           <p:cNvPr id="93" name="Google Shape;93;g4c6104df81_0_0:notes"/>
-          <p:cNvSpPr/>
+          <p:cNvSpPr>
+            <a:spLocks noGrp="1" noRot="1" noChangeAspect="1"/>
+          </p:cNvSpPr>
           <p:nvPr>
-            <p:ph idx="2" type="sldImg"/>
+            <p:ph type="sldImg" idx="2"/>
           </p:nvPr>
         </p:nvSpPr>
         <p:spPr>
           <a:xfrm>
-            <a:off x="381300" y="685800"/>
+            <a:off x="381000" y="685800"/>
             <a:ext cx="6096000" cy="3429000"/>
           </a:xfrm>
           <a:custGeom>
-            <a:rect b="b" l="l" r="r" t="t"/>
+            <a:avLst/>
+            <a:gdLst/>
+            <a:ahLst/>
+            <a:cxnLst/>
+            <a:rect l="l" t="t" r="r" b="b"/>
             <a:pathLst>
-              <a:path extrusionOk="0" h="120000" w="120000">
+              <a:path w="120000" h="120000" extrusionOk="0">
                 <a:moveTo>
                   <a:pt x="0" y="0"/>
                 </a:moveTo>
@@ -1237,9 +1313,11 @@
       <p:sp>
         <p:nvSpPr>
           <p:cNvPr id="94" name="Google Shape;94;g4c6104df81_0_0:notes"/>
-          <p:cNvSpPr txBox="1"/>
+          <p:cNvSpPr txBox="1">
+            <a:spLocks noGrp="1"/>
+          </p:cNvSpPr>
           <p:nvPr>
-            <p:ph idx="1" type="body"/>
+            <p:ph type="body" idx="1"/>
           </p:nvPr>
         </p:nvSpPr>
         <p:spPr>
@@ -1252,12 +1330,12 @@
           </a:prstGeom>
         </p:spPr>
         <p:txBody>
-          <a:bodyPr anchorCtr="0" anchor="t" bIns="91425" lIns="91425" spcFirstLastPara="1" rIns="91425" wrap="square" tIns="91425">
+          <a:bodyPr spcFirstLastPara="1" wrap="square" lIns="91425" tIns="91425" rIns="91425" bIns="91425" anchor="t" anchorCtr="0">
             <a:noAutofit/>
           </a:bodyPr>
           <a:lstStyle/>
           <a:p>
-            <a:pPr indent="0" lvl="0" marL="0" rtl="0" algn="l">
+            <a:pPr marL="0" lvl="0" indent="0" algn="l" rtl="0">
               <a:spcBef>
                 <a:spcPts val="0"/>
               </a:spcBef>
@@ -1266,14 +1344,16 @@
               </a:spcAft>
               <a:buNone/>
             </a:pPr>
-            <a:r>
-              <a:t/>
-            </a:r>
             <a:endParaRPr/>
           </a:p>
         </p:txBody>
       </p:sp>
     </p:spTree>
+    <p:extLst>
+      <p:ext uri="{BB962C8B-B14F-4D97-AF65-F5344CB8AC3E}">
+        <p14:creationId xmlns:p14="http://schemas.microsoft.com/office/powerpoint/2010/main" val="452825401"/>
+      </p:ext>
+    </p:extLst>
   </p:cSld>
   <p:clrMapOvr>
     <a:masterClrMapping/>
@@ -1282,11 +1362,11 @@
 </file>
 
 <file path=ppt/notesSlides/notesSlide7.xml><?xml version="1.0" encoding="utf-8"?>
-<p:notes xmlns:a="http://schemas.openxmlformats.org/drawingml/2006/main" xmlns:r="http://schemas.openxmlformats.org/officeDocument/2006/relationships" xmlns:mc="http://schemas.openxmlformats.org/markup-compatibility/2006" xmlns:mv="urn:schemas-microsoft-com:mac:vml" xmlns:p="http://schemas.openxmlformats.org/presentationml/2006/main" xmlns:c="http://schemas.openxmlformats.org/drawingml/2006/chart" xmlns:dgm="http://schemas.openxmlformats.org/drawingml/2006/diagram" xmlns:o="urn:schemas-microsoft-com:office:office" xmlns:v="urn:schemas-microsoft-com:vml" xmlns:pvml="urn:schemas-microsoft-com:office:powerpoint" xmlns:com="http://schemas.openxmlformats.org/drawingml/2006/compatibility" xmlns:p14="http://schemas.microsoft.com/office/powerpoint/2010/main" xmlns:p15="http://schemas.microsoft.com/office/powerpoint/2012/main" showMasterPhAnim="0" showMasterSp="0">
+<p:notes xmlns:a="http://schemas.openxmlformats.org/drawingml/2006/main" xmlns:r="http://schemas.openxmlformats.org/officeDocument/2006/relationships" xmlns:p="http://schemas.openxmlformats.org/presentationml/2006/main" showMasterSp="0" showMasterPhAnim="0">
   <p:cSld>
     <p:spTree>
       <p:nvGrpSpPr>
-        <p:cNvPr id="100" name="Shape 100"/>
+        <p:cNvPr id="1" name="Shape 100"/>
         <p:cNvGrpSpPr/>
         <p:nvPr/>
       </p:nvGrpSpPr>
@@ -1301,20 +1381,26 @@
       <p:sp>
         <p:nvSpPr>
           <p:cNvPr id="101" name="Google Shape;101;g4c618b5ddd_9_18:notes"/>
-          <p:cNvSpPr/>
+          <p:cNvSpPr>
+            <a:spLocks noGrp="1" noRot="1" noChangeAspect="1"/>
+          </p:cNvSpPr>
           <p:nvPr>
-            <p:ph idx="2" type="sldImg"/>
+            <p:ph type="sldImg" idx="2"/>
           </p:nvPr>
         </p:nvSpPr>
         <p:spPr>
           <a:xfrm>
-            <a:off x="381300" y="685800"/>
+            <a:off x="381000" y="685800"/>
             <a:ext cx="6096000" cy="3429000"/>
           </a:xfrm>
           <a:custGeom>
-            <a:rect b="b" l="l" r="r" t="t"/>
+            <a:avLst/>
+            <a:gdLst/>
+            <a:ahLst/>
+            <a:cxnLst/>
+            <a:rect l="l" t="t" r="r" b="b"/>
             <a:pathLst>
-              <a:path extrusionOk="0" h="120000" w="120000">
+              <a:path w="120000" h="120000" extrusionOk="0">
                 <a:moveTo>
                   <a:pt x="0" y="0"/>
                 </a:moveTo>
@@ -1336,9 +1422,11 @@
       <p:sp>
         <p:nvSpPr>
           <p:cNvPr id="102" name="Google Shape;102;g4c618b5ddd_9_18:notes"/>
-          <p:cNvSpPr txBox="1"/>
+          <p:cNvSpPr txBox="1">
+            <a:spLocks noGrp="1"/>
+          </p:cNvSpPr>
           <p:nvPr>
-            <p:ph idx="1" type="body"/>
+            <p:ph type="body" idx="1"/>
           </p:nvPr>
         </p:nvSpPr>
         <p:spPr>
@@ -1351,12 +1439,12 @@
           </a:prstGeom>
         </p:spPr>
         <p:txBody>
-          <a:bodyPr anchorCtr="0" anchor="t" bIns="91425" lIns="91425" spcFirstLastPara="1" rIns="91425" wrap="square" tIns="91425">
+          <a:bodyPr spcFirstLastPara="1" wrap="square" lIns="91425" tIns="91425" rIns="91425" bIns="91425" anchor="t" anchorCtr="0">
             <a:noAutofit/>
           </a:bodyPr>
           <a:lstStyle/>
           <a:p>
-            <a:pPr indent="0" lvl="0" marL="0" rtl="0" algn="l">
+            <a:pPr marL="0" lvl="0" indent="0" algn="l" rtl="0">
               <a:spcBef>
                 <a:spcPts val="0"/>
               </a:spcBef>
@@ -1365,14 +1453,16 @@
               </a:spcAft>
               <a:buNone/>
             </a:pPr>
-            <a:r>
-              <a:t/>
-            </a:r>
             <a:endParaRPr/>
           </a:p>
         </p:txBody>
       </p:sp>
     </p:spTree>
+    <p:extLst>
+      <p:ext uri="{BB962C8B-B14F-4D97-AF65-F5344CB8AC3E}">
+        <p14:creationId xmlns:p14="http://schemas.microsoft.com/office/powerpoint/2010/main" val="1789415589"/>
+      </p:ext>
+    </p:extLst>
   </p:cSld>
   <p:clrMapOvr>
     <a:masterClrMapping/>
@@ -1381,11 +1471,11 @@
 </file>
 
 <file path=ppt/notesSlides/notesSlide8.xml><?xml version="1.0" encoding="utf-8"?>
-<p:notes xmlns:a="http://schemas.openxmlformats.org/drawingml/2006/main" xmlns:r="http://schemas.openxmlformats.org/officeDocument/2006/relationships" xmlns:mc="http://schemas.openxmlformats.org/markup-compatibility/2006" xmlns:mv="urn:schemas-microsoft-com:mac:vml" xmlns:p="http://schemas.openxmlformats.org/presentationml/2006/main" xmlns:c="http://schemas.openxmlformats.org/drawingml/2006/chart" xmlns:dgm="http://schemas.openxmlformats.org/drawingml/2006/diagram" xmlns:o="urn:schemas-microsoft-com:office:office" xmlns:v="urn:schemas-microsoft-com:vml" xmlns:pvml="urn:schemas-microsoft-com:office:powerpoint" xmlns:com="http://schemas.openxmlformats.org/drawingml/2006/compatibility" xmlns:p14="http://schemas.microsoft.com/office/powerpoint/2010/main" xmlns:p15="http://schemas.microsoft.com/office/powerpoint/2012/main" showMasterPhAnim="0" showMasterSp="0">
+<p:notes xmlns:a="http://schemas.openxmlformats.org/drawingml/2006/main" xmlns:r="http://schemas.openxmlformats.org/officeDocument/2006/relationships" xmlns:p="http://schemas.openxmlformats.org/presentationml/2006/main" showMasterSp="0" showMasterPhAnim="0">
   <p:cSld>
     <p:spTree>
       <p:nvGrpSpPr>
-        <p:cNvPr id="107" name="Shape 107"/>
+        <p:cNvPr id="1" name="Shape 107"/>
         <p:cNvGrpSpPr/>
         <p:nvPr/>
       </p:nvGrpSpPr>
@@ -1400,20 +1490,26 @@
       <p:sp>
         <p:nvSpPr>
           <p:cNvPr id="108" name="Google Shape;108;g4c6104df81_0_5:notes"/>
-          <p:cNvSpPr/>
+          <p:cNvSpPr>
+            <a:spLocks noGrp="1" noRot="1" noChangeAspect="1"/>
+          </p:cNvSpPr>
           <p:nvPr>
-            <p:ph idx="2" type="sldImg"/>
+            <p:ph type="sldImg" idx="2"/>
           </p:nvPr>
         </p:nvSpPr>
         <p:spPr>
           <a:xfrm>
-            <a:off x="381300" y="685800"/>
+            <a:off x="381000" y="685800"/>
             <a:ext cx="6096000" cy="3429000"/>
           </a:xfrm>
           <a:custGeom>
-            <a:rect b="b" l="l" r="r" t="t"/>
+            <a:avLst/>
+            <a:gdLst/>
+            <a:ahLst/>
+            <a:cxnLst/>
+            <a:rect l="l" t="t" r="r" b="b"/>
             <a:pathLst>
-              <a:path extrusionOk="0" h="120000" w="120000">
+              <a:path w="120000" h="120000" extrusionOk="0">
                 <a:moveTo>
                   <a:pt x="0" y="0"/>
                 </a:moveTo>
@@ -1435,9 +1531,11 @@
       <p:sp>
         <p:nvSpPr>
           <p:cNvPr id="109" name="Google Shape;109;g4c6104df81_0_5:notes"/>
-          <p:cNvSpPr txBox="1"/>
+          <p:cNvSpPr txBox="1">
+            <a:spLocks noGrp="1"/>
+          </p:cNvSpPr>
           <p:nvPr>
-            <p:ph idx="1" type="body"/>
+            <p:ph type="body" idx="1"/>
           </p:nvPr>
         </p:nvSpPr>
         <p:spPr>
@@ -1450,12 +1548,12 @@
           </a:prstGeom>
         </p:spPr>
         <p:txBody>
-          <a:bodyPr anchorCtr="0" anchor="t" bIns="91425" lIns="91425" spcFirstLastPara="1" rIns="91425" wrap="square" tIns="91425">
+          <a:bodyPr spcFirstLastPara="1" wrap="square" lIns="91425" tIns="91425" rIns="91425" bIns="91425" anchor="t" anchorCtr="0">
             <a:noAutofit/>
           </a:bodyPr>
           <a:lstStyle/>
           <a:p>
-            <a:pPr indent="0" lvl="0" marL="0" rtl="0" algn="l">
+            <a:pPr marL="0" lvl="0" indent="0" algn="l" rtl="0">
               <a:spcBef>
                 <a:spcPts val="0"/>
               </a:spcBef>
@@ -1464,14 +1562,16 @@
               </a:spcAft>
               <a:buNone/>
             </a:pPr>
-            <a:r>
-              <a:t/>
-            </a:r>
             <a:endParaRPr/>
           </a:p>
         </p:txBody>
       </p:sp>
     </p:spTree>
+    <p:extLst>
+      <p:ext uri="{BB962C8B-B14F-4D97-AF65-F5344CB8AC3E}">
+        <p14:creationId xmlns:p14="http://schemas.microsoft.com/office/powerpoint/2010/main" val="2187270052"/>
+      </p:ext>
+    </p:extLst>
   </p:cSld>
   <p:clrMapOvr>
     <a:masterClrMapping/>
@@ -1480,11 +1580,11 @@
 </file>
 
 <file path=ppt/notesSlides/notesSlide9.xml><?xml version="1.0" encoding="utf-8"?>
-<p:notes xmlns:a="http://schemas.openxmlformats.org/drawingml/2006/main" xmlns:r="http://schemas.openxmlformats.org/officeDocument/2006/relationships" xmlns:mc="http://schemas.openxmlformats.org/markup-compatibility/2006" xmlns:mv="urn:schemas-microsoft-com:mac:vml" xmlns:p="http://schemas.openxmlformats.org/presentationml/2006/main" xmlns:c="http://schemas.openxmlformats.org/drawingml/2006/chart" xmlns:dgm="http://schemas.openxmlformats.org/drawingml/2006/diagram" xmlns:o="urn:schemas-microsoft-com:office:office" xmlns:v="urn:schemas-microsoft-com:vml" xmlns:pvml="urn:schemas-microsoft-com:office:powerpoint" xmlns:com="http://schemas.openxmlformats.org/drawingml/2006/compatibility" xmlns:p14="http://schemas.microsoft.com/office/powerpoint/2010/main" xmlns:p15="http://schemas.microsoft.com/office/powerpoint/2012/main" showMasterPhAnim="0" showMasterSp="0">
+<p:notes xmlns:a="http://schemas.openxmlformats.org/drawingml/2006/main" xmlns:r="http://schemas.openxmlformats.org/officeDocument/2006/relationships" xmlns:p="http://schemas.openxmlformats.org/presentationml/2006/main" showMasterSp="0" showMasterPhAnim="0">
   <p:cSld>
     <p:spTree>
       <p:nvGrpSpPr>
-        <p:cNvPr id="114" name="Shape 114"/>
+        <p:cNvPr id="1" name="Shape 114"/>
         <p:cNvGrpSpPr/>
         <p:nvPr/>
       </p:nvGrpSpPr>
@@ -1499,20 +1599,26 @@
       <p:sp>
         <p:nvSpPr>
           <p:cNvPr id="115" name="Google Shape;115;g4c618b5ddd_10_6:notes"/>
-          <p:cNvSpPr/>
+          <p:cNvSpPr>
+            <a:spLocks noGrp="1" noRot="1" noChangeAspect="1"/>
+          </p:cNvSpPr>
           <p:nvPr>
-            <p:ph idx="2" type="sldImg"/>
+            <p:ph type="sldImg" idx="2"/>
           </p:nvPr>
         </p:nvSpPr>
         <p:spPr>
           <a:xfrm>
-            <a:off x="381300" y="685800"/>
+            <a:off x="381000" y="685800"/>
             <a:ext cx="6096000" cy="3429000"/>
           </a:xfrm>
           <a:custGeom>
-            <a:rect b="b" l="l" r="r" t="t"/>
+            <a:avLst/>
+            <a:gdLst/>
+            <a:ahLst/>
+            <a:cxnLst/>
+            <a:rect l="l" t="t" r="r" b="b"/>
             <a:pathLst>
-              <a:path extrusionOk="0" h="120000" w="120000">
+              <a:path w="120000" h="120000" extrusionOk="0">
                 <a:moveTo>
                   <a:pt x="0" y="0"/>
                 </a:moveTo>
@@ -1534,9 +1640,11 @@
       <p:sp>
         <p:nvSpPr>
           <p:cNvPr id="116" name="Google Shape;116;g4c618b5ddd_10_6:notes"/>
-          <p:cNvSpPr txBox="1"/>
+          <p:cNvSpPr txBox="1">
+            <a:spLocks noGrp="1"/>
+          </p:cNvSpPr>
           <p:nvPr>
-            <p:ph idx="1" type="body"/>
+            <p:ph type="body" idx="1"/>
           </p:nvPr>
         </p:nvSpPr>
         <p:spPr>
@@ -1549,12 +1657,12 @@
           </a:prstGeom>
         </p:spPr>
         <p:txBody>
-          <a:bodyPr anchorCtr="0" anchor="t" bIns="91425" lIns="91425" spcFirstLastPara="1" rIns="91425" wrap="square" tIns="91425">
+          <a:bodyPr spcFirstLastPara="1" wrap="square" lIns="91425" tIns="91425" rIns="91425" bIns="91425" anchor="t" anchorCtr="0">
             <a:noAutofit/>
           </a:bodyPr>
           <a:lstStyle/>
           <a:p>
-            <a:pPr indent="0" lvl="0" marL="0" rtl="0" algn="l">
+            <a:pPr marL="0" lvl="0" indent="0" algn="l" rtl="0">
               <a:spcBef>
                 <a:spcPts val="0"/>
               </a:spcBef>
@@ -1563,14 +1671,16 @@
               </a:spcAft>
               <a:buNone/>
             </a:pPr>
-            <a:r>
-              <a:t/>
-            </a:r>
             <a:endParaRPr/>
           </a:p>
         </p:txBody>
       </p:sp>
     </p:spTree>
+    <p:extLst>
+      <p:ext uri="{BB962C8B-B14F-4D97-AF65-F5344CB8AC3E}">
+        <p14:creationId xmlns:p14="http://schemas.microsoft.com/office/powerpoint/2010/main" val="3997871889"/>
+      </p:ext>
+    </p:extLst>
   </p:cSld>
   <p:clrMapOvr>
     <a:masterClrMapping/>
@@ -1579,11 +1689,11 @@
 </file>
 
 <file path=ppt/slideLayouts/slideLayout1.xml><?xml version="1.0" encoding="utf-8"?>
-<p:sldLayout xmlns:a="http://schemas.openxmlformats.org/drawingml/2006/main" xmlns:r="http://schemas.openxmlformats.org/officeDocument/2006/relationships" xmlns:mc="http://schemas.openxmlformats.org/markup-compatibility/2006" xmlns:mv="urn:schemas-microsoft-com:mac:vml" xmlns:p="http://schemas.openxmlformats.org/presentationml/2006/main" xmlns:c="http://schemas.openxmlformats.org/drawingml/2006/chart" xmlns:dgm="http://schemas.openxmlformats.org/drawingml/2006/diagram" xmlns:o="urn:schemas-microsoft-com:office:office" xmlns:v="urn:schemas-microsoft-com:vml" xmlns:pvml="urn:schemas-microsoft-com:office:powerpoint" xmlns:com="http://schemas.openxmlformats.org/drawingml/2006/compatibility" xmlns:p14="http://schemas.microsoft.com/office/powerpoint/2010/main" xmlns:p15="http://schemas.microsoft.com/office/powerpoint/2012/main" matchingName="Title slide" type="title">
+<p:sldLayout xmlns:a="http://schemas.openxmlformats.org/drawingml/2006/main" xmlns:r="http://schemas.openxmlformats.org/officeDocument/2006/relationships" xmlns:p="http://schemas.openxmlformats.org/presentationml/2006/main" matchingName="Title slide" type="title">
   <p:cSld name="TITLE">
     <p:spTree>
       <p:nvGrpSpPr>
-        <p:cNvPr id="9" name="Shape 9"/>
+        <p:cNvPr id="1" name="Shape 9"/>
         <p:cNvGrpSpPr/>
         <p:nvPr/>
       </p:nvGrpSpPr>
@@ -1631,12 +1741,12 @@
             </a:ln>
           </p:spPr>
           <p:txBody>
-            <a:bodyPr anchorCtr="0" anchor="ctr" bIns="91425" lIns="91425" spcFirstLastPara="1" rIns="91425" wrap="square" tIns="91425">
+            <a:bodyPr spcFirstLastPara="1" wrap="square" lIns="91425" tIns="91425" rIns="91425" bIns="91425" anchor="ctr" anchorCtr="0">
               <a:noAutofit/>
             </a:bodyPr>
             <a:lstStyle/>
             <a:p>
-              <a:pPr indent="0" lvl="0" marL="0" rtl="0" algn="l">
+              <a:pPr marL="0" lvl="0" indent="0" algn="l" rtl="0">
                 <a:spcBef>
                   <a:spcPts val="0"/>
                 </a:spcBef>
@@ -1645,9 +1755,6 @@
                 </a:spcAft>
                 <a:buNone/>
               </a:pPr>
-              <a:r>
-                <a:t/>
-              </a:r>
               <a:endParaRPr/>
             </a:p>
           </p:txBody>
@@ -1674,12 +1781,12 @@
             </a:ln>
           </p:spPr>
           <p:txBody>
-            <a:bodyPr anchorCtr="0" anchor="ctr" bIns="91425" lIns="91425" spcFirstLastPara="1" rIns="91425" wrap="square" tIns="91425">
+            <a:bodyPr spcFirstLastPara="1" wrap="square" lIns="91425" tIns="91425" rIns="91425" bIns="91425" anchor="ctr" anchorCtr="0">
               <a:noAutofit/>
             </a:bodyPr>
             <a:lstStyle/>
             <a:p>
-              <a:pPr indent="0" lvl="0" marL="0" rtl="0" algn="l">
+              <a:pPr marL="0" lvl="0" indent="0" algn="l" rtl="0">
                 <a:spcBef>
                   <a:spcPts val="0"/>
                 </a:spcBef>
@@ -1688,9 +1795,6 @@
                 </a:spcAft>
                 <a:buNone/>
               </a:pPr>
-              <a:r>
-                <a:t/>
-              </a:r>
               <a:endParaRPr/>
             </a:p>
           </p:txBody>
@@ -1717,12 +1821,12 @@
             </a:ln>
           </p:spPr>
           <p:txBody>
-            <a:bodyPr anchorCtr="0" anchor="ctr" bIns="91425" lIns="91425" spcFirstLastPara="1" rIns="91425" wrap="square" tIns="91425">
+            <a:bodyPr spcFirstLastPara="1" wrap="square" lIns="91425" tIns="91425" rIns="91425" bIns="91425" anchor="ctr" anchorCtr="0">
               <a:noAutofit/>
             </a:bodyPr>
             <a:lstStyle/>
             <a:p>
-              <a:pPr indent="0" lvl="0" marL="0" rtl="0" algn="l">
+              <a:pPr marL="0" lvl="0" indent="0" algn="l" rtl="0">
                 <a:spcBef>
                   <a:spcPts val="0"/>
                 </a:spcBef>
@@ -1731,9 +1835,6 @@
                 </a:spcAft>
                 <a:buNone/>
               </a:pPr>
-              <a:r>
-                <a:t/>
-              </a:r>
               <a:endParaRPr/>
             </a:p>
           </p:txBody>
@@ -1742,7 +1843,9 @@
       <p:sp>
         <p:nvSpPr>
           <p:cNvPr id="14" name="Google Shape;14;p2"/>
-          <p:cNvSpPr txBox="1"/>
+          <p:cNvSpPr txBox="1">
+            <a:spLocks noGrp="1"/>
+          </p:cNvSpPr>
           <p:nvPr>
             <p:ph type="ctrTitle"/>
           </p:nvPr>
@@ -1757,7 +1860,7 @@
           </a:prstGeom>
         </p:spPr>
         <p:txBody>
-          <a:bodyPr anchorCtr="0" anchor="b" bIns="91425" lIns="91425" spcFirstLastPara="1" rIns="91425" wrap="square" tIns="91425"/>
+          <a:bodyPr spcFirstLastPara="1" wrap="square" lIns="91425" tIns="91425" rIns="91425" bIns="91425" anchor="b" anchorCtr="0"/>
           <a:lstStyle>
             <a:lvl1pPr lvl="0" algn="ctr">
               <a:spcBef>
@@ -1859,15 +1962,19 @@
               <a:defRPr sz="4800"/>
             </a:lvl9pPr>
           </a:lstStyle>
-          <a:p/>
+          <a:p>
+            <a:endParaRPr/>
+          </a:p>
         </p:txBody>
       </p:sp>
       <p:sp>
         <p:nvSpPr>
           <p:cNvPr id="15" name="Google Shape;15;p2"/>
-          <p:cNvSpPr txBox="1"/>
+          <p:cNvSpPr txBox="1">
+            <a:spLocks noGrp="1"/>
+          </p:cNvSpPr>
           <p:nvPr>
-            <p:ph idx="1" type="subTitle"/>
+            <p:ph type="subTitle" idx="1"/>
           </p:nvPr>
         </p:nvSpPr>
         <p:spPr>
@@ -1880,7 +1987,7 @@
           </a:prstGeom>
         </p:spPr>
         <p:txBody>
-          <a:bodyPr anchorCtr="0" anchor="t" bIns="91425" lIns="91425" spcFirstLastPara="1" rIns="91425" wrap="square" tIns="91425"/>
+          <a:bodyPr spcFirstLastPara="1" wrap="square" lIns="91425" tIns="91425" rIns="91425" bIns="91425" anchor="t" anchorCtr="0"/>
           <a:lstStyle>
             <a:lvl1pPr lvl="0" algn="ctr">
               <a:lnSpc>
@@ -2009,15 +2116,19 @@
               <a:defRPr sz="2100"/>
             </a:lvl9pPr>
           </a:lstStyle>
-          <a:p/>
+          <a:p>
+            <a:endParaRPr/>
+          </a:p>
         </p:txBody>
       </p:sp>
       <p:sp>
         <p:nvSpPr>
           <p:cNvPr id="16" name="Google Shape;16;p2"/>
-          <p:cNvSpPr txBox="1"/>
+          <p:cNvSpPr txBox="1">
+            <a:spLocks noGrp="1"/>
+          </p:cNvSpPr>
           <p:nvPr>
-            <p:ph idx="12" type="sldNum"/>
+            <p:ph type="sldNum" idx="12"/>
           </p:nvPr>
         </p:nvSpPr>
         <p:spPr>
@@ -2030,7 +2141,7 @@
           </a:prstGeom>
         </p:spPr>
         <p:txBody>
-          <a:bodyPr anchorCtr="0" anchor="ctr" bIns="91425" lIns="91425" spcFirstLastPara="1" rIns="91425" wrap="square" tIns="91425">
+          <a:bodyPr spcFirstLastPara="1" wrap="square" lIns="91425" tIns="91425" rIns="91425" bIns="91425" anchor="ctr" anchorCtr="0">
             <a:noAutofit/>
           </a:bodyPr>
           <a:lstStyle>
@@ -2072,7 +2183,7 @@
             </a:lvl9pPr>
           </a:lstStyle>
           <a:p>
-            <a:pPr indent="0" lvl="0" marL="0" rtl="0" algn="r">
+            <a:pPr marL="0" lvl="0" indent="0" algn="r" rtl="0">
               <a:spcBef>
                 <a:spcPts val="0"/>
               </a:spcBef>
@@ -2098,11 +2209,11 @@
 </file>
 
 <file path=ppt/slideLayouts/slideLayout10.xml><?xml version="1.0" encoding="utf-8"?>
-<p:sldLayout xmlns:a="http://schemas.openxmlformats.org/drawingml/2006/main" xmlns:r="http://schemas.openxmlformats.org/officeDocument/2006/relationships" xmlns:mc="http://schemas.openxmlformats.org/markup-compatibility/2006" xmlns:mv="urn:schemas-microsoft-com:mac:vml" xmlns:p="http://schemas.openxmlformats.org/presentationml/2006/main" xmlns:c="http://schemas.openxmlformats.org/drawingml/2006/chart" xmlns:dgm="http://schemas.openxmlformats.org/drawingml/2006/diagram" xmlns:o="urn:schemas-microsoft-com:office:office" xmlns:v="urn:schemas-microsoft-com:vml" xmlns:pvml="urn:schemas-microsoft-com:office:powerpoint" xmlns:com="http://schemas.openxmlformats.org/drawingml/2006/compatibility" xmlns:p14="http://schemas.microsoft.com/office/powerpoint/2010/main" xmlns:p15="http://schemas.microsoft.com/office/powerpoint/2012/main" matchingName="Big number">
+<p:sldLayout xmlns:a="http://schemas.openxmlformats.org/drawingml/2006/main" xmlns:r="http://schemas.openxmlformats.org/officeDocument/2006/relationships" xmlns:p="http://schemas.openxmlformats.org/presentationml/2006/main" matchingName="Big number">
   <p:cSld name="BIG_NUMBER">
     <p:spTree>
       <p:nvGrpSpPr>
-        <p:cNvPr id="49" name="Shape 49"/>
+        <p:cNvPr id="1" name="Shape 49"/>
         <p:cNvGrpSpPr/>
         <p:nvPr/>
       </p:nvGrpSpPr>
@@ -2117,9 +2228,11 @@
       <p:sp>
         <p:nvSpPr>
           <p:cNvPr id="50" name="Google Shape;50;p11"/>
-          <p:cNvSpPr txBox="1"/>
+          <p:cNvSpPr txBox="1">
+            <a:spLocks noGrp="1"/>
+          </p:cNvSpPr>
           <p:nvPr>
-            <p:ph hasCustomPrompt="1" type="title"/>
+            <p:ph type="title" hasCustomPrompt="1"/>
           </p:nvPr>
         </p:nvSpPr>
         <p:spPr>
@@ -2132,7 +2245,7 @@
           </a:prstGeom>
         </p:spPr>
         <p:txBody>
-          <a:bodyPr anchorCtr="0" anchor="b" bIns="91425" lIns="91425" spcFirstLastPara="1" rIns="91425" wrap="square" tIns="91425"/>
+          <a:bodyPr spcFirstLastPara="1" wrap="square" lIns="91425" tIns="91425" rIns="91425" bIns="91425" anchor="b" anchorCtr="0"/>
           <a:lstStyle>
             <a:lvl1pPr lvl="0" algn="ctr">
               <a:spcBef>
@@ -2244,9 +2357,11 @@
       <p:sp>
         <p:nvSpPr>
           <p:cNvPr id="51" name="Google Shape;51;p11"/>
-          <p:cNvSpPr txBox="1"/>
+          <p:cNvSpPr txBox="1">
+            <a:spLocks noGrp="1"/>
+          </p:cNvSpPr>
           <p:nvPr>
-            <p:ph idx="1" type="body"/>
+            <p:ph type="body" idx="1"/>
           </p:nvPr>
         </p:nvSpPr>
         <p:spPr>
@@ -2259,9 +2374,9 @@
           </a:prstGeom>
         </p:spPr>
         <p:txBody>
-          <a:bodyPr anchorCtr="0" anchor="t" bIns="91425" lIns="91425" spcFirstLastPara="1" rIns="91425" wrap="square" tIns="91425"/>
+          <a:bodyPr spcFirstLastPara="1" wrap="square" lIns="91425" tIns="91425" rIns="91425" bIns="91425" anchor="t" anchorCtr="0"/>
           <a:lstStyle>
-            <a:lvl1pPr indent="-342900" lvl="0" marL="457200" algn="ctr">
+            <a:lvl1pPr marL="457200" lvl="0" indent="-342900" algn="ctr">
               <a:spcBef>
                 <a:spcPts val="0"/>
               </a:spcBef>
@@ -2272,7 +2387,7 @@
               <a:buChar char="●"/>
               <a:defRPr/>
             </a:lvl1pPr>
-            <a:lvl2pPr indent="-317500" lvl="1" marL="914400" algn="ctr">
+            <a:lvl2pPr marL="914400" lvl="1" indent="-317500" algn="ctr">
               <a:spcBef>
                 <a:spcPts val="1600"/>
               </a:spcBef>
@@ -2283,7 +2398,7 @@
               <a:buChar char="○"/>
               <a:defRPr/>
             </a:lvl2pPr>
-            <a:lvl3pPr indent="-317500" lvl="2" marL="1371600" algn="ctr">
+            <a:lvl3pPr marL="1371600" lvl="2" indent="-317500" algn="ctr">
               <a:spcBef>
                 <a:spcPts val="1600"/>
               </a:spcBef>
@@ -2294,7 +2409,7 @@
               <a:buChar char="■"/>
               <a:defRPr/>
             </a:lvl3pPr>
-            <a:lvl4pPr indent="-317500" lvl="3" marL="1828800" algn="ctr">
+            <a:lvl4pPr marL="1828800" lvl="3" indent="-317500" algn="ctr">
               <a:spcBef>
                 <a:spcPts val="1600"/>
               </a:spcBef>
@@ -2305,7 +2420,7 @@
               <a:buChar char="●"/>
               <a:defRPr/>
             </a:lvl4pPr>
-            <a:lvl5pPr indent="-317500" lvl="4" marL="2286000" algn="ctr">
+            <a:lvl5pPr marL="2286000" lvl="4" indent="-317500" algn="ctr">
               <a:spcBef>
                 <a:spcPts val="1600"/>
               </a:spcBef>
@@ -2316,7 +2431,7 @@
               <a:buChar char="○"/>
               <a:defRPr/>
             </a:lvl5pPr>
-            <a:lvl6pPr indent="-317500" lvl="5" marL="2743200" algn="ctr">
+            <a:lvl6pPr marL="2743200" lvl="5" indent="-317500" algn="ctr">
               <a:spcBef>
                 <a:spcPts val="1600"/>
               </a:spcBef>
@@ -2327,7 +2442,7 @@
               <a:buChar char="■"/>
               <a:defRPr/>
             </a:lvl6pPr>
-            <a:lvl7pPr indent="-317500" lvl="6" marL="3200400" algn="ctr">
+            <a:lvl7pPr marL="3200400" lvl="6" indent="-317500" algn="ctr">
               <a:spcBef>
                 <a:spcPts val="1600"/>
               </a:spcBef>
@@ -2338,7 +2453,7 @@
               <a:buChar char="●"/>
               <a:defRPr/>
             </a:lvl7pPr>
-            <a:lvl8pPr indent="-317500" lvl="7" marL="3657600" algn="ctr">
+            <a:lvl8pPr marL="3657600" lvl="7" indent="-317500" algn="ctr">
               <a:spcBef>
                 <a:spcPts val="1600"/>
               </a:spcBef>
@@ -2349,7 +2464,7 @@
               <a:buChar char="○"/>
               <a:defRPr/>
             </a:lvl8pPr>
-            <a:lvl9pPr indent="-317500" lvl="8" marL="4114800" algn="ctr">
+            <a:lvl9pPr marL="4114800" lvl="8" indent="-317500" algn="ctr">
               <a:spcBef>
                 <a:spcPts val="1600"/>
               </a:spcBef>
@@ -2361,15 +2476,19 @@
               <a:defRPr/>
             </a:lvl9pPr>
           </a:lstStyle>
-          <a:p/>
+          <a:p>
+            <a:endParaRPr/>
+          </a:p>
         </p:txBody>
       </p:sp>
       <p:sp>
         <p:nvSpPr>
           <p:cNvPr id="52" name="Google Shape;52;p11"/>
-          <p:cNvSpPr txBox="1"/>
+          <p:cNvSpPr txBox="1">
+            <a:spLocks noGrp="1"/>
+          </p:cNvSpPr>
           <p:nvPr>
-            <p:ph idx="12" type="sldNum"/>
+            <p:ph type="sldNum" idx="12"/>
           </p:nvPr>
         </p:nvSpPr>
         <p:spPr>
@@ -2382,7 +2501,7 @@
           </a:prstGeom>
         </p:spPr>
         <p:txBody>
-          <a:bodyPr anchorCtr="0" anchor="ctr" bIns="91425" lIns="91425" spcFirstLastPara="1" rIns="91425" wrap="square" tIns="91425">
+          <a:bodyPr spcFirstLastPara="1" wrap="square" lIns="91425" tIns="91425" rIns="91425" bIns="91425" anchor="ctr" anchorCtr="0">
             <a:noAutofit/>
           </a:bodyPr>
           <a:lstStyle>
@@ -2424,7 +2543,7 @@
             </a:lvl9pPr>
           </a:lstStyle>
           <a:p>
-            <a:pPr indent="0" lvl="0" marL="0" rtl="0" algn="r">
+            <a:pPr marL="0" lvl="0" indent="0" algn="r" rtl="0">
               <a:spcBef>
                 <a:spcPts val="0"/>
               </a:spcBef>
@@ -2450,11 +2569,11 @@
 </file>
 
 <file path=ppt/slideLayouts/slideLayout11.xml><?xml version="1.0" encoding="utf-8"?>
-<p:sldLayout xmlns:a="http://schemas.openxmlformats.org/drawingml/2006/main" xmlns:r="http://schemas.openxmlformats.org/officeDocument/2006/relationships" xmlns:mc="http://schemas.openxmlformats.org/markup-compatibility/2006" xmlns:mv="urn:schemas-microsoft-com:mac:vml" xmlns:p="http://schemas.openxmlformats.org/presentationml/2006/main" xmlns:c="http://schemas.openxmlformats.org/drawingml/2006/chart" xmlns:dgm="http://schemas.openxmlformats.org/drawingml/2006/diagram" xmlns:o="urn:schemas-microsoft-com:office:office" xmlns:v="urn:schemas-microsoft-com:vml" xmlns:pvml="urn:schemas-microsoft-com:office:powerpoint" xmlns:com="http://schemas.openxmlformats.org/drawingml/2006/compatibility" xmlns:p14="http://schemas.microsoft.com/office/powerpoint/2010/main" xmlns:p15="http://schemas.microsoft.com/office/powerpoint/2012/main" matchingName="Blank" type="blank">
+<p:sldLayout xmlns:a="http://schemas.openxmlformats.org/drawingml/2006/main" xmlns:r="http://schemas.openxmlformats.org/officeDocument/2006/relationships" xmlns:p="http://schemas.openxmlformats.org/presentationml/2006/main" matchingName="Blank" type="blank">
   <p:cSld name="BLANK">
     <p:spTree>
       <p:nvGrpSpPr>
-        <p:cNvPr id="53" name="Shape 53"/>
+        <p:cNvPr id="1" name="Shape 53"/>
         <p:cNvGrpSpPr/>
         <p:nvPr/>
       </p:nvGrpSpPr>
@@ -2469,9 +2588,11 @@
       <p:sp>
         <p:nvSpPr>
           <p:cNvPr id="54" name="Google Shape;54;p12"/>
-          <p:cNvSpPr txBox="1"/>
+          <p:cNvSpPr txBox="1">
+            <a:spLocks noGrp="1"/>
+          </p:cNvSpPr>
           <p:nvPr>
-            <p:ph idx="12" type="sldNum"/>
+            <p:ph type="sldNum" idx="12"/>
           </p:nvPr>
         </p:nvSpPr>
         <p:spPr>
@@ -2484,7 +2605,7 @@
           </a:prstGeom>
         </p:spPr>
         <p:txBody>
-          <a:bodyPr anchorCtr="0" anchor="ctr" bIns="91425" lIns="91425" spcFirstLastPara="1" rIns="91425" wrap="square" tIns="91425">
+          <a:bodyPr spcFirstLastPara="1" wrap="square" lIns="91425" tIns="91425" rIns="91425" bIns="91425" anchor="ctr" anchorCtr="0">
             <a:noAutofit/>
           </a:bodyPr>
           <a:lstStyle>
@@ -2526,7 +2647,7 @@
             </a:lvl9pPr>
           </a:lstStyle>
           <a:p>
-            <a:pPr indent="0" lvl="0" marL="0" rtl="0" algn="r">
+            <a:pPr marL="0" lvl="0" indent="0" algn="r" rtl="0">
               <a:spcBef>
                 <a:spcPts val="0"/>
               </a:spcBef>
@@ -2552,11 +2673,11 @@
 </file>
 
 <file path=ppt/slideLayouts/slideLayout2.xml><?xml version="1.0" encoding="utf-8"?>
-<p:sldLayout xmlns:a="http://schemas.openxmlformats.org/drawingml/2006/main" xmlns:r="http://schemas.openxmlformats.org/officeDocument/2006/relationships" xmlns:mc="http://schemas.openxmlformats.org/markup-compatibility/2006" xmlns:mv="urn:schemas-microsoft-com:mac:vml" xmlns:p="http://schemas.openxmlformats.org/presentationml/2006/main" xmlns:c="http://schemas.openxmlformats.org/drawingml/2006/chart" xmlns:dgm="http://schemas.openxmlformats.org/drawingml/2006/diagram" xmlns:o="urn:schemas-microsoft-com:office:office" xmlns:v="urn:schemas-microsoft-com:vml" xmlns:pvml="urn:schemas-microsoft-com:office:powerpoint" xmlns:com="http://schemas.openxmlformats.org/drawingml/2006/compatibility" xmlns:p14="http://schemas.microsoft.com/office/powerpoint/2010/main" xmlns:p15="http://schemas.microsoft.com/office/powerpoint/2012/main" matchingName="Section header" type="secHead">
+<p:sldLayout xmlns:a="http://schemas.openxmlformats.org/drawingml/2006/main" xmlns:r="http://schemas.openxmlformats.org/officeDocument/2006/relationships" xmlns:p="http://schemas.openxmlformats.org/presentationml/2006/main" matchingName="Section header" type="secHead">
   <p:cSld name="SECTION_HEADER">
     <p:spTree>
       <p:nvGrpSpPr>
-        <p:cNvPr id="17" name="Shape 17"/>
+        <p:cNvPr id="1" name="Shape 17"/>
         <p:cNvGrpSpPr/>
         <p:nvPr/>
       </p:nvGrpSpPr>
@@ -2571,7 +2692,9 @@
       <p:sp>
         <p:nvSpPr>
           <p:cNvPr id="18" name="Google Shape;18;p3"/>
-          <p:cNvSpPr txBox="1"/>
+          <p:cNvSpPr txBox="1">
+            <a:spLocks noGrp="1"/>
+          </p:cNvSpPr>
           <p:nvPr>
             <p:ph type="title"/>
           </p:nvPr>
@@ -2586,7 +2709,7 @@
           </a:prstGeom>
         </p:spPr>
         <p:txBody>
-          <a:bodyPr anchorCtr="0" anchor="ctr" bIns="91425" lIns="91425" spcFirstLastPara="1" rIns="91425" wrap="square" tIns="91425"/>
+          <a:bodyPr spcFirstLastPara="1" wrap="square" lIns="91425" tIns="91425" rIns="91425" bIns="91425" anchor="ctr" anchorCtr="0"/>
           <a:lstStyle>
             <a:lvl1pPr lvl="0" algn="ctr">
               <a:spcBef>
@@ -2688,15 +2811,19 @@
               <a:defRPr sz="3600"/>
             </a:lvl9pPr>
           </a:lstStyle>
-          <a:p/>
+          <a:p>
+            <a:endParaRPr/>
+          </a:p>
         </p:txBody>
       </p:sp>
       <p:sp>
         <p:nvSpPr>
           <p:cNvPr id="19" name="Google Shape;19;p3"/>
-          <p:cNvSpPr txBox="1"/>
+          <p:cNvSpPr txBox="1">
+            <a:spLocks noGrp="1"/>
+          </p:cNvSpPr>
           <p:nvPr>
-            <p:ph idx="12" type="sldNum"/>
+            <p:ph type="sldNum" idx="12"/>
           </p:nvPr>
         </p:nvSpPr>
         <p:spPr>
@@ -2709,7 +2836,7 @@
           </a:prstGeom>
         </p:spPr>
         <p:txBody>
-          <a:bodyPr anchorCtr="0" anchor="ctr" bIns="91425" lIns="91425" spcFirstLastPara="1" rIns="91425" wrap="square" tIns="91425">
+          <a:bodyPr spcFirstLastPara="1" wrap="square" lIns="91425" tIns="91425" rIns="91425" bIns="91425" anchor="ctr" anchorCtr="0">
             <a:noAutofit/>
           </a:bodyPr>
           <a:lstStyle>
@@ -2751,7 +2878,7 @@
             </a:lvl9pPr>
           </a:lstStyle>
           <a:p>
-            <a:pPr indent="0" lvl="0" marL="0" rtl="0" algn="r">
+            <a:pPr marL="0" lvl="0" indent="0" algn="r" rtl="0">
               <a:spcBef>
                 <a:spcPts val="0"/>
               </a:spcBef>
@@ -2777,11 +2904,11 @@
 </file>
 
 <file path=ppt/slideLayouts/slideLayout3.xml><?xml version="1.0" encoding="utf-8"?>
-<p:sldLayout xmlns:a="http://schemas.openxmlformats.org/drawingml/2006/main" xmlns:r="http://schemas.openxmlformats.org/officeDocument/2006/relationships" xmlns:mc="http://schemas.openxmlformats.org/markup-compatibility/2006" xmlns:mv="urn:schemas-microsoft-com:mac:vml" xmlns:p="http://schemas.openxmlformats.org/presentationml/2006/main" xmlns:c="http://schemas.openxmlformats.org/drawingml/2006/chart" xmlns:dgm="http://schemas.openxmlformats.org/drawingml/2006/diagram" xmlns:o="urn:schemas-microsoft-com:office:office" xmlns:v="urn:schemas-microsoft-com:vml" xmlns:pvml="urn:schemas-microsoft-com:office:powerpoint" xmlns:com="http://schemas.openxmlformats.org/drawingml/2006/compatibility" xmlns:p14="http://schemas.microsoft.com/office/powerpoint/2010/main" xmlns:p15="http://schemas.microsoft.com/office/powerpoint/2012/main" matchingName="Title and body" type="tx">
+<p:sldLayout xmlns:a="http://schemas.openxmlformats.org/drawingml/2006/main" xmlns:r="http://schemas.openxmlformats.org/officeDocument/2006/relationships" xmlns:p="http://schemas.openxmlformats.org/presentationml/2006/main" matchingName="Title and body" type="tx">
   <p:cSld name="TITLE_AND_BODY">
     <p:spTree>
       <p:nvGrpSpPr>
-        <p:cNvPr id="20" name="Shape 20"/>
+        <p:cNvPr id="1" name="Shape 20"/>
         <p:cNvGrpSpPr/>
         <p:nvPr/>
       </p:nvGrpSpPr>
@@ -2796,7 +2923,9 @@
       <p:sp>
         <p:nvSpPr>
           <p:cNvPr id="21" name="Google Shape;21;p4"/>
-          <p:cNvSpPr txBox="1"/>
+          <p:cNvSpPr txBox="1">
+            <a:spLocks noGrp="1"/>
+          </p:cNvSpPr>
           <p:nvPr>
             <p:ph type="title"/>
           </p:nvPr>
@@ -2811,7 +2940,7 @@
           </a:prstGeom>
         </p:spPr>
         <p:txBody>
-          <a:bodyPr anchorCtr="0" anchor="t" bIns="91425" lIns="91425" spcFirstLastPara="1" rIns="91425" wrap="square" tIns="91425"/>
+          <a:bodyPr spcFirstLastPara="1" wrap="square" lIns="91425" tIns="91425" rIns="91425" bIns="91425" anchor="t" anchorCtr="0"/>
           <a:lstStyle>
             <a:lvl1pPr lvl="0">
               <a:spcBef>
@@ -2913,15 +3042,19 @@
               <a:defRPr/>
             </a:lvl9pPr>
           </a:lstStyle>
-          <a:p/>
+          <a:p>
+            <a:endParaRPr/>
+          </a:p>
         </p:txBody>
       </p:sp>
       <p:sp>
         <p:nvSpPr>
           <p:cNvPr id="22" name="Google Shape;22;p4"/>
-          <p:cNvSpPr txBox="1"/>
+          <p:cNvSpPr txBox="1">
+            <a:spLocks noGrp="1"/>
+          </p:cNvSpPr>
           <p:nvPr>
-            <p:ph idx="1" type="body"/>
+            <p:ph type="body" idx="1"/>
           </p:nvPr>
         </p:nvSpPr>
         <p:spPr>
@@ -2934,9 +3067,9 @@
           </a:prstGeom>
         </p:spPr>
         <p:txBody>
-          <a:bodyPr anchorCtr="0" anchor="t" bIns="91425" lIns="91425" spcFirstLastPara="1" rIns="91425" wrap="square" tIns="91425"/>
+          <a:bodyPr spcFirstLastPara="1" wrap="square" lIns="91425" tIns="91425" rIns="91425" bIns="91425" anchor="t" anchorCtr="0"/>
           <a:lstStyle>
-            <a:lvl1pPr indent="-342900" lvl="0" marL="457200">
+            <a:lvl1pPr marL="457200" lvl="0" indent="-342900">
               <a:spcBef>
                 <a:spcPts val="0"/>
               </a:spcBef>
@@ -2947,7 +3080,7 @@
               <a:buChar char="●"/>
               <a:defRPr/>
             </a:lvl1pPr>
-            <a:lvl2pPr indent="-317500" lvl="1" marL="914400">
+            <a:lvl2pPr marL="914400" lvl="1" indent="-317500">
               <a:spcBef>
                 <a:spcPts val="1600"/>
               </a:spcBef>
@@ -2958,7 +3091,7 @@
               <a:buChar char="○"/>
               <a:defRPr/>
             </a:lvl2pPr>
-            <a:lvl3pPr indent="-317500" lvl="2" marL="1371600">
+            <a:lvl3pPr marL="1371600" lvl="2" indent="-317500">
               <a:spcBef>
                 <a:spcPts val="1600"/>
               </a:spcBef>
@@ -2969,7 +3102,7 @@
               <a:buChar char="■"/>
               <a:defRPr/>
             </a:lvl3pPr>
-            <a:lvl4pPr indent="-317500" lvl="3" marL="1828800">
+            <a:lvl4pPr marL="1828800" lvl="3" indent="-317500">
               <a:spcBef>
                 <a:spcPts val="1600"/>
               </a:spcBef>
@@ -2980,7 +3113,7 @@
               <a:buChar char="●"/>
               <a:defRPr/>
             </a:lvl4pPr>
-            <a:lvl5pPr indent="-317500" lvl="4" marL="2286000">
+            <a:lvl5pPr marL="2286000" lvl="4" indent="-317500">
               <a:spcBef>
                 <a:spcPts val="1600"/>
               </a:spcBef>
@@ -2991,7 +3124,7 @@
               <a:buChar char="○"/>
               <a:defRPr/>
             </a:lvl5pPr>
-            <a:lvl6pPr indent="-317500" lvl="5" marL="2743200">
+            <a:lvl6pPr marL="2743200" lvl="5" indent="-317500">
               <a:spcBef>
                 <a:spcPts val="1600"/>
               </a:spcBef>
@@ -3002,7 +3135,7 @@
               <a:buChar char="■"/>
               <a:defRPr/>
             </a:lvl6pPr>
-            <a:lvl7pPr indent="-317500" lvl="6" marL="3200400">
+            <a:lvl7pPr marL="3200400" lvl="6" indent="-317500">
               <a:spcBef>
                 <a:spcPts val="1600"/>
               </a:spcBef>
@@ -3013,7 +3146,7 @@
               <a:buChar char="●"/>
               <a:defRPr/>
             </a:lvl7pPr>
-            <a:lvl8pPr indent="-317500" lvl="7" marL="3657600">
+            <a:lvl8pPr marL="3657600" lvl="7" indent="-317500">
               <a:spcBef>
                 <a:spcPts val="1600"/>
               </a:spcBef>
@@ -3024,7 +3157,7 @@
               <a:buChar char="○"/>
               <a:defRPr/>
             </a:lvl8pPr>
-            <a:lvl9pPr indent="-317500" lvl="8" marL="4114800">
+            <a:lvl9pPr marL="4114800" lvl="8" indent="-317500">
               <a:spcBef>
                 <a:spcPts val="1600"/>
               </a:spcBef>
@@ -3036,15 +3169,19 @@
               <a:defRPr/>
             </a:lvl9pPr>
           </a:lstStyle>
-          <a:p/>
+          <a:p>
+            <a:endParaRPr/>
+          </a:p>
         </p:txBody>
       </p:sp>
       <p:sp>
         <p:nvSpPr>
           <p:cNvPr id="23" name="Google Shape;23;p4"/>
-          <p:cNvSpPr txBox="1"/>
+          <p:cNvSpPr txBox="1">
+            <a:spLocks noGrp="1"/>
+          </p:cNvSpPr>
           <p:nvPr>
-            <p:ph idx="12" type="sldNum"/>
+            <p:ph type="sldNum" idx="12"/>
           </p:nvPr>
         </p:nvSpPr>
         <p:spPr>
@@ -3057,7 +3194,7 @@
           </a:prstGeom>
         </p:spPr>
         <p:txBody>
-          <a:bodyPr anchorCtr="0" anchor="ctr" bIns="91425" lIns="91425" spcFirstLastPara="1" rIns="91425" wrap="square" tIns="91425">
+          <a:bodyPr spcFirstLastPara="1" wrap="square" lIns="91425" tIns="91425" rIns="91425" bIns="91425" anchor="ctr" anchorCtr="0">
             <a:noAutofit/>
           </a:bodyPr>
           <a:lstStyle>
@@ -3099,7 +3236,7 @@
             </a:lvl9pPr>
           </a:lstStyle>
           <a:p>
-            <a:pPr indent="0" lvl="0" marL="0" rtl="0" algn="r">
+            <a:pPr marL="0" lvl="0" indent="0" algn="r" rtl="0">
               <a:spcBef>
                 <a:spcPts val="0"/>
               </a:spcBef>
@@ -3125,11 +3262,11 @@
 </file>
 
 <file path=ppt/slideLayouts/slideLayout4.xml><?xml version="1.0" encoding="utf-8"?>
-<p:sldLayout xmlns:a="http://schemas.openxmlformats.org/drawingml/2006/main" xmlns:r="http://schemas.openxmlformats.org/officeDocument/2006/relationships" xmlns:mc="http://schemas.openxmlformats.org/markup-compatibility/2006" xmlns:mv="urn:schemas-microsoft-com:mac:vml" xmlns:p="http://schemas.openxmlformats.org/presentationml/2006/main" xmlns:c="http://schemas.openxmlformats.org/drawingml/2006/chart" xmlns:dgm="http://schemas.openxmlformats.org/drawingml/2006/diagram" xmlns:o="urn:schemas-microsoft-com:office:office" xmlns:v="urn:schemas-microsoft-com:vml" xmlns:pvml="urn:schemas-microsoft-com:office:powerpoint" xmlns:com="http://schemas.openxmlformats.org/drawingml/2006/compatibility" xmlns:p14="http://schemas.microsoft.com/office/powerpoint/2010/main" xmlns:p15="http://schemas.microsoft.com/office/powerpoint/2012/main" matchingName="Title and two columns" type="twoColTx">
+<p:sldLayout xmlns:a="http://schemas.openxmlformats.org/drawingml/2006/main" xmlns:r="http://schemas.openxmlformats.org/officeDocument/2006/relationships" xmlns:p="http://schemas.openxmlformats.org/presentationml/2006/main" matchingName="Title and two columns" type="twoColTx">
   <p:cSld name="TITLE_AND_TWO_COLUMNS">
     <p:spTree>
       <p:nvGrpSpPr>
-        <p:cNvPr id="24" name="Shape 24"/>
+        <p:cNvPr id="1" name="Shape 24"/>
         <p:cNvGrpSpPr/>
         <p:nvPr/>
       </p:nvGrpSpPr>
@@ -3144,7 +3281,9 @@
       <p:sp>
         <p:nvSpPr>
           <p:cNvPr id="25" name="Google Shape;25;p5"/>
-          <p:cNvSpPr txBox="1"/>
+          <p:cNvSpPr txBox="1">
+            <a:spLocks noGrp="1"/>
+          </p:cNvSpPr>
           <p:nvPr>
             <p:ph type="title"/>
           </p:nvPr>
@@ -3159,7 +3298,7 @@
           </a:prstGeom>
         </p:spPr>
         <p:txBody>
-          <a:bodyPr anchorCtr="0" anchor="t" bIns="91425" lIns="91425" spcFirstLastPara="1" rIns="91425" wrap="square" tIns="91425"/>
+          <a:bodyPr spcFirstLastPara="1" wrap="square" lIns="91425" tIns="91425" rIns="91425" bIns="91425" anchor="t" anchorCtr="0"/>
           <a:lstStyle>
             <a:lvl1pPr lvl="0">
               <a:spcBef>
@@ -3261,15 +3400,19 @@
               <a:defRPr/>
             </a:lvl9pPr>
           </a:lstStyle>
-          <a:p/>
+          <a:p>
+            <a:endParaRPr/>
+          </a:p>
         </p:txBody>
       </p:sp>
       <p:sp>
         <p:nvSpPr>
           <p:cNvPr id="26" name="Google Shape;26;p5"/>
-          <p:cNvSpPr txBox="1"/>
+          <p:cNvSpPr txBox="1">
+            <a:spLocks noGrp="1"/>
+          </p:cNvSpPr>
           <p:nvPr>
-            <p:ph idx="1" type="body"/>
+            <p:ph type="body" idx="1"/>
           </p:nvPr>
         </p:nvSpPr>
         <p:spPr>
@@ -3282,9 +3425,9 @@
           </a:prstGeom>
         </p:spPr>
         <p:txBody>
-          <a:bodyPr anchorCtr="0" anchor="t" bIns="91425" lIns="91425" spcFirstLastPara="1" rIns="91425" wrap="square" tIns="91425"/>
+          <a:bodyPr spcFirstLastPara="1" wrap="square" lIns="91425" tIns="91425" rIns="91425" bIns="91425" anchor="t" anchorCtr="0"/>
           <a:lstStyle>
-            <a:lvl1pPr indent="-317500" lvl="0" marL="457200">
+            <a:lvl1pPr marL="457200" lvl="0" indent="-317500">
               <a:spcBef>
                 <a:spcPts val="0"/>
               </a:spcBef>
@@ -3295,7 +3438,7 @@
               <a:buChar char="●"/>
               <a:defRPr sz="1400"/>
             </a:lvl1pPr>
-            <a:lvl2pPr indent="-304800" lvl="1" marL="914400">
+            <a:lvl2pPr marL="914400" lvl="1" indent="-304800">
               <a:spcBef>
                 <a:spcPts val="1600"/>
               </a:spcBef>
@@ -3306,7 +3449,7 @@
               <a:buChar char="○"/>
               <a:defRPr sz="1200"/>
             </a:lvl2pPr>
-            <a:lvl3pPr indent="-304800" lvl="2" marL="1371600">
+            <a:lvl3pPr marL="1371600" lvl="2" indent="-304800">
               <a:spcBef>
                 <a:spcPts val="1600"/>
               </a:spcBef>
@@ -3317,7 +3460,7 @@
               <a:buChar char="■"/>
               <a:defRPr sz="1200"/>
             </a:lvl3pPr>
-            <a:lvl4pPr indent="-304800" lvl="3" marL="1828800">
+            <a:lvl4pPr marL="1828800" lvl="3" indent="-304800">
               <a:spcBef>
                 <a:spcPts val="1600"/>
               </a:spcBef>
@@ -3328,7 +3471,7 @@
               <a:buChar char="●"/>
               <a:defRPr sz="1200"/>
             </a:lvl4pPr>
-            <a:lvl5pPr indent="-304800" lvl="4" marL="2286000">
+            <a:lvl5pPr marL="2286000" lvl="4" indent="-304800">
               <a:spcBef>
                 <a:spcPts val="1600"/>
               </a:spcBef>
@@ -3339,7 +3482,7 @@
               <a:buChar char="○"/>
               <a:defRPr sz="1200"/>
             </a:lvl5pPr>
-            <a:lvl6pPr indent="-304800" lvl="5" marL="2743200">
+            <a:lvl6pPr marL="2743200" lvl="5" indent="-304800">
               <a:spcBef>
                 <a:spcPts val="1600"/>
               </a:spcBef>
@@ -3350,7 +3493,7 @@
               <a:buChar char="■"/>
               <a:defRPr sz="1200"/>
             </a:lvl6pPr>
-            <a:lvl7pPr indent="-304800" lvl="6" marL="3200400">
+            <a:lvl7pPr marL="3200400" lvl="6" indent="-304800">
               <a:spcBef>
                 <a:spcPts val="1600"/>
               </a:spcBef>
@@ -3361,7 +3504,7 @@
               <a:buChar char="●"/>
               <a:defRPr sz="1200"/>
             </a:lvl7pPr>
-            <a:lvl8pPr indent="-304800" lvl="7" marL="3657600">
+            <a:lvl8pPr marL="3657600" lvl="7" indent="-304800">
               <a:spcBef>
                 <a:spcPts val="1600"/>
               </a:spcBef>
@@ -3372,7 +3515,7 @@
               <a:buChar char="○"/>
               <a:defRPr sz="1200"/>
             </a:lvl8pPr>
-            <a:lvl9pPr indent="-304800" lvl="8" marL="4114800">
+            <a:lvl9pPr marL="4114800" lvl="8" indent="-304800">
               <a:spcBef>
                 <a:spcPts val="1600"/>
               </a:spcBef>
@@ -3384,15 +3527,19 @@
               <a:defRPr sz="1200"/>
             </a:lvl9pPr>
           </a:lstStyle>
-          <a:p/>
+          <a:p>
+            <a:endParaRPr/>
+          </a:p>
         </p:txBody>
       </p:sp>
       <p:sp>
         <p:nvSpPr>
           <p:cNvPr id="27" name="Google Shape;27;p5"/>
-          <p:cNvSpPr txBox="1"/>
+          <p:cNvSpPr txBox="1">
+            <a:spLocks noGrp="1"/>
+          </p:cNvSpPr>
           <p:nvPr>
-            <p:ph idx="2" type="body"/>
+            <p:ph type="body" idx="2"/>
           </p:nvPr>
         </p:nvSpPr>
         <p:spPr>
@@ -3405,9 +3552,9 @@
           </a:prstGeom>
         </p:spPr>
         <p:txBody>
-          <a:bodyPr anchorCtr="0" anchor="t" bIns="91425" lIns="91425" spcFirstLastPara="1" rIns="91425" wrap="square" tIns="91425"/>
+          <a:bodyPr spcFirstLastPara="1" wrap="square" lIns="91425" tIns="91425" rIns="91425" bIns="91425" anchor="t" anchorCtr="0"/>
           <a:lstStyle>
-            <a:lvl1pPr indent="-317500" lvl="0" marL="457200">
+            <a:lvl1pPr marL="457200" lvl="0" indent="-317500">
               <a:spcBef>
                 <a:spcPts val="0"/>
               </a:spcBef>
@@ -3418,7 +3565,7 @@
               <a:buChar char="●"/>
               <a:defRPr sz="1400"/>
             </a:lvl1pPr>
-            <a:lvl2pPr indent="-304800" lvl="1" marL="914400">
+            <a:lvl2pPr marL="914400" lvl="1" indent="-304800">
               <a:spcBef>
                 <a:spcPts val="1600"/>
               </a:spcBef>
@@ -3429,7 +3576,7 @@
               <a:buChar char="○"/>
               <a:defRPr sz="1200"/>
             </a:lvl2pPr>
-            <a:lvl3pPr indent="-304800" lvl="2" marL="1371600">
+            <a:lvl3pPr marL="1371600" lvl="2" indent="-304800">
               <a:spcBef>
                 <a:spcPts val="1600"/>
               </a:spcBef>
@@ -3440,7 +3587,7 @@
               <a:buChar char="■"/>
               <a:defRPr sz="1200"/>
             </a:lvl3pPr>
-            <a:lvl4pPr indent="-304800" lvl="3" marL="1828800">
+            <a:lvl4pPr marL="1828800" lvl="3" indent="-304800">
               <a:spcBef>
                 <a:spcPts val="1600"/>
               </a:spcBef>
@@ -3451,7 +3598,7 @@
               <a:buChar char="●"/>
               <a:defRPr sz="1200"/>
             </a:lvl4pPr>
-            <a:lvl5pPr indent="-304800" lvl="4" marL="2286000">
+            <a:lvl5pPr marL="2286000" lvl="4" indent="-304800">
               <a:spcBef>
                 <a:spcPts val="1600"/>
               </a:spcBef>
@@ -3462,7 +3609,7 @@
               <a:buChar char="○"/>
               <a:defRPr sz="1200"/>
             </a:lvl5pPr>
-            <a:lvl6pPr indent="-304800" lvl="5" marL="2743200">
+            <a:lvl6pPr marL="2743200" lvl="5" indent="-304800">
               <a:spcBef>
                 <a:spcPts val="1600"/>
               </a:spcBef>
@@ -3473,7 +3620,7 @@
               <a:buChar char="■"/>
               <a:defRPr sz="1200"/>
             </a:lvl6pPr>
-            <a:lvl7pPr indent="-304800" lvl="6" marL="3200400">
+            <a:lvl7pPr marL="3200400" lvl="6" indent="-304800">
               <a:spcBef>
                 <a:spcPts val="1600"/>
               </a:spcBef>
@@ -3484,7 +3631,7 @@
               <a:buChar char="●"/>
               <a:defRPr sz="1200"/>
             </a:lvl7pPr>
-            <a:lvl8pPr indent="-304800" lvl="7" marL="3657600">
+            <a:lvl8pPr marL="3657600" lvl="7" indent="-304800">
               <a:spcBef>
                 <a:spcPts val="1600"/>
               </a:spcBef>
@@ -3495,7 +3642,7 @@
               <a:buChar char="○"/>
               <a:defRPr sz="1200"/>
             </a:lvl8pPr>
-            <a:lvl9pPr indent="-304800" lvl="8" marL="4114800">
+            <a:lvl9pPr marL="4114800" lvl="8" indent="-304800">
               <a:spcBef>
                 <a:spcPts val="1600"/>
               </a:spcBef>
@@ -3507,15 +3654,19 @@
               <a:defRPr sz="1200"/>
             </a:lvl9pPr>
           </a:lstStyle>
-          <a:p/>
+          <a:p>
+            <a:endParaRPr/>
+          </a:p>
         </p:txBody>
       </p:sp>
       <p:sp>
         <p:nvSpPr>
           <p:cNvPr id="28" name="Google Shape;28;p5"/>
-          <p:cNvSpPr txBox="1"/>
+          <p:cNvSpPr txBox="1">
+            <a:spLocks noGrp="1"/>
+          </p:cNvSpPr>
           <p:nvPr>
-            <p:ph idx="12" type="sldNum"/>
+            <p:ph type="sldNum" idx="12"/>
           </p:nvPr>
         </p:nvSpPr>
         <p:spPr>
@@ -3528,7 +3679,7 @@
           </a:prstGeom>
         </p:spPr>
         <p:txBody>
-          <a:bodyPr anchorCtr="0" anchor="ctr" bIns="91425" lIns="91425" spcFirstLastPara="1" rIns="91425" wrap="square" tIns="91425">
+          <a:bodyPr spcFirstLastPara="1" wrap="square" lIns="91425" tIns="91425" rIns="91425" bIns="91425" anchor="ctr" anchorCtr="0">
             <a:noAutofit/>
           </a:bodyPr>
           <a:lstStyle>
@@ -3570,7 +3721,7 @@
             </a:lvl9pPr>
           </a:lstStyle>
           <a:p>
-            <a:pPr indent="0" lvl="0" marL="0" rtl="0" algn="r">
+            <a:pPr marL="0" lvl="0" indent="0" algn="r" rtl="0">
               <a:spcBef>
                 <a:spcPts val="0"/>
               </a:spcBef>
@@ -3596,11 +3747,11 @@
 </file>
 
 <file path=ppt/slideLayouts/slideLayout5.xml><?xml version="1.0" encoding="utf-8"?>
-<p:sldLayout xmlns:a="http://schemas.openxmlformats.org/drawingml/2006/main" xmlns:r="http://schemas.openxmlformats.org/officeDocument/2006/relationships" xmlns:mc="http://schemas.openxmlformats.org/markup-compatibility/2006" xmlns:mv="urn:schemas-microsoft-com:mac:vml" xmlns:p="http://schemas.openxmlformats.org/presentationml/2006/main" xmlns:c="http://schemas.openxmlformats.org/drawingml/2006/chart" xmlns:dgm="http://schemas.openxmlformats.org/drawingml/2006/diagram" xmlns:o="urn:schemas-microsoft-com:office:office" xmlns:v="urn:schemas-microsoft-com:vml" xmlns:pvml="urn:schemas-microsoft-com:office:powerpoint" xmlns:com="http://schemas.openxmlformats.org/drawingml/2006/compatibility" xmlns:p14="http://schemas.microsoft.com/office/powerpoint/2010/main" xmlns:p15="http://schemas.microsoft.com/office/powerpoint/2012/main" matchingName="Title only" type="titleOnly">
+<p:sldLayout xmlns:a="http://schemas.openxmlformats.org/drawingml/2006/main" xmlns:r="http://schemas.openxmlformats.org/officeDocument/2006/relationships" xmlns:p="http://schemas.openxmlformats.org/presentationml/2006/main" matchingName="Title only" type="titleOnly">
   <p:cSld name="TITLE_ONLY">
     <p:spTree>
       <p:nvGrpSpPr>
-        <p:cNvPr id="29" name="Shape 29"/>
+        <p:cNvPr id="1" name="Shape 29"/>
         <p:cNvGrpSpPr/>
         <p:nvPr/>
       </p:nvGrpSpPr>
@@ -3615,7 +3766,9 @@
       <p:sp>
         <p:nvSpPr>
           <p:cNvPr id="30" name="Google Shape;30;p6"/>
-          <p:cNvSpPr txBox="1"/>
+          <p:cNvSpPr txBox="1">
+            <a:spLocks noGrp="1"/>
+          </p:cNvSpPr>
           <p:nvPr>
             <p:ph type="title"/>
           </p:nvPr>
@@ -3630,7 +3783,7 @@
           </a:prstGeom>
         </p:spPr>
         <p:txBody>
-          <a:bodyPr anchorCtr="0" anchor="t" bIns="91425" lIns="91425" spcFirstLastPara="1" rIns="91425" wrap="square" tIns="91425"/>
+          <a:bodyPr spcFirstLastPara="1" wrap="square" lIns="91425" tIns="91425" rIns="91425" bIns="91425" anchor="t" anchorCtr="0"/>
           <a:lstStyle>
             <a:lvl1pPr lvl="0">
               <a:spcBef>
@@ -3732,15 +3885,19 @@
               <a:defRPr/>
             </a:lvl9pPr>
           </a:lstStyle>
-          <a:p/>
+          <a:p>
+            <a:endParaRPr/>
+          </a:p>
         </p:txBody>
       </p:sp>
       <p:sp>
         <p:nvSpPr>
           <p:cNvPr id="31" name="Google Shape;31;p6"/>
-          <p:cNvSpPr txBox="1"/>
+          <p:cNvSpPr txBox="1">
+            <a:spLocks noGrp="1"/>
+          </p:cNvSpPr>
           <p:nvPr>
-            <p:ph idx="12" type="sldNum"/>
+            <p:ph type="sldNum" idx="12"/>
           </p:nvPr>
         </p:nvSpPr>
         <p:spPr>
@@ -3753,7 +3910,7 @@
           </a:prstGeom>
         </p:spPr>
         <p:txBody>
-          <a:bodyPr anchorCtr="0" anchor="ctr" bIns="91425" lIns="91425" spcFirstLastPara="1" rIns="91425" wrap="square" tIns="91425">
+          <a:bodyPr spcFirstLastPara="1" wrap="square" lIns="91425" tIns="91425" rIns="91425" bIns="91425" anchor="ctr" anchorCtr="0">
             <a:noAutofit/>
           </a:bodyPr>
           <a:lstStyle>
@@ -3795,7 +3952,7 @@
             </a:lvl9pPr>
           </a:lstStyle>
           <a:p>
-            <a:pPr indent="0" lvl="0" marL="0" rtl="0" algn="r">
+            <a:pPr marL="0" lvl="0" indent="0" algn="r" rtl="0">
               <a:spcBef>
                 <a:spcPts val="0"/>
               </a:spcBef>
@@ -3821,11 +3978,11 @@
 </file>
 
 <file path=ppt/slideLayouts/slideLayout6.xml><?xml version="1.0" encoding="utf-8"?>
-<p:sldLayout xmlns:a="http://schemas.openxmlformats.org/drawingml/2006/main" xmlns:r="http://schemas.openxmlformats.org/officeDocument/2006/relationships" xmlns:mc="http://schemas.openxmlformats.org/markup-compatibility/2006" xmlns:mv="urn:schemas-microsoft-com:mac:vml" xmlns:p="http://schemas.openxmlformats.org/presentationml/2006/main" xmlns:c="http://schemas.openxmlformats.org/drawingml/2006/chart" xmlns:dgm="http://schemas.openxmlformats.org/drawingml/2006/diagram" xmlns:o="urn:schemas-microsoft-com:office:office" xmlns:v="urn:schemas-microsoft-com:vml" xmlns:pvml="urn:schemas-microsoft-com:office:powerpoint" xmlns:com="http://schemas.openxmlformats.org/drawingml/2006/compatibility" xmlns:p14="http://schemas.microsoft.com/office/powerpoint/2010/main" xmlns:p15="http://schemas.microsoft.com/office/powerpoint/2012/main" matchingName="One column text">
+<p:sldLayout xmlns:a="http://schemas.openxmlformats.org/drawingml/2006/main" xmlns:r="http://schemas.openxmlformats.org/officeDocument/2006/relationships" xmlns:p="http://schemas.openxmlformats.org/presentationml/2006/main" matchingName="One column text">
   <p:cSld name="ONE_COLUMN_TEXT">
     <p:spTree>
       <p:nvGrpSpPr>
-        <p:cNvPr id="32" name="Shape 32"/>
+        <p:cNvPr id="1" name="Shape 32"/>
         <p:cNvGrpSpPr/>
         <p:nvPr/>
       </p:nvGrpSpPr>
@@ -3840,7 +3997,9 @@
       <p:sp>
         <p:nvSpPr>
           <p:cNvPr id="33" name="Google Shape;33;p7"/>
-          <p:cNvSpPr txBox="1"/>
+          <p:cNvSpPr txBox="1">
+            <a:spLocks noGrp="1"/>
+          </p:cNvSpPr>
           <p:nvPr>
             <p:ph type="title"/>
           </p:nvPr>
@@ -3855,7 +4014,7 @@
           </a:prstGeom>
         </p:spPr>
         <p:txBody>
-          <a:bodyPr anchorCtr="0" anchor="b" bIns="91425" lIns="91425" spcFirstLastPara="1" rIns="91425" wrap="square" tIns="91425"/>
+          <a:bodyPr spcFirstLastPara="1" wrap="square" lIns="91425" tIns="91425" rIns="91425" bIns="91425" anchor="b" anchorCtr="0"/>
           <a:lstStyle>
             <a:lvl1pPr lvl="0">
               <a:spcBef>
@@ -3957,15 +4116,19 @@
               <a:defRPr sz="2400"/>
             </a:lvl9pPr>
           </a:lstStyle>
-          <a:p/>
+          <a:p>
+            <a:endParaRPr/>
+          </a:p>
         </p:txBody>
       </p:sp>
       <p:sp>
         <p:nvSpPr>
           <p:cNvPr id="34" name="Google Shape;34;p7"/>
-          <p:cNvSpPr txBox="1"/>
+          <p:cNvSpPr txBox="1">
+            <a:spLocks noGrp="1"/>
+          </p:cNvSpPr>
           <p:nvPr>
-            <p:ph idx="1" type="body"/>
+            <p:ph type="body" idx="1"/>
           </p:nvPr>
         </p:nvSpPr>
         <p:spPr>
@@ -3978,9 +4141,9 @@
           </a:prstGeom>
         </p:spPr>
         <p:txBody>
-          <a:bodyPr anchorCtr="0" anchor="t" bIns="91425" lIns="91425" spcFirstLastPara="1" rIns="91425" wrap="square" tIns="91425"/>
+          <a:bodyPr spcFirstLastPara="1" wrap="square" lIns="91425" tIns="91425" rIns="91425" bIns="91425" anchor="t" anchorCtr="0"/>
           <a:lstStyle>
-            <a:lvl1pPr indent="-304800" lvl="0" marL="457200">
+            <a:lvl1pPr marL="457200" lvl="0" indent="-304800">
               <a:spcBef>
                 <a:spcPts val="0"/>
               </a:spcBef>
@@ -3991,7 +4154,7 @@
               <a:buChar char="●"/>
               <a:defRPr sz="1200"/>
             </a:lvl1pPr>
-            <a:lvl2pPr indent="-304800" lvl="1" marL="914400">
+            <a:lvl2pPr marL="914400" lvl="1" indent="-304800">
               <a:spcBef>
                 <a:spcPts val="1600"/>
               </a:spcBef>
@@ -4002,7 +4165,7 @@
               <a:buChar char="○"/>
               <a:defRPr sz="1200"/>
             </a:lvl2pPr>
-            <a:lvl3pPr indent="-304800" lvl="2" marL="1371600">
+            <a:lvl3pPr marL="1371600" lvl="2" indent="-304800">
               <a:spcBef>
                 <a:spcPts val="1600"/>
               </a:spcBef>
@@ -4013,7 +4176,7 @@
               <a:buChar char="■"/>
               <a:defRPr sz="1200"/>
             </a:lvl3pPr>
-            <a:lvl4pPr indent="-304800" lvl="3" marL="1828800">
+            <a:lvl4pPr marL="1828800" lvl="3" indent="-304800">
               <a:spcBef>
                 <a:spcPts val="1600"/>
               </a:spcBef>
@@ -4024,7 +4187,7 @@
               <a:buChar char="●"/>
               <a:defRPr sz="1200"/>
             </a:lvl4pPr>
-            <a:lvl5pPr indent="-304800" lvl="4" marL="2286000">
+            <a:lvl5pPr marL="2286000" lvl="4" indent="-304800">
               <a:spcBef>
                 <a:spcPts val="1600"/>
               </a:spcBef>
@@ -4035,7 +4198,7 @@
               <a:buChar char="○"/>
               <a:defRPr sz="1200"/>
             </a:lvl5pPr>
-            <a:lvl6pPr indent="-304800" lvl="5" marL="2743200">
+            <a:lvl6pPr marL="2743200" lvl="5" indent="-304800">
               <a:spcBef>
                 <a:spcPts val="1600"/>
               </a:spcBef>
@@ -4046,7 +4209,7 @@
               <a:buChar char="■"/>
               <a:defRPr sz="1200"/>
             </a:lvl6pPr>
-            <a:lvl7pPr indent="-304800" lvl="6" marL="3200400">
+            <a:lvl7pPr marL="3200400" lvl="6" indent="-304800">
               <a:spcBef>
                 <a:spcPts val="1600"/>
               </a:spcBef>
@@ -4057,7 +4220,7 @@
               <a:buChar char="●"/>
               <a:defRPr sz="1200"/>
             </a:lvl7pPr>
-            <a:lvl8pPr indent="-304800" lvl="7" marL="3657600">
+            <a:lvl8pPr marL="3657600" lvl="7" indent="-304800">
               <a:spcBef>
                 <a:spcPts val="1600"/>
               </a:spcBef>
@@ -4068,7 +4231,7 @@
               <a:buChar char="○"/>
               <a:defRPr sz="1200"/>
             </a:lvl8pPr>
-            <a:lvl9pPr indent="-304800" lvl="8" marL="4114800">
+            <a:lvl9pPr marL="4114800" lvl="8" indent="-304800">
               <a:spcBef>
                 <a:spcPts val="1600"/>
               </a:spcBef>
@@ -4080,15 +4243,19 @@
               <a:defRPr sz="1200"/>
             </a:lvl9pPr>
           </a:lstStyle>
-          <a:p/>
+          <a:p>
+            <a:endParaRPr/>
+          </a:p>
         </p:txBody>
       </p:sp>
       <p:sp>
         <p:nvSpPr>
           <p:cNvPr id="35" name="Google Shape;35;p7"/>
-          <p:cNvSpPr txBox="1"/>
+          <p:cNvSpPr txBox="1">
+            <a:spLocks noGrp="1"/>
+          </p:cNvSpPr>
           <p:nvPr>
-            <p:ph idx="12" type="sldNum"/>
+            <p:ph type="sldNum" idx="12"/>
           </p:nvPr>
         </p:nvSpPr>
         <p:spPr>
@@ -4101,7 +4268,7 @@
           </a:prstGeom>
         </p:spPr>
         <p:txBody>
-          <a:bodyPr anchorCtr="0" anchor="ctr" bIns="91425" lIns="91425" spcFirstLastPara="1" rIns="91425" wrap="square" tIns="91425">
+          <a:bodyPr spcFirstLastPara="1" wrap="square" lIns="91425" tIns="91425" rIns="91425" bIns="91425" anchor="ctr" anchorCtr="0">
             <a:noAutofit/>
           </a:bodyPr>
           <a:lstStyle>
@@ -4143,7 +4310,7 @@
             </a:lvl9pPr>
           </a:lstStyle>
           <a:p>
-            <a:pPr indent="0" lvl="0" marL="0" rtl="0" algn="r">
+            <a:pPr marL="0" lvl="0" indent="0" algn="r" rtl="0">
               <a:spcBef>
                 <a:spcPts val="0"/>
               </a:spcBef>
@@ -4169,18 +4336,19 @@
 </file>
 
 <file path=ppt/slideLayouts/slideLayout7.xml><?xml version="1.0" encoding="utf-8"?>
-<p:sldLayout xmlns:a="http://schemas.openxmlformats.org/drawingml/2006/main" xmlns:r="http://schemas.openxmlformats.org/officeDocument/2006/relationships" xmlns:mc="http://schemas.openxmlformats.org/markup-compatibility/2006" xmlns:mv="urn:schemas-microsoft-com:mac:vml" xmlns:p="http://schemas.openxmlformats.org/presentationml/2006/main" xmlns:c="http://schemas.openxmlformats.org/drawingml/2006/chart" xmlns:dgm="http://schemas.openxmlformats.org/drawingml/2006/diagram" xmlns:o="urn:schemas-microsoft-com:office:office" xmlns:v="urn:schemas-microsoft-com:vml" xmlns:pvml="urn:schemas-microsoft-com:office:powerpoint" xmlns:com="http://schemas.openxmlformats.org/drawingml/2006/compatibility" xmlns:p14="http://schemas.microsoft.com/office/powerpoint/2010/main" xmlns:p15="http://schemas.microsoft.com/office/powerpoint/2012/main" matchingName="Main point">
+<p:sldLayout xmlns:a="http://schemas.openxmlformats.org/drawingml/2006/main" xmlns:r="http://schemas.openxmlformats.org/officeDocument/2006/relationships" xmlns:p="http://schemas.openxmlformats.org/presentationml/2006/main" matchingName="Main point">
   <p:cSld name="MAIN_POINT">
     <p:bg>
       <p:bgPr>
         <a:solidFill>
           <a:schemeClr val="lt2"/>
         </a:solidFill>
+        <a:effectLst/>
       </p:bgPr>
     </p:bg>
     <p:spTree>
       <p:nvGrpSpPr>
-        <p:cNvPr id="36" name="Shape 36"/>
+        <p:cNvPr id="1" name="Shape 36"/>
         <p:cNvGrpSpPr/>
         <p:nvPr/>
       </p:nvGrpSpPr>
@@ -4195,7 +4363,9 @@
       <p:sp>
         <p:nvSpPr>
           <p:cNvPr id="37" name="Google Shape;37;p8"/>
-          <p:cNvSpPr txBox="1"/>
+          <p:cNvSpPr txBox="1">
+            <a:spLocks noGrp="1"/>
+          </p:cNvSpPr>
           <p:nvPr>
             <p:ph type="title"/>
           </p:nvPr>
@@ -4210,7 +4380,7 @@
           </a:prstGeom>
         </p:spPr>
         <p:txBody>
-          <a:bodyPr anchorCtr="0" anchor="ctr" bIns="91425" lIns="91425" spcFirstLastPara="1" rIns="91425" wrap="square" tIns="91425"/>
+          <a:bodyPr spcFirstLastPara="1" wrap="square" lIns="91425" tIns="91425" rIns="91425" bIns="91425" anchor="ctr" anchorCtr="0"/>
           <a:lstStyle>
             <a:lvl1pPr lvl="0">
               <a:spcBef>
@@ -4375,15 +4545,19 @@
               </a:defRPr>
             </a:lvl9pPr>
           </a:lstStyle>
-          <a:p/>
+          <a:p>
+            <a:endParaRPr/>
+          </a:p>
         </p:txBody>
       </p:sp>
       <p:sp>
         <p:nvSpPr>
           <p:cNvPr id="38" name="Google Shape;38;p8"/>
-          <p:cNvSpPr txBox="1"/>
+          <p:cNvSpPr txBox="1">
+            <a:spLocks noGrp="1"/>
+          </p:cNvSpPr>
           <p:nvPr>
-            <p:ph idx="12" type="sldNum"/>
+            <p:ph type="sldNum" idx="12"/>
           </p:nvPr>
         </p:nvSpPr>
         <p:spPr>
@@ -4396,7 +4570,7 @@
           </a:prstGeom>
         </p:spPr>
         <p:txBody>
-          <a:bodyPr anchorCtr="0" anchor="ctr" bIns="91425" lIns="91425" spcFirstLastPara="1" rIns="91425" wrap="square" tIns="91425">
+          <a:bodyPr spcFirstLastPara="1" wrap="square" lIns="91425" tIns="91425" rIns="91425" bIns="91425" anchor="ctr" anchorCtr="0">
             <a:noAutofit/>
           </a:bodyPr>
           <a:lstStyle>
@@ -4474,7 +4648,7 @@
             </a:lvl9pPr>
           </a:lstStyle>
           <a:p>
-            <a:pPr indent="0" lvl="0" marL="0" rtl="0" algn="r">
+            <a:pPr marL="0" lvl="0" indent="0" algn="r" rtl="0">
               <a:spcBef>
                 <a:spcPts val="0"/>
               </a:spcBef>
@@ -4500,11 +4674,11 @@
 </file>
 
 <file path=ppt/slideLayouts/slideLayout8.xml><?xml version="1.0" encoding="utf-8"?>
-<p:sldLayout xmlns:a="http://schemas.openxmlformats.org/drawingml/2006/main" xmlns:r="http://schemas.openxmlformats.org/officeDocument/2006/relationships" xmlns:mc="http://schemas.openxmlformats.org/markup-compatibility/2006" xmlns:mv="urn:schemas-microsoft-com:mac:vml" xmlns:p="http://schemas.openxmlformats.org/presentationml/2006/main" xmlns:c="http://schemas.openxmlformats.org/drawingml/2006/chart" xmlns:dgm="http://schemas.openxmlformats.org/drawingml/2006/diagram" xmlns:o="urn:schemas-microsoft-com:office:office" xmlns:v="urn:schemas-microsoft-com:vml" xmlns:pvml="urn:schemas-microsoft-com:office:powerpoint" xmlns:com="http://schemas.openxmlformats.org/drawingml/2006/compatibility" xmlns:p14="http://schemas.microsoft.com/office/powerpoint/2010/main" xmlns:p15="http://schemas.microsoft.com/office/powerpoint/2012/main" matchingName="Section title and description">
+<p:sldLayout xmlns:a="http://schemas.openxmlformats.org/drawingml/2006/main" xmlns:r="http://schemas.openxmlformats.org/officeDocument/2006/relationships" xmlns:p="http://schemas.openxmlformats.org/presentationml/2006/main" matchingName="Section title and description">
   <p:cSld name="SECTION_TITLE_AND_DESCRIPTION">
     <p:spTree>
       <p:nvGrpSpPr>
-        <p:cNvPr id="39" name="Shape 39"/>
+        <p:cNvPr id="1" name="Shape 39"/>
         <p:cNvGrpSpPr/>
         <p:nvPr/>
       </p:nvGrpSpPr>
@@ -4538,12 +4712,12 @@
           </a:ln>
         </p:spPr>
         <p:txBody>
-          <a:bodyPr anchorCtr="0" anchor="ctr" bIns="91425" lIns="91425" spcFirstLastPara="1" rIns="91425" wrap="square" tIns="91425">
+          <a:bodyPr spcFirstLastPara="1" wrap="square" lIns="91425" tIns="91425" rIns="91425" bIns="91425" anchor="ctr" anchorCtr="0">
             <a:noAutofit/>
           </a:bodyPr>
           <a:lstStyle/>
           <a:p>
-            <a:pPr indent="0" lvl="0" marL="0" rtl="0" algn="l">
+            <a:pPr marL="0" lvl="0" indent="0" algn="l" rtl="0">
               <a:spcBef>
                 <a:spcPts val="0"/>
               </a:spcBef>
@@ -4552,9 +4726,6 @@
               </a:spcAft>
               <a:buNone/>
             </a:pPr>
-            <a:r>
-              <a:t/>
-            </a:r>
             <a:endParaRPr/>
           </a:p>
         </p:txBody>
@@ -4574,21 +4745,23 @@
             <a:avLst/>
           </a:prstGeom>
           <a:noFill/>
-          <a:ln cap="flat" cmpd="sng" w="19050">
+          <a:ln w="19050" cap="flat" cmpd="sng">
             <a:solidFill>
               <a:schemeClr val="lt1"/>
             </a:solidFill>
             <a:prstDash val="solid"/>
             <a:round/>
-            <a:headEnd len="sm" w="sm" type="none"/>
-            <a:tailEnd len="sm" w="sm" type="none"/>
+            <a:headEnd type="none" w="sm" len="sm"/>
+            <a:tailEnd type="none" w="sm" len="sm"/>
           </a:ln>
         </p:spPr>
       </p:cxnSp>
       <p:sp>
         <p:nvSpPr>
           <p:cNvPr id="42" name="Google Shape;42;p9"/>
-          <p:cNvSpPr txBox="1"/>
+          <p:cNvSpPr txBox="1">
+            <a:spLocks noGrp="1"/>
+          </p:cNvSpPr>
           <p:nvPr>
             <p:ph type="title"/>
           </p:nvPr>
@@ -4603,7 +4776,7 @@
           </a:prstGeom>
         </p:spPr>
         <p:txBody>
-          <a:bodyPr anchorCtr="0" anchor="b" bIns="91425" lIns="91425" spcFirstLastPara="1" rIns="91425" wrap="square" tIns="91425"/>
+          <a:bodyPr spcFirstLastPara="1" wrap="square" lIns="91425" tIns="91425" rIns="91425" bIns="91425" anchor="b" anchorCtr="0"/>
           <a:lstStyle>
             <a:lvl1pPr lvl="0" algn="ctr">
               <a:spcBef>
@@ -4705,15 +4878,19 @@
               <a:defRPr sz="4200"/>
             </a:lvl9pPr>
           </a:lstStyle>
-          <a:p/>
+          <a:p>
+            <a:endParaRPr/>
+          </a:p>
         </p:txBody>
       </p:sp>
       <p:sp>
         <p:nvSpPr>
           <p:cNvPr id="43" name="Google Shape;43;p9"/>
-          <p:cNvSpPr txBox="1"/>
+          <p:cNvSpPr txBox="1">
+            <a:spLocks noGrp="1"/>
+          </p:cNvSpPr>
           <p:nvPr>
-            <p:ph idx="1" type="subTitle"/>
+            <p:ph type="subTitle" idx="1"/>
           </p:nvPr>
         </p:nvSpPr>
         <p:spPr>
@@ -4726,7 +4903,7 @@
           </a:prstGeom>
         </p:spPr>
         <p:txBody>
-          <a:bodyPr anchorCtr="0" anchor="t" bIns="91425" lIns="91425" spcFirstLastPara="1" rIns="91425" wrap="square" tIns="91425"/>
+          <a:bodyPr spcFirstLastPara="1" wrap="square" lIns="91425" tIns="91425" rIns="91425" bIns="91425" anchor="t" anchorCtr="0"/>
           <a:lstStyle>
             <a:lvl1pPr lvl="0" algn="ctr">
               <a:lnSpc>
@@ -4918,15 +5095,19 @@
               </a:defRPr>
             </a:lvl9pPr>
           </a:lstStyle>
-          <a:p/>
+          <a:p>
+            <a:endParaRPr/>
+          </a:p>
         </p:txBody>
       </p:sp>
       <p:sp>
         <p:nvSpPr>
           <p:cNvPr id="44" name="Google Shape;44;p9"/>
-          <p:cNvSpPr txBox="1"/>
+          <p:cNvSpPr txBox="1">
+            <a:spLocks noGrp="1"/>
+          </p:cNvSpPr>
           <p:nvPr>
-            <p:ph idx="2" type="body"/>
+            <p:ph type="body" idx="2"/>
           </p:nvPr>
         </p:nvSpPr>
         <p:spPr>
@@ -4939,9 +5120,9 @@
           </a:prstGeom>
         </p:spPr>
         <p:txBody>
-          <a:bodyPr anchorCtr="0" anchor="ctr" bIns="91425" lIns="91425" spcFirstLastPara="1" rIns="91425" wrap="square" tIns="91425"/>
+          <a:bodyPr spcFirstLastPara="1" wrap="square" lIns="91425" tIns="91425" rIns="91425" bIns="91425" anchor="ctr" anchorCtr="0"/>
           <a:lstStyle>
-            <a:lvl1pPr indent="-342900" lvl="0" marL="457200">
+            <a:lvl1pPr marL="457200" lvl="0" indent="-342900">
               <a:spcBef>
                 <a:spcPts val="0"/>
               </a:spcBef>
@@ -4959,7 +5140,7 @@
                 </a:solidFill>
               </a:defRPr>
             </a:lvl1pPr>
-            <a:lvl2pPr indent="-317500" lvl="1" marL="914400">
+            <a:lvl2pPr marL="914400" lvl="1" indent="-317500">
               <a:spcBef>
                 <a:spcPts val="1600"/>
               </a:spcBef>
@@ -4977,7 +5158,7 @@
                 </a:solidFill>
               </a:defRPr>
             </a:lvl2pPr>
-            <a:lvl3pPr indent="-317500" lvl="2" marL="1371600">
+            <a:lvl3pPr marL="1371600" lvl="2" indent="-317500">
               <a:spcBef>
                 <a:spcPts val="1600"/>
               </a:spcBef>
@@ -4995,7 +5176,7 @@
                 </a:solidFill>
               </a:defRPr>
             </a:lvl3pPr>
-            <a:lvl4pPr indent="-317500" lvl="3" marL="1828800">
+            <a:lvl4pPr marL="1828800" lvl="3" indent="-317500">
               <a:spcBef>
                 <a:spcPts val="1600"/>
               </a:spcBef>
@@ -5013,7 +5194,7 @@
                 </a:solidFill>
               </a:defRPr>
             </a:lvl4pPr>
-            <a:lvl5pPr indent="-317500" lvl="4" marL="2286000">
+            <a:lvl5pPr marL="2286000" lvl="4" indent="-317500">
               <a:spcBef>
                 <a:spcPts val="1600"/>
               </a:spcBef>
@@ -5031,7 +5212,7 @@
                 </a:solidFill>
               </a:defRPr>
             </a:lvl5pPr>
-            <a:lvl6pPr indent="-317500" lvl="5" marL="2743200">
+            <a:lvl6pPr marL="2743200" lvl="5" indent="-317500">
               <a:spcBef>
                 <a:spcPts val="1600"/>
               </a:spcBef>
@@ -5049,7 +5230,7 @@
                 </a:solidFill>
               </a:defRPr>
             </a:lvl6pPr>
-            <a:lvl7pPr indent="-317500" lvl="6" marL="3200400">
+            <a:lvl7pPr marL="3200400" lvl="6" indent="-317500">
               <a:spcBef>
                 <a:spcPts val="1600"/>
               </a:spcBef>
@@ -5067,7 +5248,7 @@
                 </a:solidFill>
               </a:defRPr>
             </a:lvl7pPr>
-            <a:lvl8pPr indent="-317500" lvl="7" marL="3657600">
+            <a:lvl8pPr marL="3657600" lvl="7" indent="-317500">
               <a:spcBef>
                 <a:spcPts val="1600"/>
               </a:spcBef>
@@ -5085,7 +5266,7 @@
                 </a:solidFill>
               </a:defRPr>
             </a:lvl8pPr>
-            <a:lvl9pPr indent="-317500" lvl="8" marL="4114800">
+            <a:lvl9pPr marL="4114800" lvl="8" indent="-317500">
               <a:spcBef>
                 <a:spcPts val="1600"/>
               </a:spcBef>
@@ -5104,15 +5285,19 @@
               </a:defRPr>
             </a:lvl9pPr>
           </a:lstStyle>
-          <a:p/>
+          <a:p>
+            <a:endParaRPr/>
+          </a:p>
         </p:txBody>
       </p:sp>
       <p:sp>
         <p:nvSpPr>
           <p:cNvPr id="45" name="Google Shape;45;p9"/>
-          <p:cNvSpPr txBox="1"/>
+          <p:cNvSpPr txBox="1">
+            <a:spLocks noGrp="1"/>
+          </p:cNvSpPr>
           <p:nvPr>
-            <p:ph idx="12" type="sldNum"/>
+            <p:ph type="sldNum" idx="12"/>
           </p:nvPr>
         </p:nvSpPr>
         <p:spPr>
@@ -5125,7 +5310,7 @@
           </a:prstGeom>
         </p:spPr>
         <p:txBody>
-          <a:bodyPr anchorCtr="0" anchor="ctr" bIns="91425" lIns="91425" spcFirstLastPara="1" rIns="91425" wrap="square" tIns="91425">
+          <a:bodyPr spcFirstLastPara="1" wrap="square" lIns="91425" tIns="91425" rIns="91425" bIns="91425" anchor="ctr" anchorCtr="0">
             <a:noAutofit/>
           </a:bodyPr>
           <a:lstStyle>
@@ -5203,7 +5388,7 @@
             </a:lvl9pPr>
           </a:lstStyle>
           <a:p>
-            <a:pPr indent="0" lvl="0" marL="0" rtl="0" algn="r">
+            <a:pPr marL="0" lvl="0" indent="0" algn="r" rtl="0">
               <a:spcBef>
                 <a:spcPts val="0"/>
               </a:spcBef>
@@ -5229,11 +5414,11 @@
 </file>
 
 <file path=ppt/slideLayouts/slideLayout9.xml><?xml version="1.0" encoding="utf-8"?>
-<p:sldLayout xmlns:a="http://schemas.openxmlformats.org/drawingml/2006/main" xmlns:r="http://schemas.openxmlformats.org/officeDocument/2006/relationships" xmlns:mc="http://schemas.openxmlformats.org/markup-compatibility/2006" xmlns:mv="urn:schemas-microsoft-com:mac:vml" xmlns:p="http://schemas.openxmlformats.org/presentationml/2006/main" xmlns:c="http://schemas.openxmlformats.org/drawingml/2006/chart" xmlns:dgm="http://schemas.openxmlformats.org/drawingml/2006/diagram" xmlns:o="urn:schemas-microsoft-com:office:office" xmlns:v="urn:schemas-microsoft-com:vml" xmlns:pvml="urn:schemas-microsoft-com:office:powerpoint" xmlns:com="http://schemas.openxmlformats.org/drawingml/2006/compatibility" xmlns:p14="http://schemas.microsoft.com/office/powerpoint/2010/main" xmlns:p15="http://schemas.microsoft.com/office/powerpoint/2012/main" matchingName="Caption">
+<p:sldLayout xmlns:a="http://schemas.openxmlformats.org/drawingml/2006/main" xmlns:r="http://schemas.openxmlformats.org/officeDocument/2006/relationships" xmlns:p="http://schemas.openxmlformats.org/presentationml/2006/main" matchingName="Caption">
   <p:cSld name="CAPTION_ONLY">
     <p:spTree>
       <p:nvGrpSpPr>
-        <p:cNvPr id="46" name="Shape 46"/>
+        <p:cNvPr id="1" name="Shape 46"/>
         <p:cNvGrpSpPr/>
         <p:nvPr/>
       </p:nvGrpSpPr>
@@ -5248,9 +5433,11 @@
       <p:sp>
         <p:nvSpPr>
           <p:cNvPr id="47" name="Google Shape;47;p10"/>
-          <p:cNvSpPr txBox="1"/>
+          <p:cNvSpPr txBox="1">
+            <a:spLocks noGrp="1"/>
+          </p:cNvSpPr>
           <p:nvPr>
-            <p:ph idx="1" type="body"/>
+            <p:ph type="body" idx="1"/>
           </p:nvPr>
         </p:nvSpPr>
         <p:spPr>
@@ -5263,9 +5450,9 @@
           </a:prstGeom>
         </p:spPr>
         <p:txBody>
-          <a:bodyPr anchorCtr="0" anchor="ctr" bIns="91425" lIns="91425" spcFirstLastPara="1" rIns="91425" wrap="square" tIns="91425"/>
+          <a:bodyPr spcFirstLastPara="1" wrap="square" lIns="91425" tIns="91425" rIns="91425" bIns="91425" anchor="ctr" anchorCtr="0"/>
           <a:lstStyle>
-            <a:lvl1pPr indent="-228600" lvl="0" marL="457200">
+            <a:lvl1pPr marL="457200" lvl="0" indent="-228600">
               <a:lnSpc>
                 <a:spcPct val="100000"/>
               </a:lnSpc>
@@ -5292,15 +5479,19 @@
               </a:defRPr>
             </a:lvl1pPr>
           </a:lstStyle>
-          <a:p/>
+          <a:p>
+            <a:endParaRPr/>
+          </a:p>
         </p:txBody>
       </p:sp>
       <p:sp>
         <p:nvSpPr>
           <p:cNvPr id="48" name="Google Shape;48;p10"/>
-          <p:cNvSpPr txBox="1"/>
+          <p:cNvSpPr txBox="1">
+            <a:spLocks noGrp="1"/>
+          </p:cNvSpPr>
           <p:nvPr>
-            <p:ph idx="12" type="sldNum"/>
+            <p:ph type="sldNum" idx="12"/>
           </p:nvPr>
         </p:nvSpPr>
         <p:spPr>
@@ -5313,7 +5504,7 @@
           </a:prstGeom>
         </p:spPr>
         <p:txBody>
-          <a:bodyPr anchorCtr="0" anchor="ctr" bIns="91425" lIns="91425" spcFirstLastPara="1" rIns="91425" wrap="square" tIns="91425">
+          <a:bodyPr spcFirstLastPara="1" wrap="square" lIns="91425" tIns="91425" rIns="91425" bIns="91425" anchor="ctr" anchorCtr="0">
             <a:noAutofit/>
           </a:bodyPr>
           <a:lstStyle>
@@ -5355,7 +5546,7 @@
             </a:lvl9pPr>
           </a:lstStyle>
           <a:p>
-            <a:pPr indent="0" lvl="0" marL="0" rtl="0" algn="r">
+            <a:pPr marL="0" lvl="0" indent="0" algn="r" rtl="0">
               <a:spcBef>
                 <a:spcPts val="0"/>
               </a:spcBef>
@@ -5381,18 +5572,19 @@
 </file>
 
 <file path=ppt/slideMasters/slideMaster1.xml><?xml version="1.0" encoding="utf-8"?>
-<p:sldMaster xmlns:a="http://schemas.openxmlformats.org/drawingml/2006/main" xmlns:r="http://schemas.openxmlformats.org/officeDocument/2006/relationships" xmlns:mc="http://schemas.openxmlformats.org/markup-compatibility/2006" xmlns:mv="urn:schemas-microsoft-com:mac:vml" xmlns:p="http://schemas.openxmlformats.org/presentationml/2006/main" xmlns:c="http://schemas.openxmlformats.org/drawingml/2006/chart" xmlns:dgm="http://schemas.openxmlformats.org/drawingml/2006/diagram" xmlns:o="urn:schemas-microsoft-com:office:office" xmlns:v="urn:schemas-microsoft-com:vml" xmlns:pvml="urn:schemas-microsoft-com:office:powerpoint" xmlns:com="http://schemas.openxmlformats.org/drawingml/2006/compatibility" xmlns:p14="http://schemas.microsoft.com/office/powerpoint/2010/main" xmlns:p15="http://schemas.microsoft.com/office/powerpoint/2012/main">
+<p:sldMaster xmlns:a="http://schemas.openxmlformats.org/drawingml/2006/main" xmlns:r="http://schemas.openxmlformats.org/officeDocument/2006/relationships" xmlns:p="http://schemas.openxmlformats.org/presentationml/2006/main">
   <p:cSld name="slate">
     <p:bg>
       <p:bgPr>
         <a:solidFill>
           <a:schemeClr val="lt1"/>
         </a:solidFill>
+        <a:effectLst/>
       </p:bgPr>
     </p:bg>
     <p:spTree>
       <p:nvGrpSpPr>
-        <p:cNvPr id="5" name="Shape 5"/>
+        <p:cNvPr id="1" name="Shape 5"/>
         <p:cNvGrpSpPr/>
         <p:nvPr/>
       </p:nvGrpSpPr>
@@ -5407,7 +5599,9 @@
       <p:sp>
         <p:nvSpPr>
           <p:cNvPr id="6" name="Google Shape;6;p1"/>
-          <p:cNvSpPr txBox="1"/>
+          <p:cNvSpPr txBox="1">
+            <a:spLocks noGrp="1"/>
+          </p:cNvSpPr>
           <p:nvPr>
             <p:ph type="title"/>
           </p:nvPr>
@@ -5426,7 +5620,7 @@
           </a:ln>
         </p:spPr>
         <p:txBody>
-          <a:bodyPr anchorCtr="0" anchor="t" bIns="91425" lIns="91425" spcFirstLastPara="1" rIns="91425" wrap="square" tIns="91425"/>
+          <a:bodyPr spcFirstLastPara="1" wrap="square" lIns="91425" tIns="91425" rIns="91425" bIns="91425" anchor="t" anchorCtr="0"/>
           <a:lstStyle>
             <a:lvl1pPr lvl="0">
               <a:spcBef>
@@ -5636,15 +5830,19 @@
               </a:defRPr>
             </a:lvl9pPr>
           </a:lstStyle>
-          <a:p/>
+          <a:p>
+            <a:endParaRPr/>
+          </a:p>
         </p:txBody>
       </p:sp>
       <p:sp>
         <p:nvSpPr>
           <p:cNvPr id="7" name="Google Shape;7;p1"/>
-          <p:cNvSpPr txBox="1"/>
+          <p:cNvSpPr txBox="1">
+            <a:spLocks noGrp="1"/>
+          </p:cNvSpPr>
           <p:nvPr>
-            <p:ph idx="1" type="body"/>
+            <p:ph type="body" idx="1"/>
           </p:nvPr>
         </p:nvSpPr>
         <p:spPr>
@@ -5661,9 +5859,9 @@
           </a:ln>
         </p:spPr>
         <p:txBody>
-          <a:bodyPr anchorCtr="0" anchor="t" bIns="91425" lIns="91425" spcFirstLastPara="1" rIns="91425" wrap="square" tIns="91425"/>
+          <a:bodyPr spcFirstLastPara="1" wrap="square" lIns="91425" tIns="91425" rIns="91425" bIns="91425" anchor="t" anchorCtr="0"/>
           <a:lstStyle>
-            <a:lvl1pPr indent="-342900" lvl="0" marL="457200">
+            <a:lvl1pPr marL="457200" lvl="0" indent="-342900">
               <a:lnSpc>
                 <a:spcPct val="115000"/>
               </a:lnSpc>
@@ -5689,7 +5887,7 @@
                 <a:sym typeface="Average"/>
               </a:defRPr>
             </a:lvl1pPr>
-            <a:lvl2pPr indent="-317500" lvl="1" marL="914400">
+            <a:lvl2pPr marL="914400" lvl="1" indent="-317500">
               <a:lnSpc>
                 <a:spcPct val="115000"/>
               </a:lnSpc>
@@ -5715,7 +5913,7 @@
                 <a:sym typeface="Average"/>
               </a:defRPr>
             </a:lvl2pPr>
-            <a:lvl3pPr indent="-317500" lvl="2" marL="1371600">
+            <a:lvl3pPr marL="1371600" lvl="2" indent="-317500">
               <a:lnSpc>
                 <a:spcPct val="115000"/>
               </a:lnSpc>
@@ -5741,7 +5939,7 @@
                 <a:sym typeface="Average"/>
               </a:defRPr>
             </a:lvl3pPr>
-            <a:lvl4pPr indent="-317500" lvl="3" marL="1828800">
+            <a:lvl4pPr marL="1828800" lvl="3" indent="-317500">
               <a:lnSpc>
                 <a:spcPct val="115000"/>
               </a:lnSpc>
@@ -5767,7 +5965,7 @@
                 <a:sym typeface="Average"/>
               </a:defRPr>
             </a:lvl4pPr>
-            <a:lvl5pPr indent="-317500" lvl="4" marL="2286000">
+            <a:lvl5pPr marL="2286000" lvl="4" indent="-317500">
               <a:lnSpc>
                 <a:spcPct val="115000"/>
               </a:lnSpc>
@@ -5793,7 +5991,7 @@
                 <a:sym typeface="Average"/>
               </a:defRPr>
             </a:lvl5pPr>
-            <a:lvl6pPr indent="-317500" lvl="5" marL="2743200">
+            <a:lvl6pPr marL="2743200" lvl="5" indent="-317500">
               <a:lnSpc>
                 <a:spcPct val="115000"/>
               </a:lnSpc>
@@ -5819,7 +6017,7 @@
                 <a:sym typeface="Average"/>
               </a:defRPr>
             </a:lvl6pPr>
-            <a:lvl7pPr indent="-317500" lvl="6" marL="3200400">
+            <a:lvl7pPr marL="3200400" lvl="6" indent="-317500">
               <a:lnSpc>
                 <a:spcPct val="115000"/>
               </a:lnSpc>
@@ -5845,7 +6043,7 @@
                 <a:sym typeface="Average"/>
               </a:defRPr>
             </a:lvl7pPr>
-            <a:lvl8pPr indent="-317500" lvl="7" marL="3657600">
+            <a:lvl8pPr marL="3657600" lvl="7" indent="-317500">
               <a:lnSpc>
                 <a:spcPct val="115000"/>
               </a:lnSpc>
@@ -5871,7 +6069,7 @@
                 <a:sym typeface="Average"/>
               </a:defRPr>
             </a:lvl8pPr>
-            <a:lvl9pPr indent="-317500" lvl="8" marL="4114800">
+            <a:lvl9pPr marL="4114800" lvl="8" indent="-317500">
               <a:lnSpc>
                 <a:spcPct val="115000"/>
               </a:lnSpc>
@@ -5898,15 +6096,19 @@
               </a:defRPr>
             </a:lvl9pPr>
           </a:lstStyle>
-          <a:p/>
+          <a:p>
+            <a:endParaRPr/>
+          </a:p>
         </p:txBody>
       </p:sp>
       <p:sp>
         <p:nvSpPr>
           <p:cNvPr id="8" name="Google Shape;8;p1"/>
-          <p:cNvSpPr txBox="1"/>
+          <p:cNvSpPr txBox="1">
+            <a:spLocks noGrp="1"/>
+          </p:cNvSpPr>
           <p:nvPr>
-            <p:ph idx="12" type="sldNum"/>
+            <p:ph type="sldNum" idx="12"/>
           </p:nvPr>
         </p:nvSpPr>
         <p:spPr>
@@ -5923,7 +6125,7 @@
           </a:ln>
         </p:spPr>
         <p:txBody>
-          <a:bodyPr anchorCtr="0" anchor="ctr" bIns="91425" lIns="91425" spcFirstLastPara="1" rIns="91425" wrap="square" tIns="91425">
+          <a:bodyPr spcFirstLastPara="1" wrap="square" lIns="91425" tIns="91425" rIns="91425" bIns="91425" anchor="ctr" anchorCtr="0">
             <a:noAutofit/>
           </a:bodyPr>
           <a:lstStyle>
@@ -6037,7 +6239,7 @@
             </a:lvl9pPr>
           </a:lstStyle>
           <a:p>
-            <a:pPr indent="0" lvl="0" marL="0" rtl="0" algn="r">
+            <a:pPr marL="0" lvl="0" indent="0" algn="r" rtl="0">
               <a:spcBef>
                 <a:spcPts val="0"/>
               </a:spcBef>
@@ -6056,7 +6258,7 @@
       </p:sp>
     </p:spTree>
   </p:cSld>
-  <p:clrMap accent1="accent1" accent2="accent2" accent3="accent3" accent4="accent4" accent5="accent5" accent6="accent6" bg1="lt1" bg2="dk2" tx1="dk1" tx2="lt2" folHlink="folHlink" hlink="hlink"/>
+  <p:clrMap bg1="lt1" tx1="dk1" bg2="dk2" tx2="lt2" accent1="accent1" accent2="accent2" accent3="accent3" accent4="accent4" accent5="accent5" accent6="accent6" hlink="hlink" folHlink="folHlink"/>
   <p:sldLayoutIdLst>
     <p:sldLayoutId id="2147483648" r:id="rId1"/>
     <p:sldLayoutId id="2147483649" r:id="rId2"/>
@@ -6070,10 +6272,10 @@
     <p:sldLayoutId id="2147483657" r:id="rId10"/>
     <p:sldLayoutId id="2147483658" r:id="rId11"/>
   </p:sldLayoutIdLst>
-  <p:hf dt="0" ftr="0" hdr="0" sldNum="0"/>
+  <p:hf sldNum="0" hdr="0" ftr="0" dt="0"/>
   <p:txStyles>
     <p:titleStyle>
-      <a:defPPr lvl="0" marR="0" rtl="0" algn="l">
+      <a:defPPr marR="0" lvl="0" algn="l" rtl="0">
         <a:lnSpc>
           <a:spcPct val="100000"/>
         </a:lnSpc>
@@ -6084,7 +6286,7 @@
           <a:spcPts val="0"/>
         </a:spcAft>
       </a:defPPr>
-      <a:lvl1pPr lvl="0" marR="0" rtl="0" algn="l">
+      <a:lvl1pPr marR="0" lvl="0" algn="l" rtl="0">
         <a:lnSpc>
           <a:spcPct val="100000"/>
         </a:lnSpc>
@@ -6098,7 +6300,7 @@
           <a:srgbClr val="000000"/>
         </a:buClr>
         <a:buFont typeface="Arial"/>
-        <a:defRPr b="0" i="0" sz="1400" u="none" cap="none" strike="noStrike">
+        <a:defRPr sz="1400" b="0" i="0" u="none" strike="noStrike" cap="none">
           <a:solidFill>
             <a:srgbClr val="000000"/>
           </a:solidFill>
@@ -6108,7 +6310,7 @@
           <a:sym typeface="Arial"/>
         </a:defRPr>
       </a:lvl1pPr>
-      <a:lvl2pPr lvl="1" marR="0" rtl="0" algn="l">
+      <a:lvl2pPr marR="0" lvl="1" algn="l" rtl="0">
         <a:lnSpc>
           <a:spcPct val="100000"/>
         </a:lnSpc>
@@ -6122,7 +6324,7 @@
           <a:srgbClr val="000000"/>
         </a:buClr>
         <a:buFont typeface="Arial"/>
-        <a:defRPr b="0" i="0" sz="1400" u="none" cap="none" strike="noStrike">
+        <a:defRPr sz="1400" b="0" i="0" u="none" strike="noStrike" cap="none">
           <a:solidFill>
             <a:srgbClr val="000000"/>
           </a:solidFill>
@@ -6132,7 +6334,7 @@
           <a:sym typeface="Arial"/>
         </a:defRPr>
       </a:lvl2pPr>
-      <a:lvl3pPr lvl="2" marR="0" rtl="0" algn="l">
+      <a:lvl3pPr marR="0" lvl="2" algn="l" rtl="0">
         <a:lnSpc>
           <a:spcPct val="100000"/>
         </a:lnSpc>
@@ -6146,7 +6348,7 @@
           <a:srgbClr val="000000"/>
         </a:buClr>
         <a:buFont typeface="Arial"/>
-        <a:defRPr b="0" i="0" sz="1400" u="none" cap="none" strike="noStrike">
+        <a:defRPr sz="1400" b="0" i="0" u="none" strike="noStrike" cap="none">
           <a:solidFill>
             <a:srgbClr val="000000"/>
           </a:solidFill>
@@ -6156,7 +6358,7 @@
           <a:sym typeface="Arial"/>
         </a:defRPr>
       </a:lvl3pPr>
-      <a:lvl4pPr lvl="3" marR="0" rtl="0" algn="l">
+      <a:lvl4pPr marR="0" lvl="3" algn="l" rtl="0">
         <a:lnSpc>
           <a:spcPct val="100000"/>
         </a:lnSpc>
@@ -6170,7 +6372,7 @@
           <a:srgbClr val="000000"/>
         </a:buClr>
         <a:buFont typeface="Arial"/>
-        <a:defRPr b="0" i="0" sz="1400" u="none" cap="none" strike="noStrike">
+        <a:defRPr sz="1400" b="0" i="0" u="none" strike="noStrike" cap="none">
           <a:solidFill>
             <a:srgbClr val="000000"/>
           </a:solidFill>
@@ -6180,7 +6382,7 @@
           <a:sym typeface="Arial"/>
         </a:defRPr>
       </a:lvl4pPr>
-      <a:lvl5pPr lvl="4" marR="0" rtl="0" algn="l">
+      <a:lvl5pPr marR="0" lvl="4" algn="l" rtl="0">
         <a:lnSpc>
           <a:spcPct val="100000"/>
         </a:lnSpc>
@@ -6194,7 +6396,7 @@
           <a:srgbClr val="000000"/>
         </a:buClr>
         <a:buFont typeface="Arial"/>
-        <a:defRPr b="0" i="0" sz="1400" u="none" cap="none" strike="noStrike">
+        <a:defRPr sz="1400" b="0" i="0" u="none" strike="noStrike" cap="none">
           <a:solidFill>
             <a:srgbClr val="000000"/>
           </a:solidFill>
@@ -6204,7 +6406,7 @@
           <a:sym typeface="Arial"/>
         </a:defRPr>
       </a:lvl5pPr>
-      <a:lvl6pPr lvl="5" marR="0" rtl="0" algn="l">
+      <a:lvl6pPr marR="0" lvl="5" algn="l" rtl="0">
         <a:lnSpc>
           <a:spcPct val="100000"/>
         </a:lnSpc>
@@ -6218,7 +6420,7 @@
           <a:srgbClr val="000000"/>
         </a:buClr>
         <a:buFont typeface="Arial"/>
-        <a:defRPr b="0" i="0" sz="1400" u="none" cap="none" strike="noStrike">
+        <a:defRPr sz="1400" b="0" i="0" u="none" strike="noStrike" cap="none">
           <a:solidFill>
             <a:srgbClr val="000000"/>
           </a:solidFill>
@@ -6228,7 +6430,7 @@
           <a:sym typeface="Arial"/>
         </a:defRPr>
       </a:lvl6pPr>
-      <a:lvl7pPr lvl="6" marR="0" rtl="0" algn="l">
+      <a:lvl7pPr marR="0" lvl="6" algn="l" rtl="0">
         <a:lnSpc>
           <a:spcPct val="100000"/>
         </a:lnSpc>
@@ -6242,7 +6444,7 @@
           <a:srgbClr val="000000"/>
         </a:buClr>
         <a:buFont typeface="Arial"/>
-        <a:defRPr b="0" i="0" sz="1400" u="none" cap="none" strike="noStrike">
+        <a:defRPr sz="1400" b="0" i="0" u="none" strike="noStrike" cap="none">
           <a:solidFill>
             <a:srgbClr val="000000"/>
           </a:solidFill>
@@ -6252,7 +6454,7 @@
           <a:sym typeface="Arial"/>
         </a:defRPr>
       </a:lvl7pPr>
-      <a:lvl8pPr lvl="7" marR="0" rtl="0" algn="l">
+      <a:lvl8pPr marR="0" lvl="7" algn="l" rtl="0">
         <a:lnSpc>
           <a:spcPct val="100000"/>
         </a:lnSpc>
@@ -6266,7 +6468,7 @@
           <a:srgbClr val="000000"/>
         </a:buClr>
         <a:buFont typeface="Arial"/>
-        <a:defRPr b="0" i="0" sz="1400" u="none" cap="none" strike="noStrike">
+        <a:defRPr sz="1400" b="0" i="0" u="none" strike="noStrike" cap="none">
           <a:solidFill>
             <a:srgbClr val="000000"/>
           </a:solidFill>
@@ -6276,7 +6478,7 @@
           <a:sym typeface="Arial"/>
         </a:defRPr>
       </a:lvl8pPr>
-      <a:lvl9pPr lvl="8" marR="0" rtl="0" algn="l">
+      <a:lvl9pPr marR="0" lvl="8" algn="l" rtl="0">
         <a:lnSpc>
           <a:spcPct val="100000"/>
         </a:lnSpc>
@@ -6290,7 +6492,7 @@
           <a:srgbClr val="000000"/>
         </a:buClr>
         <a:buFont typeface="Arial"/>
-        <a:defRPr b="0" i="0" sz="1400" u="none" cap="none" strike="noStrike">
+        <a:defRPr sz="1400" b="0" i="0" u="none" strike="noStrike" cap="none">
           <a:solidFill>
             <a:srgbClr val="000000"/>
           </a:solidFill>
@@ -6302,7 +6504,7 @@
       </a:lvl9pPr>
     </p:titleStyle>
     <p:bodyStyle>
-      <a:defPPr lvl="0" marR="0" rtl="0" algn="l">
+      <a:defPPr marR="0" lvl="0" algn="l" rtl="0">
         <a:lnSpc>
           <a:spcPct val="100000"/>
         </a:lnSpc>
@@ -6313,7 +6515,7 @@
           <a:spcPts val="0"/>
         </a:spcAft>
       </a:defPPr>
-      <a:lvl1pPr lvl="0" marR="0" rtl="0" algn="l">
+      <a:lvl1pPr marR="0" lvl="0" algn="l" rtl="0">
         <a:lnSpc>
           <a:spcPct val="100000"/>
         </a:lnSpc>
@@ -6327,7 +6529,7 @@
           <a:srgbClr val="000000"/>
         </a:buClr>
         <a:buFont typeface="Arial"/>
-        <a:defRPr b="0" i="0" sz="1400" u="none" cap="none" strike="noStrike">
+        <a:defRPr sz="1400" b="0" i="0" u="none" strike="noStrike" cap="none">
           <a:solidFill>
             <a:srgbClr val="000000"/>
           </a:solidFill>
@@ -6337,7 +6539,7 @@
           <a:sym typeface="Arial"/>
         </a:defRPr>
       </a:lvl1pPr>
-      <a:lvl2pPr lvl="1" marR="0" rtl="0" algn="l">
+      <a:lvl2pPr marR="0" lvl="1" algn="l" rtl="0">
         <a:lnSpc>
           <a:spcPct val="100000"/>
         </a:lnSpc>
@@ -6351,7 +6553,7 @@
           <a:srgbClr val="000000"/>
         </a:buClr>
         <a:buFont typeface="Arial"/>
-        <a:defRPr b="0" i="0" sz="1400" u="none" cap="none" strike="noStrike">
+        <a:defRPr sz="1400" b="0" i="0" u="none" strike="noStrike" cap="none">
           <a:solidFill>
             <a:srgbClr val="000000"/>
           </a:solidFill>
@@ -6361,7 +6563,7 @@
           <a:sym typeface="Arial"/>
         </a:defRPr>
       </a:lvl2pPr>
-      <a:lvl3pPr lvl="2" marR="0" rtl="0" algn="l">
+      <a:lvl3pPr marR="0" lvl="2" algn="l" rtl="0">
         <a:lnSpc>
           <a:spcPct val="100000"/>
         </a:lnSpc>
@@ -6375,7 +6577,7 @@
           <a:srgbClr val="000000"/>
         </a:buClr>
         <a:buFont typeface="Arial"/>
-        <a:defRPr b="0" i="0" sz="1400" u="none" cap="none" strike="noStrike">
+        <a:defRPr sz="1400" b="0" i="0" u="none" strike="noStrike" cap="none">
           <a:solidFill>
             <a:srgbClr val="000000"/>
           </a:solidFill>
@@ -6385,7 +6587,7 @@
           <a:sym typeface="Arial"/>
         </a:defRPr>
       </a:lvl3pPr>
-      <a:lvl4pPr lvl="3" marR="0" rtl="0" algn="l">
+      <a:lvl4pPr marR="0" lvl="3" algn="l" rtl="0">
         <a:lnSpc>
           <a:spcPct val="100000"/>
         </a:lnSpc>
@@ -6399,7 +6601,7 @@
           <a:srgbClr val="000000"/>
         </a:buClr>
         <a:buFont typeface="Arial"/>
-        <a:defRPr b="0" i="0" sz="1400" u="none" cap="none" strike="noStrike">
+        <a:defRPr sz="1400" b="0" i="0" u="none" strike="noStrike" cap="none">
           <a:solidFill>
             <a:srgbClr val="000000"/>
           </a:solidFill>
@@ -6409,7 +6611,7 @@
           <a:sym typeface="Arial"/>
         </a:defRPr>
       </a:lvl4pPr>
-      <a:lvl5pPr lvl="4" marR="0" rtl="0" algn="l">
+      <a:lvl5pPr marR="0" lvl="4" algn="l" rtl="0">
         <a:lnSpc>
           <a:spcPct val="100000"/>
         </a:lnSpc>
@@ -6423,7 +6625,7 @@
           <a:srgbClr val="000000"/>
         </a:buClr>
         <a:buFont typeface="Arial"/>
-        <a:defRPr b="0" i="0" sz="1400" u="none" cap="none" strike="noStrike">
+        <a:defRPr sz="1400" b="0" i="0" u="none" strike="noStrike" cap="none">
           <a:solidFill>
             <a:srgbClr val="000000"/>
           </a:solidFill>
@@ -6433,7 +6635,7 @@
           <a:sym typeface="Arial"/>
         </a:defRPr>
       </a:lvl5pPr>
-      <a:lvl6pPr lvl="5" marR="0" rtl="0" algn="l">
+      <a:lvl6pPr marR="0" lvl="5" algn="l" rtl="0">
         <a:lnSpc>
           <a:spcPct val="100000"/>
         </a:lnSpc>
@@ -6447,7 +6649,7 @@
           <a:srgbClr val="000000"/>
         </a:buClr>
         <a:buFont typeface="Arial"/>
-        <a:defRPr b="0" i="0" sz="1400" u="none" cap="none" strike="noStrike">
+        <a:defRPr sz="1400" b="0" i="0" u="none" strike="noStrike" cap="none">
           <a:solidFill>
             <a:srgbClr val="000000"/>
           </a:solidFill>
@@ -6457,7 +6659,7 @@
           <a:sym typeface="Arial"/>
         </a:defRPr>
       </a:lvl6pPr>
-      <a:lvl7pPr lvl="6" marR="0" rtl="0" algn="l">
+      <a:lvl7pPr marR="0" lvl="6" algn="l" rtl="0">
         <a:lnSpc>
           <a:spcPct val="100000"/>
         </a:lnSpc>
@@ -6471,7 +6673,7 @@
           <a:srgbClr val="000000"/>
         </a:buClr>
         <a:buFont typeface="Arial"/>
-        <a:defRPr b="0" i="0" sz="1400" u="none" cap="none" strike="noStrike">
+        <a:defRPr sz="1400" b="0" i="0" u="none" strike="noStrike" cap="none">
           <a:solidFill>
             <a:srgbClr val="000000"/>
           </a:solidFill>
@@ -6481,7 +6683,7 @@
           <a:sym typeface="Arial"/>
         </a:defRPr>
       </a:lvl7pPr>
-      <a:lvl8pPr lvl="7" marR="0" rtl="0" algn="l">
+      <a:lvl8pPr marR="0" lvl="7" algn="l" rtl="0">
         <a:lnSpc>
           <a:spcPct val="100000"/>
         </a:lnSpc>
@@ -6495,7 +6697,7 @@
           <a:srgbClr val="000000"/>
         </a:buClr>
         <a:buFont typeface="Arial"/>
-        <a:defRPr b="0" i="0" sz="1400" u="none" cap="none" strike="noStrike">
+        <a:defRPr sz="1400" b="0" i="0" u="none" strike="noStrike" cap="none">
           <a:solidFill>
             <a:srgbClr val="000000"/>
           </a:solidFill>
@@ -6505,7 +6707,7 @@
           <a:sym typeface="Arial"/>
         </a:defRPr>
       </a:lvl8pPr>
-      <a:lvl9pPr lvl="8" marR="0" rtl="0" algn="l">
+      <a:lvl9pPr marR="0" lvl="8" algn="l" rtl="0">
         <a:lnSpc>
           <a:spcPct val="100000"/>
         </a:lnSpc>
@@ -6519,7 +6721,7 @@
           <a:srgbClr val="000000"/>
         </a:buClr>
         <a:buFont typeface="Arial"/>
-        <a:defRPr b="0" i="0" sz="1400" u="none" cap="none" strike="noStrike">
+        <a:defRPr sz="1400" b="0" i="0" u="none" strike="noStrike" cap="none">
           <a:solidFill>
             <a:srgbClr val="000000"/>
           </a:solidFill>
@@ -6531,7 +6733,7 @@
       </a:lvl9pPr>
     </p:bodyStyle>
     <p:otherStyle>
-      <a:defPPr lvl="0" marR="0" rtl="0" algn="l">
+      <a:defPPr marR="0" lvl="0" algn="l" rtl="0">
         <a:lnSpc>
           <a:spcPct val="100000"/>
         </a:lnSpc>
@@ -6542,7 +6744,7 @@
           <a:spcPts val="0"/>
         </a:spcAft>
       </a:defPPr>
-      <a:lvl1pPr lvl="0" marR="0" rtl="0" algn="l">
+      <a:lvl1pPr marR="0" lvl="0" algn="l" rtl="0">
         <a:lnSpc>
           <a:spcPct val="100000"/>
         </a:lnSpc>
@@ -6556,7 +6758,7 @@
           <a:srgbClr val="000000"/>
         </a:buClr>
         <a:buFont typeface="Arial"/>
-        <a:defRPr b="0" i="0" sz="1400" u="none" cap="none" strike="noStrike">
+        <a:defRPr sz="1400" b="0" i="0" u="none" strike="noStrike" cap="none">
           <a:solidFill>
             <a:srgbClr val="000000"/>
           </a:solidFill>
@@ -6566,7 +6768,7 @@
           <a:sym typeface="Arial"/>
         </a:defRPr>
       </a:lvl1pPr>
-      <a:lvl2pPr lvl="1" marR="0" rtl="0" algn="l">
+      <a:lvl2pPr marR="0" lvl="1" algn="l" rtl="0">
         <a:lnSpc>
           <a:spcPct val="100000"/>
         </a:lnSpc>
@@ -6580,7 +6782,7 @@
           <a:srgbClr val="000000"/>
         </a:buClr>
         <a:buFont typeface="Arial"/>
-        <a:defRPr b="0" i="0" sz="1400" u="none" cap="none" strike="noStrike">
+        <a:defRPr sz="1400" b="0" i="0" u="none" strike="noStrike" cap="none">
           <a:solidFill>
             <a:srgbClr val="000000"/>
           </a:solidFill>
@@ -6590,7 +6792,7 @@
           <a:sym typeface="Arial"/>
         </a:defRPr>
       </a:lvl2pPr>
-      <a:lvl3pPr lvl="2" marR="0" rtl="0" algn="l">
+      <a:lvl3pPr marR="0" lvl="2" algn="l" rtl="0">
         <a:lnSpc>
           <a:spcPct val="100000"/>
         </a:lnSpc>
@@ -6604,7 +6806,7 @@
           <a:srgbClr val="000000"/>
         </a:buClr>
         <a:buFont typeface="Arial"/>
-        <a:defRPr b="0" i="0" sz="1400" u="none" cap="none" strike="noStrike">
+        <a:defRPr sz="1400" b="0" i="0" u="none" strike="noStrike" cap="none">
           <a:solidFill>
             <a:srgbClr val="000000"/>
           </a:solidFill>
@@ -6614,7 +6816,7 @@
           <a:sym typeface="Arial"/>
         </a:defRPr>
       </a:lvl3pPr>
-      <a:lvl4pPr lvl="3" marR="0" rtl="0" algn="l">
+      <a:lvl4pPr marR="0" lvl="3" algn="l" rtl="0">
         <a:lnSpc>
           <a:spcPct val="100000"/>
         </a:lnSpc>
@@ -6628,7 +6830,7 @@
           <a:srgbClr val="000000"/>
         </a:buClr>
         <a:buFont typeface="Arial"/>
-        <a:defRPr b="0" i="0" sz="1400" u="none" cap="none" strike="noStrike">
+        <a:defRPr sz="1400" b="0" i="0" u="none" strike="noStrike" cap="none">
           <a:solidFill>
             <a:srgbClr val="000000"/>
           </a:solidFill>
@@ -6638,7 +6840,7 @@
           <a:sym typeface="Arial"/>
         </a:defRPr>
       </a:lvl4pPr>
-      <a:lvl5pPr lvl="4" marR="0" rtl="0" algn="l">
+      <a:lvl5pPr marR="0" lvl="4" algn="l" rtl="0">
         <a:lnSpc>
           <a:spcPct val="100000"/>
         </a:lnSpc>
@@ -6652,7 +6854,7 @@
           <a:srgbClr val="000000"/>
         </a:buClr>
         <a:buFont typeface="Arial"/>
-        <a:defRPr b="0" i="0" sz="1400" u="none" cap="none" strike="noStrike">
+        <a:defRPr sz="1400" b="0" i="0" u="none" strike="noStrike" cap="none">
           <a:solidFill>
             <a:srgbClr val="000000"/>
           </a:solidFill>
@@ -6662,7 +6864,7 @@
           <a:sym typeface="Arial"/>
         </a:defRPr>
       </a:lvl5pPr>
-      <a:lvl6pPr lvl="5" marR="0" rtl="0" algn="l">
+      <a:lvl6pPr marR="0" lvl="5" algn="l" rtl="0">
         <a:lnSpc>
           <a:spcPct val="100000"/>
         </a:lnSpc>
@@ -6676,7 +6878,7 @@
           <a:srgbClr val="000000"/>
         </a:buClr>
         <a:buFont typeface="Arial"/>
-        <a:defRPr b="0" i="0" sz="1400" u="none" cap="none" strike="noStrike">
+        <a:defRPr sz="1400" b="0" i="0" u="none" strike="noStrike" cap="none">
           <a:solidFill>
             <a:srgbClr val="000000"/>
           </a:solidFill>
@@ -6686,7 +6888,7 @@
           <a:sym typeface="Arial"/>
         </a:defRPr>
       </a:lvl6pPr>
-      <a:lvl7pPr lvl="6" marR="0" rtl="0" algn="l">
+      <a:lvl7pPr marR="0" lvl="6" algn="l" rtl="0">
         <a:lnSpc>
           <a:spcPct val="100000"/>
         </a:lnSpc>
@@ -6700,7 +6902,7 @@
           <a:srgbClr val="000000"/>
         </a:buClr>
         <a:buFont typeface="Arial"/>
-        <a:defRPr b="0" i="0" sz="1400" u="none" cap="none" strike="noStrike">
+        <a:defRPr sz="1400" b="0" i="0" u="none" strike="noStrike" cap="none">
           <a:solidFill>
             <a:srgbClr val="000000"/>
           </a:solidFill>
@@ -6710,7 +6912,7 @@
           <a:sym typeface="Arial"/>
         </a:defRPr>
       </a:lvl7pPr>
-      <a:lvl8pPr lvl="7" marR="0" rtl="0" algn="l">
+      <a:lvl8pPr marR="0" lvl="7" algn="l" rtl="0">
         <a:lnSpc>
           <a:spcPct val="100000"/>
         </a:lnSpc>
@@ -6724,7 +6926,7 @@
           <a:srgbClr val="000000"/>
         </a:buClr>
         <a:buFont typeface="Arial"/>
-        <a:defRPr b="0" i="0" sz="1400" u="none" cap="none" strike="noStrike">
+        <a:defRPr sz="1400" b="0" i="0" u="none" strike="noStrike" cap="none">
           <a:solidFill>
             <a:srgbClr val="000000"/>
           </a:solidFill>
@@ -6734,7 +6936,7 @@
           <a:sym typeface="Arial"/>
         </a:defRPr>
       </a:lvl8pPr>
-      <a:lvl9pPr lvl="8" marR="0" rtl="0" algn="l">
+      <a:lvl9pPr marR="0" lvl="8" algn="l" rtl="0">
         <a:lnSpc>
           <a:spcPct val="100000"/>
         </a:lnSpc>
@@ -6748,7 +6950,7 @@
           <a:srgbClr val="000000"/>
         </a:buClr>
         <a:buFont typeface="Arial"/>
-        <a:defRPr b="0" i="0" sz="1400" u="none" cap="none" strike="noStrike">
+        <a:defRPr sz="1400" b="0" i="0" u="none" strike="noStrike" cap="none">
           <a:solidFill>
             <a:srgbClr val="000000"/>
           </a:solidFill>
@@ -6764,11 +6966,11 @@
 </file>
 
 <file path=ppt/slides/slide1.xml><?xml version="1.0" encoding="utf-8"?>
-<p:sld xmlns:a="http://schemas.openxmlformats.org/drawingml/2006/main" xmlns:r="http://schemas.openxmlformats.org/officeDocument/2006/relationships" xmlns:mc="http://schemas.openxmlformats.org/markup-compatibility/2006" xmlns:mv="urn:schemas-microsoft-com:mac:vml" xmlns:p="http://schemas.openxmlformats.org/presentationml/2006/main" xmlns:c="http://schemas.openxmlformats.org/drawingml/2006/chart" xmlns:dgm="http://schemas.openxmlformats.org/drawingml/2006/diagram" xmlns:o="urn:schemas-microsoft-com:office:office" xmlns:v="urn:schemas-microsoft-com:vml" xmlns:pvml="urn:schemas-microsoft-com:office:powerpoint" xmlns:com="http://schemas.openxmlformats.org/drawingml/2006/compatibility" xmlns:p14="http://schemas.microsoft.com/office/powerpoint/2010/main" xmlns:p15="http://schemas.microsoft.com/office/powerpoint/2012/main">
+<p:sld xmlns:a="http://schemas.openxmlformats.org/drawingml/2006/main" xmlns:r="http://schemas.openxmlformats.org/officeDocument/2006/relationships" xmlns:p="http://schemas.openxmlformats.org/presentationml/2006/main">
   <p:cSld>
     <p:spTree>
       <p:nvGrpSpPr>
-        <p:cNvPr id="58" name="Shape 58"/>
+        <p:cNvPr id="1" name="Shape 58"/>
         <p:cNvGrpSpPr/>
         <p:nvPr/>
       </p:nvGrpSpPr>
@@ -6783,7 +6985,9 @@
       <p:sp>
         <p:nvSpPr>
           <p:cNvPr id="59" name="Google Shape;59;p13"/>
-          <p:cNvSpPr txBox="1"/>
+          <p:cNvSpPr txBox="1">
+            <a:spLocks noGrp="1"/>
+          </p:cNvSpPr>
           <p:nvPr>
             <p:ph type="ctrTitle"/>
           </p:nvPr>
@@ -6798,12 +7002,12 @@
           </a:prstGeom>
         </p:spPr>
         <p:txBody>
-          <a:bodyPr anchorCtr="0" anchor="b" bIns="91425" lIns="91425" spcFirstLastPara="1" rIns="91425" wrap="square" tIns="91425">
+          <a:bodyPr spcFirstLastPara="1" wrap="square" lIns="91425" tIns="91425" rIns="91425" bIns="91425" anchor="b" anchorCtr="0">
             <a:noAutofit/>
           </a:bodyPr>
           <a:lstStyle/>
           <a:p>
-            <a:pPr indent="0" lvl="0" marL="0" rtl="0" algn="ctr">
+            <a:pPr marL="0" lvl="0" indent="0" algn="ctr" rtl="0">
               <a:spcBef>
                 <a:spcPts val="0"/>
               </a:spcBef>
@@ -6813,13 +7017,13 @@
               <a:buNone/>
             </a:pPr>
             <a:r>
-              <a:rPr lang="en-GB"/>
+              <a:rPr lang="en-GB" dirty="0"/>
               <a:t>Accommodation Contract Lifecycle Management</a:t>
             </a:r>
-            <a:endParaRPr/>
-          </a:p>
-          <a:p>
-            <a:pPr indent="0" lvl="0" marL="0" rtl="0" algn="ctr">
+            <a:endParaRPr dirty="0"/>
+          </a:p>
+          <a:p>
+            <a:pPr marL="0" lvl="0" indent="0" algn="ctr" rtl="0">
               <a:spcBef>
                 <a:spcPts val="0"/>
               </a:spcBef>
@@ -6829,19 +7033,29 @@
               <a:buNone/>
             </a:pPr>
             <a:r>
-              <a:rPr lang="en-GB"/>
-              <a:t>(Rentrack)</a:t>
+              <a:rPr lang="en-GB" dirty="0"/>
+              <a:t>(</a:t>
             </a:r>
-            <a:endParaRPr/>
+            <a:r>
+              <a:rPr lang="en-GB" dirty="0" err="1"/>
+              <a:t>Rentrack</a:t>
+            </a:r>
+            <a:r>
+              <a:rPr lang="en-GB" dirty="0"/>
+              <a:t>)</a:t>
+            </a:r>
+            <a:endParaRPr dirty="0"/>
           </a:p>
         </p:txBody>
       </p:sp>
       <p:sp>
         <p:nvSpPr>
           <p:cNvPr id="60" name="Google Shape;60;p13"/>
-          <p:cNvSpPr txBox="1"/>
+          <p:cNvSpPr txBox="1">
+            <a:spLocks noGrp="1"/>
+          </p:cNvSpPr>
           <p:nvPr>
-            <p:ph idx="1" type="subTitle"/>
+            <p:ph type="subTitle" idx="1"/>
           </p:nvPr>
         </p:nvSpPr>
         <p:spPr>
@@ -6854,12 +7068,12 @@
           </a:prstGeom>
         </p:spPr>
         <p:txBody>
-          <a:bodyPr anchorCtr="0" anchor="t" bIns="91425" lIns="91425" spcFirstLastPara="1" rIns="91425" wrap="square" tIns="91425">
+          <a:bodyPr spcFirstLastPara="1" wrap="square" lIns="91425" tIns="91425" rIns="91425" bIns="91425" anchor="t" anchorCtr="0">
             <a:noAutofit/>
           </a:bodyPr>
           <a:lstStyle/>
           <a:p>
-            <a:pPr indent="0" lvl="0" marL="0" rtl="0" algn="ctr">
+            <a:pPr marL="0" lvl="0" indent="0" algn="ctr" rtl="0">
               <a:spcBef>
                 <a:spcPts val="0"/>
               </a:spcBef>
@@ -6868,43 +7082,7 @@
               </a:spcAft>
               <a:buNone/>
             </a:pPr>
-            <a:r>
-              <a:rPr lang="en-GB" sz="2000"/>
-              <a:t>Javeria Khalid (SE-065)</a:t>
-            </a:r>
-            <a:endParaRPr sz="2000"/>
-          </a:p>
-          <a:p>
-            <a:pPr indent="0" lvl="0" marL="0" rtl="0" algn="ctr">
-              <a:spcBef>
-                <a:spcPts val="0"/>
-              </a:spcBef>
-              <a:spcAft>
-                <a:spcPts val="0"/>
-              </a:spcAft>
-              <a:buNone/>
-            </a:pPr>
-            <a:r>
-              <a:rPr lang="en-GB" sz="2000"/>
-              <a:t>Areeba Kamal (SE-054)</a:t>
-            </a:r>
-            <a:endParaRPr sz="2000"/>
-          </a:p>
-          <a:p>
-            <a:pPr indent="0" lvl="0" marL="0" rtl="0" algn="ctr">
-              <a:spcBef>
-                <a:spcPts val="0"/>
-              </a:spcBef>
-              <a:spcAft>
-                <a:spcPts val="0"/>
-              </a:spcAft>
-              <a:buNone/>
-            </a:pPr>
-            <a:r>
-              <a:rPr lang="en-GB" sz="2000"/>
-              <a:t>Yamna Wasi (SE-011, Batch 2014-15)</a:t>
-            </a:r>
-            <a:endParaRPr sz="2000"/>
+            <a:endParaRPr sz="2000" dirty="0"/>
           </a:p>
         </p:txBody>
       </p:sp>
@@ -6917,11 +7095,11 @@
 </file>
 
 <file path=ppt/slides/slide2.xml><?xml version="1.0" encoding="utf-8"?>
-<p:sld xmlns:a="http://schemas.openxmlformats.org/drawingml/2006/main" xmlns:r="http://schemas.openxmlformats.org/officeDocument/2006/relationships" xmlns:mc="http://schemas.openxmlformats.org/markup-compatibility/2006" xmlns:mv="urn:schemas-microsoft-com:mac:vml" xmlns:p="http://schemas.openxmlformats.org/presentationml/2006/main" xmlns:c="http://schemas.openxmlformats.org/drawingml/2006/chart" xmlns:dgm="http://schemas.openxmlformats.org/drawingml/2006/diagram" xmlns:o="urn:schemas-microsoft-com:office:office" xmlns:v="urn:schemas-microsoft-com:vml" xmlns:pvml="urn:schemas-microsoft-com:office:powerpoint" xmlns:com="http://schemas.openxmlformats.org/drawingml/2006/compatibility" xmlns:p14="http://schemas.microsoft.com/office/powerpoint/2010/main" xmlns:p15="http://schemas.microsoft.com/office/powerpoint/2012/main">
+<p:sld xmlns:a="http://schemas.openxmlformats.org/drawingml/2006/main" xmlns:r="http://schemas.openxmlformats.org/officeDocument/2006/relationships" xmlns:p="http://schemas.openxmlformats.org/presentationml/2006/main">
   <p:cSld>
     <p:spTree>
       <p:nvGrpSpPr>
-        <p:cNvPr id="64" name="Shape 64"/>
+        <p:cNvPr id="1" name="Shape 64"/>
         <p:cNvGrpSpPr/>
         <p:nvPr/>
       </p:nvGrpSpPr>
@@ -6936,7 +7114,9 @@
       <p:sp>
         <p:nvSpPr>
           <p:cNvPr id="65" name="Google Shape;65;p14"/>
-          <p:cNvSpPr txBox="1"/>
+          <p:cNvSpPr txBox="1">
+            <a:spLocks noGrp="1"/>
+          </p:cNvSpPr>
           <p:nvPr>
             <p:ph type="title"/>
           </p:nvPr>
@@ -6951,12 +7131,12 @@
           </a:prstGeom>
         </p:spPr>
         <p:txBody>
-          <a:bodyPr anchorCtr="0" anchor="ctr" bIns="91425" lIns="91425" spcFirstLastPara="1" rIns="91425" wrap="square" tIns="91425">
+          <a:bodyPr spcFirstLastPara="1" wrap="square" lIns="91425" tIns="91425" rIns="91425" bIns="91425" anchor="ctr" anchorCtr="0">
             <a:noAutofit/>
           </a:bodyPr>
           <a:lstStyle/>
           <a:p>
-            <a:pPr indent="0" lvl="0" marL="0" rtl="0" algn="ctr">
+            <a:pPr marL="0" lvl="0" indent="0" algn="ctr" rtl="0">
               <a:spcBef>
                 <a:spcPts val="0"/>
               </a:spcBef>
@@ -6976,9 +7156,11 @@
       <p:sp>
         <p:nvSpPr>
           <p:cNvPr id="66" name="Google Shape;66;p14"/>
-          <p:cNvSpPr txBox="1"/>
+          <p:cNvSpPr txBox="1">
+            <a:spLocks noGrp="1"/>
+          </p:cNvSpPr>
           <p:nvPr>
-            <p:ph idx="1" type="body"/>
+            <p:ph type="body" idx="1"/>
           </p:nvPr>
         </p:nvSpPr>
         <p:spPr>
@@ -6991,12 +7173,12 @@
           </a:prstGeom>
         </p:spPr>
         <p:txBody>
-          <a:bodyPr anchorCtr="0" anchor="t" bIns="91425" lIns="91425" spcFirstLastPara="1" rIns="91425" wrap="square" tIns="91425">
+          <a:bodyPr spcFirstLastPara="1" wrap="square" lIns="91425" tIns="91425" rIns="91425" bIns="91425" anchor="t" anchorCtr="0">
             <a:noAutofit/>
           </a:bodyPr>
           <a:lstStyle/>
           <a:p>
-            <a:pPr indent="-317500" lvl="0" marL="457200" rtl="0" algn="l">
+            <a:pPr marL="457200" lvl="0" indent="-317500" algn="l" rtl="0">
               <a:spcBef>
                 <a:spcPts val="0"/>
               </a:spcBef>
@@ -7008,16 +7190,12 @@
             </a:pPr>
             <a:r>
               <a:rPr lang="en-GB"/>
-              <a:t>G</a:t>
-            </a:r>
-            <a:r>
-              <a:rPr lang="en-GB"/>
-              <a:t>ives users the facility to go through real estate processes online, such as </a:t>
+              <a:t>Gives users the facility to go through real estate processes online, such as </a:t>
             </a:r>
             <a:endParaRPr/>
           </a:p>
           <a:p>
-            <a:pPr indent="-317500" lvl="0" marL="914400" rtl="0" algn="l">
+            <a:pPr marL="914400" lvl="0" indent="-317500" algn="l" rtl="0">
               <a:spcBef>
                 <a:spcPts val="0"/>
               </a:spcBef>
@@ -7034,7 +7212,7 @@
             <a:endParaRPr/>
           </a:p>
           <a:p>
-            <a:pPr indent="-317500" lvl="0" marL="914400" rtl="0" algn="l">
+            <a:pPr marL="914400" lvl="0" indent="-317500" algn="l" rtl="0">
               <a:spcBef>
                 <a:spcPts val="0"/>
               </a:spcBef>
@@ -7051,7 +7229,7 @@
             <a:endParaRPr/>
           </a:p>
           <a:p>
-            <a:pPr indent="-317500" lvl="0" marL="914400" rtl="0" algn="l">
+            <a:pPr marL="914400" lvl="0" indent="-317500" algn="l" rtl="0">
               <a:spcBef>
                 <a:spcPts val="0"/>
               </a:spcBef>
@@ -7068,7 +7246,7 @@
             <a:endParaRPr/>
           </a:p>
           <a:p>
-            <a:pPr indent="457200" lvl="0" marL="0" rtl="0" algn="l">
+            <a:pPr marL="0" lvl="0" indent="457200" algn="l" rtl="0">
               <a:spcBef>
                 <a:spcPts val="0"/>
               </a:spcBef>
@@ -7084,7 +7262,7 @@
             <a:endParaRPr/>
           </a:p>
           <a:p>
-            <a:pPr indent="-317500" lvl="0" marL="457200" rtl="0" algn="l">
+            <a:pPr marL="457200" lvl="0" indent="-317500" algn="l" rtl="0">
               <a:spcBef>
                 <a:spcPts val="1600"/>
               </a:spcBef>
@@ -7101,7 +7279,7 @@
             <a:endParaRPr/>
           </a:p>
           <a:p>
-            <a:pPr indent="-317500" lvl="0" marL="914400" rtl="0" algn="l">
+            <a:pPr marL="914400" lvl="0" indent="-317500" algn="l" rtl="0">
               <a:spcBef>
                 <a:spcPts val="0"/>
               </a:spcBef>
@@ -7118,7 +7296,7 @@
             <a:endParaRPr/>
           </a:p>
           <a:p>
-            <a:pPr indent="-317500" lvl="0" marL="914400" rtl="0" algn="l">
+            <a:pPr marL="914400" lvl="0" indent="-317500" algn="l" rtl="0">
               <a:spcBef>
                 <a:spcPts val="0"/>
               </a:spcBef>
@@ -7135,7 +7313,7 @@
             <a:endParaRPr/>
           </a:p>
           <a:p>
-            <a:pPr indent="-317500" lvl="0" marL="914400" rtl="0" algn="l">
+            <a:pPr marL="914400" lvl="0" indent="-317500" algn="l" rtl="0">
               <a:spcBef>
                 <a:spcPts val="0"/>
               </a:spcBef>
@@ -7152,7 +7330,7 @@
             <a:endParaRPr/>
           </a:p>
           <a:p>
-            <a:pPr indent="-317500" lvl="0" marL="914400" rtl="0" algn="l">
+            <a:pPr marL="914400" lvl="0" indent="-317500" algn="l" rtl="0">
               <a:spcBef>
                 <a:spcPts val="0"/>
               </a:spcBef>
@@ -7169,7 +7347,7 @@
             <a:endParaRPr/>
           </a:p>
           <a:p>
-            <a:pPr indent="457200" lvl="0" marL="0" rtl="0" algn="l">
+            <a:pPr marL="0" lvl="0" indent="457200" algn="l" rtl="0">
               <a:spcBef>
                 <a:spcPts val="0"/>
               </a:spcBef>
@@ -7178,13 +7356,10 @@
               </a:spcAft>
               <a:buNone/>
             </a:pPr>
-            <a:r>
-              <a:t/>
-            </a:r>
             <a:endParaRPr/>
           </a:p>
           <a:p>
-            <a:pPr indent="-317500" lvl="0" marL="457200" rtl="0" algn="l">
+            <a:pPr marL="457200" lvl="0" indent="-317500" algn="l" rtl="0">
               <a:spcBef>
                 <a:spcPts val="0"/>
               </a:spcBef>
@@ -7201,7 +7376,7 @@
             <a:endParaRPr/>
           </a:p>
           <a:p>
-            <a:pPr indent="457200" lvl="0" marL="0" rtl="0" algn="l">
+            <a:pPr marL="0" lvl="0" indent="457200" algn="l" rtl="0">
               <a:spcBef>
                 <a:spcPts val="0"/>
               </a:spcBef>
@@ -7210,13 +7385,10 @@
               </a:spcAft>
               <a:buNone/>
             </a:pPr>
-            <a:r>
-              <a:t/>
-            </a:r>
             <a:endParaRPr/>
           </a:p>
           <a:p>
-            <a:pPr indent="0" lvl="0" marL="0" rtl="0" algn="l">
+            <a:pPr marL="0" lvl="0" indent="0" algn="l" rtl="0">
               <a:spcBef>
                 <a:spcPts val="0"/>
               </a:spcBef>
@@ -7225,13 +7397,10 @@
               </a:spcAft>
               <a:buNone/>
             </a:pPr>
-            <a:r>
-              <a:t/>
-            </a:r>
             <a:endParaRPr/>
           </a:p>
           <a:p>
-            <a:pPr indent="0" lvl="0" marL="0" rtl="0" algn="l">
+            <a:pPr marL="0" lvl="0" indent="0" algn="l" rtl="0">
               <a:spcBef>
                 <a:spcPts val="0"/>
               </a:spcBef>
@@ -7240,13 +7409,10 @@
               </a:spcAft>
               <a:buNone/>
             </a:pPr>
-            <a:r>
-              <a:t/>
-            </a:r>
             <a:endParaRPr/>
           </a:p>
           <a:p>
-            <a:pPr indent="0" lvl="0" marL="0" rtl="0" algn="l">
+            <a:pPr marL="0" lvl="0" indent="0" algn="l" rtl="0">
               <a:spcBef>
                 <a:spcPts val="0"/>
               </a:spcBef>
@@ -7260,13 +7426,10 @@
               <a:buFont typeface="Arial"/>
               <a:buNone/>
             </a:pPr>
-            <a:r>
-              <a:t/>
-            </a:r>
             <a:endParaRPr/>
           </a:p>
           <a:p>
-            <a:pPr indent="0" lvl="0" marL="0" rtl="0" algn="l">
+            <a:pPr marL="0" lvl="0" indent="0" algn="l" rtl="0">
               <a:spcBef>
                 <a:spcPts val="0"/>
               </a:spcBef>
@@ -7275,9 +7438,6 @@
               </a:spcAft>
               <a:buNone/>
             </a:pPr>
-            <a:r>
-              <a:t/>
-            </a:r>
             <a:endParaRPr/>
           </a:p>
         </p:txBody>
@@ -7291,11 +7451,11 @@
 </file>
 
 <file path=ppt/slides/slide3.xml><?xml version="1.0" encoding="utf-8"?>
-<p:sld xmlns:a="http://schemas.openxmlformats.org/drawingml/2006/main" xmlns:r="http://schemas.openxmlformats.org/officeDocument/2006/relationships" xmlns:mc="http://schemas.openxmlformats.org/markup-compatibility/2006" xmlns:mv="urn:schemas-microsoft-com:mac:vml" xmlns:p="http://schemas.openxmlformats.org/presentationml/2006/main" xmlns:c="http://schemas.openxmlformats.org/drawingml/2006/chart" xmlns:dgm="http://schemas.openxmlformats.org/drawingml/2006/diagram" xmlns:o="urn:schemas-microsoft-com:office:office" xmlns:v="urn:schemas-microsoft-com:vml" xmlns:pvml="urn:schemas-microsoft-com:office:powerpoint" xmlns:com="http://schemas.openxmlformats.org/drawingml/2006/compatibility" xmlns:p14="http://schemas.microsoft.com/office/powerpoint/2010/main" xmlns:p15="http://schemas.microsoft.com/office/powerpoint/2012/main">
+<p:sld xmlns:a="http://schemas.openxmlformats.org/drawingml/2006/main" xmlns:r="http://schemas.openxmlformats.org/officeDocument/2006/relationships" xmlns:p="http://schemas.openxmlformats.org/presentationml/2006/main">
   <p:cSld>
     <p:spTree>
       <p:nvGrpSpPr>
-        <p:cNvPr id="70" name="Shape 70"/>
+        <p:cNvPr id="1" name="Shape 70"/>
         <p:cNvGrpSpPr/>
         <p:nvPr/>
       </p:nvGrpSpPr>
@@ -7310,7 +7470,9 @@
       <p:sp>
         <p:nvSpPr>
           <p:cNvPr id="71" name="Google Shape;71;p15"/>
-          <p:cNvSpPr txBox="1"/>
+          <p:cNvSpPr txBox="1">
+            <a:spLocks noGrp="1"/>
+          </p:cNvSpPr>
           <p:nvPr>
             <p:ph type="title"/>
           </p:nvPr>
@@ -7325,12 +7487,12 @@
           </a:prstGeom>
         </p:spPr>
         <p:txBody>
-          <a:bodyPr anchorCtr="0" anchor="ctr" bIns="91425" lIns="91425" spcFirstLastPara="1" rIns="91425" wrap="square" tIns="91425">
+          <a:bodyPr spcFirstLastPara="1" wrap="square" lIns="91425" tIns="91425" rIns="91425" bIns="91425" anchor="ctr" anchorCtr="0">
             <a:noAutofit/>
           </a:bodyPr>
           <a:lstStyle/>
           <a:p>
-            <a:pPr indent="0" lvl="0" marL="0" rtl="0" algn="ctr">
+            <a:pPr marL="0" lvl="0" indent="0" algn="ctr" rtl="0">
               <a:spcBef>
                 <a:spcPts val="0"/>
               </a:spcBef>
@@ -7350,9 +7512,11 @@
       <p:sp>
         <p:nvSpPr>
           <p:cNvPr id="72" name="Google Shape;72;p15"/>
-          <p:cNvSpPr txBox="1"/>
+          <p:cNvSpPr txBox="1">
+            <a:spLocks noGrp="1"/>
+          </p:cNvSpPr>
           <p:nvPr>
-            <p:ph idx="1" type="body"/>
+            <p:ph type="body" idx="1"/>
           </p:nvPr>
         </p:nvSpPr>
         <p:spPr>
@@ -7365,12 +7529,24 @@
           </a:prstGeom>
         </p:spPr>
         <p:txBody>
-          <a:bodyPr anchorCtr="0" anchor="t" bIns="91425" lIns="91425" spcFirstLastPara="1" rIns="91425" wrap="square" tIns="91425">
+          <a:bodyPr spcFirstLastPara="1" wrap="square" lIns="91425" tIns="91425" rIns="91425" bIns="91425" anchor="t" anchorCtr="0">
             <a:noAutofit/>
           </a:bodyPr>
           <a:lstStyle/>
           <a:p>
-            <a:pPr indent="0" lvl="0" marL="0" rtl="0" algn="l">
+            <a:pPr marL="0" lvl="0" indent="0" algn="l" rtl="0">
+              <a:spcBef>
+                <a:spcPts val="0"/>
+              </a:spcBef>
+              <a:spcAft>
+                <a:spcPts val="0"/>
+              </a:spcAft>
+              <a:buNone/>
+            </a:pPr>
+            <a:endParaRPr/>
+          </a:p>
+          <a:p>
+            <a:pPr marL="0" lvl="0" indent="0" algn="l" rtl="0">
               <a:spcBef>
                 <a:spcPts val="0"/>
               </a:spcBef>
@@ -7380,36 +7556,21 @@
               <a:buNone/>
             </a:pPr>
             <a:r>
-              <a:t/>
-            </a:r>
-            <a:endParaRPr/>
-          </a:p>
-          <a:p>
-            <a:pPr indent="0" lvl="0" marL="0" rtl="0" algn="l">
-              <a:spcBef>
-                <a:spcPts val="0"/>
-              </a:spcBef>
-              <a:spcAft>
-                <a:spcPts val="0"/>
-              </a:spcAft>
-              <a:buNone/>
-            </a:pPr>
-            <a:r>
-              <a:rPr b="1" lang="en-GB" sz="1800">
+              <a:rPr lang="en-GB" sz="1800" b="1">
                 <a:solidFill>
                   <a:srgbClr val="FFFFFF"/>
                 </a:solidFill>
               </a:rPr>
               <a:t>Contract Templates</a:t>
             </a:r>
-            <a:endParaRPr b="1" sz="1800">
+            <a:endParaRPr sz="1800" b="1">
               <a:solidFill>
                 <a:srgbClr val="FFFFFF"/>
               </a:solidFill>
             </a:endParaRPr>
           </a:p>
           <a:p>
-            <a:pPr indent="0" lvl="0" marL="0" rtl="0" algn="l">
+            <a:pPr marL="0" lvl="0" indent="0" algn="l" rtl="0">
               <a:spcBef>
                 <a:spcPts val="0"/>
               </a:spcBef>
@@ -7418,17 +7579,14 @@
               </a:spcAft>
               <a:buNone/>
             </a:pPr>
-            <a:r>
-              <a:t/>
-            </a:r>
-            <a:endParaRPr b="1" sz="1800">
+            <a:endParaRPr sz="1800" b="1">
               <a:solidFill>
                 <a:srgbClr val="FFFFFF"/>
               </a:solidFill>
             </a:endParaRPr>
           </a:p>
           <a:p>
-            <a:pPr indent="-317500" lvl="0" marL="457200" rtl="0" algn="l">
+            <a:pPr marL="457200" lvl="0" indent="-317500" algn="l" rtl="0">
               <a:spcBef>
                 <a:spcPts val="0"/>
               </a:spcBef>
@@ -7445,7 +7603,7 @@
             <a:endParaRPr/>
           </a:p>
           <a:p>
-            <a:pPr indent="-317500" lvl="0" marL="457200" rtl="0" algn="l">
+            <a:pPr marL="457200" lvl="0" indent="-317500" algn="l" rtl="0">
               <a:spcBef>
                 <a:spcPts val="0"/>
               </a:spcBef>
@@ -7462,7 +7620,7 @@
             <a:endParaRPr/>
           </a:p>
           <a:p>
-            <a:pPr indent="0" lvl="0" marL="0" rtl="0" algn="l">
+            <a:pPr marL="0" lvl="0" indent="0" algn="l" rtl="0">
               <a:spcBef>
                 <a:spcPts val="0"/>
               </a:spcBef>
@@ -7471,13 +7629,10 @@
               </a:spcAft>
               <a:buNone/>
             </a:pPr>
-            <a:r>
-              <a:t/>
-            </a:r>
             <a:endParaRPr/>
           </a:p>
           <a:p>
-            <a:pPr indent="0" lvl="0" marL="0" rtl="0" algn="l">
+            <a:pPr marL="0" lvl="0" indent="0" algn="l" rtl="0">
               <a:spcBef>
                 <a:spcPts val="0"/>
               </a:spcBef>
@@ -7486,9 +7641,6 @@
               </a:spcAft>
               <a:buNone/>
             </a:pPr>
-            <a:r>
-              <a:t/>
-            </a:r>
             <a:endParaRPr/>
           </a:p>
         </p:txBody>
@@ -7496,9 +7648,11 @@
       <p:sp>
         <p:nvSpPr>
           <p:cNvPr id="73" name="Google Shape;73;p15"/>
-          <p:cNvSpPr txBox="1"/>
+          <p:cNvSpPr txBox="1">
+            <a:spLocks noGrp="1"/>
+          </p:cNvSpPr>
           <p:nvPr>
-            <p:ph idx="1" type="body"/>
+            <p:ph type="body" idx="1"/>
           </p:nvPr>
         </p:nvSpPr>
         <p:spPr>
@@ -7511,12 +7665,12 @@
           </a:prstGeom>
         </p:spPr>
         <p:txBody>
-          <a:bodyPr anchorCtr="0" anchor="t" bIns="91425" lIns="91425" spcFirstLastPara="1" rIns="91425" wrap="square" tIns="91425">
+          <a:bodyPr spcFirstLastPara="1" wrap="square" lIns="91425" tIns="91425" rIns="91425" bIns="91425" anchor="t" anchorCtr="0">
             <a:noAutofit/>
           </a:bodyPr>
           <a:lstStyle/>
           <a:p>
-            <a:pPr indent="0" lvl="0" marL="0" rtl="0" algn="l">
+            <a:pPr marL="0" lvl="0" indent="0" algn="l" rtl="0">
               <a:spcBef>
                 <a:spcPts val="0"/>
               </a:spcBef>
@@ -7526,21 +7680,21 @@
               <a:buNone/>
             </a:pPr>
             <a:r>
-              <a:rPr b="1" lang="en-GB" sz="1800">
+              <a:rPr lang="en-GB" sz="1800" b="1">
                 <a:solidFill>
                   <a:srgbClr val="FFFFFF"/>
                 </a:solidFill>
               </a:rPr>
               <a:t>Highlighting</a:t>
             </a:r>
-            <a:endParaRPr b="1" sz="1800">
+            <a:endParaRPr sz="1800" b="1">
               <a:solidFill>
                 <a:srgbClr val="FFFFFF"/>
               </a:solidFill>
             </a:endParaRPr>
           </a:p>
           <a:p>
-            <a:pPr indent="0" lvl="0" marL="0" rtl="0" algn="l">
+            <a:pPr marL="0" lvl="0" indent="0" algn="l" rtl="0">
               <a:spcBef>
                 <a:spcPts val="0"/>
               </a:spcBef>
@@ -7549,17 +7703,14 @@
               </a:spcAft>
               <a:buNone/>
             </a:pPr>
-            <a:r>
-              <a:t/>
-            </a:r>
-            <a:endParaRPr b="1" sz="1800">
+            <a:endParaRPr sz="1800" b="1">
               <a:solidFill>
                 <a:srgbClr val="FFFFFF"/>
               </a:solidFill>
             </a:endParaRPr>
           </a:p>
           <a:p>
-            <a:pPr indent="0" lvl="0" marL="457200" rtl="0" algn="l">
+            <a:pPr marL="457200" lvl="0" indent="0" algn="l" rtl="0">
               <a:spcBef>
                 <a:spcPts val="0"/>
               </a:spcBef>
@@ -7575,7 +7726,7 @@
             <a:endParaRPr/>
           </a:p>
           <a:p>
-            <a:pPr indent="0" lvl="0" marL="0" rtl="0" algn="l">
+            <a:pPr marL="0" lvl="0" indent="0" algn="l" rtl="0">
               <a:spcBef>
                 <a:spcPts val="0"/>
               </a:spcBef>
@@ -7584,9 +7735,6 @@
               </a:spcAft>
               <a:buNone/>
             </a:pPr>
-            <a:r>
-              <a:t/>
-            </a:r>
             <a:endParaRPr>
               <a:solidFill>
                 <a:srgbClr val="F3F3F3"/>
@@ -7660,11 +7808,11 @@
 </file>
 
 <file path=ppt/slides/slide4.xml><?xml version="1.0" encoding="utf-8"?>
-<p:sld xmlns:a="http://schemas.openxmlformats.org/drawingml/2006/main" xmlns:r="http://schemas.openxmlformats.org/officeDocument/2006/relationships" xmlns:mc="http://schemas.openxmlformats.org/markup-compatibility/2006" xmlns:mv="urn:schemas-microsoft-com:mac:vml" xmlns:p="http://schemas.openxmlformats.org/presentationml/2006/main" xmlns:c="http://schemas.openxmlformats.org/drawingml/2006/chart" xmlns:dgm="http://schemas.openxmlformats.org/drawingml/2006/diagram" xmlns:o="urn:schemas-microsoft-com:office:office" xmlns:v="urn:schemas-microsoft-com:vml" xmlns:pvml="urn:schemas-microsoft-com:office:powerpoint" xmlns:com="http://schemas.openxmlformats.org/drawingml/2006/compatibility" xmlns:p14="http://schemas.microsoft.com/office/powerpoint/2010/main" xmlns:p15="http://schemas.microsoft.com/office/powerpoint/2012/main">
+<p:sld xmlns:a="http://schemas.openxmlformats.org/drawingml/2006/main" xmlns:r="http://schemas.openxmlformats.org/officeDocument/2006/relationships" xmlns:p="http://schemas.openxmlformats.org/presentationml/2006/main">
   <p:cSld>
     <p:spTree>
       <p:nvGrpSpPr>
-        <p:cNvPr id="79" name="Shape 79"/>
+        <p:cNvPr id="1" name="Shape 79"/>
         <p:cNvGrpSpPr/>
         <p:nvPr/>
       </p:nvGrpSpPr>
@@ -7679,7 +7827,9 @@
       <p:sp>
         <p:nvSpPr>
           <p:cNvPr id="80" name="Google Shape;80;p16"/>
-          <p:cNvSpPr txBox="1"/>
+          <p:cNvSpPr txBox="1">
+            <a:spLocks noGrp="1"/>
+          </p:cNvSpPr>
           <p:nvPr>
             <p:ph type="title"/>
           </p:nvPr>
@@ -7694,12 +7844,12 @@
           </a:prstGeom>
         </p:spPr>
         <p:txBody>
-          <a:bodyPr anchorCtr="0" anchor="ctr" bIns="91425" lIns="91425" spcFirstLastPara="1" rIns="91425" wrap="square" tIns="91425">
+          <a:bodyPr spcFirstLastPara="1" wrap="square" lIns="91425" tIns="91425" rIns="91425" bIns="91425" anchor="ctr" anchorCtr="0">
             <a:noAutofit/>
           </a:bodyPr>
           <a:lstStyle/>
           <a:p>
-            <a:pPr indent="0" lvl="0" marL="0" rtl="0" algn="ctr">
+            <a:pPr marL="0" lvl="0" indent="0" algn="ctr" rtl="0">
               <a:spcBef>
                 <a:spcPts val="0"/>
               </a:spcBef>
@@ -7719,9 +7869,11 @@
       <p:sp>
         <p:nvSpPr>
           <p:cNvPr id="81" name="Google Shape;81;p16"/>
-          <p:cNvSpPr txBox="1"/>
+          <p:cNvSpPr txBox="1">
+            <a:spLocks noGrp="1"/>
+          </p:cNvSpPr>
           <p:nvPr>
-            <p:ph idx="1" type="body"/>
+            <p:ph type="body" idx="1"/>
           </p:nvPr>
         </p:nvSpPr>
         <p:spPr>
@@ -7734,12 +7886,12 @@
           </a:prstGeom>
         </p:spPr>
         <p:txBody>
-          <a:bodyPr anchorCtr="0" anchor="t" bIns="91425" lIns="91425" spcFirstLastPara="1" rIns="91425" wrap="square" tIns="91425">
+          <a:bodyPr spcFirstLastPara="1" wrap="square" lIns="91425" tIns="91425" rIns="91425" bIns="91425" anchor="t" anchorCtr="0">
             <a:noAutofit/>
           </a:bodyPr>
           <a:lstStyle/>
           <a:p>
-            <a:pPr indent="0" lvl="0" marL="0" rtl="0" algn="l">
+            <a:pPr marL="0" lvl="0" indent="0" algn="l" rtl="0">
               <a:spcBef>
                 <a:spcPts val="0"/>
               </a:spcBef>
@@ -7749,21 +7901,21 @@
               <a:buNone/>
             </a:pPr>
             <a:r>
-              <a:rPr b="1" lang="en-GB" sz="1800">
+              <a:rPr lang="en-GB" sz="1800" b="1">
                 <a:solidFill>
                   <a:srgbClr val="FFFFFF"/>
                 </a:solidFill>
               </a:rPr>
               <a:t>Dashboard</a:t>
             </a:r>
-            <a:endParaRPr b="1" sz="1800">
+            <a:endParaRPr sz="1800" b="1">
               <a:solidFill>
                 <a:srgbClr val="FFFFFF"/>
               </a:solidFill>
             </a:endParaRPr>
           </a:p>
           <a:p>
-            <a:pPr indent="0" lvl="0" marL="0" rtl="0" algn="l">
+            <a:pPr marL="0" lvl="0" indent="0" algn="l" rtl="0">
               <a:spcBef>
                 <a:spcPts val="0"/>
               </a:spcBef>
@@ -7772,17 +7924,14 @@
               </a:spcAft>
               <a:buNone/>
             </a:pPr>
-            <a:r>
-              <a:t/>
-            </a:r>
-            <a:endParaRPr b="1" sz="1800">
+            <a:endParaRPr sz="1800" b="1">
               <a:solidFill>
                 <a:srgbClr val="FFFFFF"/>
               </a:solidFill>
             </a:endParaRPr>
           </a:p>
           <a:p>
-            <a:pPr indent="-317500" lvl="0" marL="914400" rtl="0" algn="l">
+            <a:pPr marL="914400" lvl="0" indent="-317500" algn="l" rtl="0">
               <a:spcBef>
                 <a:spcPts val="0"/>
               </a:spcBef>
@@ -7799,7 +7948,7 @@
             <a:endParaRPr/>
           </a:p>
           <a:p>
-            <a:pPr indent="-317500" lvl="1" marL="1371600" rtl="0" algn="l">
+            <a:pPr marL="1371600" lvl="1" indent="-317500" algn="l" rtl="0">
               <a:spcBef>
                 <a:spcPts val="0"/>
               </a:spcBef>
@@ -7816,7 +7965,7 @@
             <a:endParaRPr sz="1400"/>
           </a:p>
           <a:p>
-            <a:pPr indent="-317500" lvl="1" marL="1371600" rtl="0" algn="l">
+            <a:pPr marL="1371600" lvl="1" indent="-317500" algn="l" rtl="0">
               <a:spcBef>
                 <a:spcPts val="0"/>
               </a:spcBef>
@@ -7833,7 +7982,7 @@
             <a:endParaRPr sz="1400"/>
           </a:p>
           <a:p>
-            <a:pPr indent="-317500" lvl="1" marL="1371600" rtl="0" algn="l">
+            <a:pPr marL="1371600" lvl="1" indent="-317500" algn="l" rtl="0">
               <a:spcBef>
                 <a:spcPts val="0"/>
               </a:spcBef>
@@ -7850,7 +7999,7 @@
             <a:endParaRPr sz="1400"/>
           </a:p>
           <a:p>
-            <a:pPr indent="-317500" lvl="1" marL="1371600" rtl="0" algn="l">
+            <a:pPr marL="1371600" lvl="1" indent="-317500" algn="l" rtl="0">
               <a:spcBef>
                 <a:spcPts val="0"/>
               </a:spcBef>
@@ -7867,7 +8016,7 @@
             <a:endParaRPr sz="1400"/>
           </a:p>
           <a:p>
-            <a:pPr indent="0" lvl="0" marL="1371600" rtl="0" algn="l">
+            <a:pPr marL="1371600" lvl="0" indent="0" algn="l" rtl="0">
               <a:spcBef>
                 <a:spcPts val="0"/>
               </a:spcBef>
@@ -7876,13 +8025,10 @@
               </a:spcAft>
               <a:buNone/>
             </a:pPr>
-            <a:r>
-              <a:t/>
-            </a:r>
             <a:endParaRPr sz="1400"/>
           </a:p>
           <a:p>
-            <a:pPr indent="-317500" lvl="0" marL="914400" rtl="0" algn="l">
+            <a:pPr marL="914400" lvl="0" indent="-317500" algn="l" rtl="0">
               <a:spcBef>
                 <a:spcPts val="0"/>
               </a:spcBef>
@@ -7899,7 +8045,7 @@
             <a:endParaRPr/>
           </a:p>
           <a:p>
-            <a:pPr indent="-317500" lvl="1" marL="1371600" rtl="0" algn="l">
+            <a:pPr marL="1371600" lvl="1" indent="-317500" algn="l" rtl="0">
               <a:spcBef>
                 <a:spcPts val="0"/>
               </a:spcBef>
@@ -7916,7 +8062,7 @@
             <a:endParaRPr sz="1400"/>
           </a:p>
           <a:p>
-            <a:pPr indent="-317500" lvl="1" marL="1371600" rtl="0" algn="l">
+            <a:pPr marL="1371600" lvl="1" indent="-317500" algn="l" rtl="0">
               <a:spcBef>
                 <a:spcPts val="0"/>
               </a:spcBef>
@@ -7933,7 +8079,7 @@
             <a:endParaRPr sz="1400"/>
           </a:p>
           <a:p>
-            <a:pPr indent="-317500" lvl="1" marL="1371600" rtl="0" algn="l">
+            <a:pPr marL="1371600" lvl="1" indent="-317500" algn="l" rtl="0">
               <a:spcBef>
                 <a:spcPts val="0"/>
               </a:spcBef>
@@ -7950,7 +8096,7 @@
             <a:endParaRPr sz="1400"/>
           </a:p>
           <a:p>
-            <a:pPr indent="457200" lvl="0" marL="457200" rtl="0" algn="l">
+            <a:pPr marL="457200" lvl="0" indent="457200" algn="l" rtl="0">
               <a:spcBef>
                 <a:spcPts val="0"/>
               </a:spcBef>
@@ -8004,11 +8150,11 @@
 </file>
 
 <file path=ppt/slides/slide5.xml><?xml version="1.0" encoding="utf-8"?>
-<p:sld xmlns:a="http://schemas.openxmlformats.org/drawingml/2006/main" xmlns:r="http://schemas.openxmlformats.org/officeDocument/2006/relationships" xmlns:mc="http://schemas.openxmlformats.org/markup-compatibility/2006" xmlns:mv="urn:schemas-microsoft-com:mac:vml" xmlns:p="http://schemas.openxmlformats.org/presentationml/2006/main" xmlns:c="http://schemas.openxmlformats.org/drawingml/2006/chart" xmlns:dgm="http://schemas.openxmlformats.org/drawingml/2006/diagram" xmlns:o="urn:schemas-microsoft-com:office:office" xmlns:v="urn:schemas-microsoft-com:vml" xmlns:pvml="urn:schemas-microsoft-com:office:powerpoint" xmlns:com="http://schemas.openxmlformats.org/drawingml/2006/compatibility" xmlns:p14="http://schemas.microsoft.com/office/powerpoint/2010/main" xmlns:p15="http://schemas.microsoft.com/office/powerpoint/2012/main">
+<p:sld xmlns:a="http://schemas.openxmlformats.org/drawingml/2006/main" xmlns:r="http://schemas.openxmlformats.org/officeDocument/2006/relationships" xmlns:p="http://schemas.openxmlformats.org/presentationml/2006/main">
   <p:cSld>
     <p:spTree>
       <p:nvGrpSpPr>
-        <p:cNvPr id="86" name="Shape 86"/>
+        <p:cNvPr id="1" name="Shape 86"/>
         <p:cNvGrpSpPr/>
         <p:nvPr/>
       </p:nvGrpSpPr>
@@ -8023,7 +8169,9 @@
       <p:sp>
         <p:nvSpPr>
           <p:cNvPr id="87" name="Google Shape;87;p17"/>
-          <p:cNvSpPr txBox="1"/>
+          <p:cNvSpPr txBox="1">
+            <a:spLocks noGrp="1"/>
+          </p:cNvSpPr>
           <p:nvPr>
             <p:ph type="title"/>
           </p:nvPr>
@@ -8038,12 +8186,12 @@
           </a:prstGeom>
         </p:spPr>
         <p:txBody>
-          <a:bodyPr anchorCtr="0" anchor="ctr" bIns="91425" lIns="91425" spcFirstLastPara="1" rIns="91425" wrap="square" tIns="91425">
+          <a:bodyPr spcFirstLastPara="1" wrap="square" lIns="91425" tIns="91425" rIns="91425" bIns="91425" anchor="ctr" anchorCtr="0">
             <a:noAutofit/>
           </a:bodyPr>
           <a:lstStyle/>
           <a:p>
-            <a:pPr indent="0" lvl="0" marL="0" rtl="0" algn="ctr">
+            <a:pPr marL="0" lvl="0" indent="0" algn="ctr" rtl="0">
               <a:spcBef>
                 <a:spcPts val="0"/>
               </a:spcBef>
@@ -8063,9 +8211,11 @@
       <p:sp>
         <p:nvSpPr>
           <p:cNvPr id="88" name="Google Shape;88;p17"/>
-          <p:cNvSpPr txBox="1"/>
+          <p:cNvSpPr txBox="1">
+            <a:spLocks noGrp="1"/>
+          </p:cNvSpPr>
           <p:nvPr>
-            <p:ph idx="2" type="body"/>
+            <p:ph type="body" idx="2"/>
           </p:nvPr>
         </p:nvSpPr>
         <p:spPr>
@@ -8078,12 +8228,12 @@
           </a:prstGeom>
         </p:spPr>
         <p:txBody>
-          <a:bodyPr anchorCtr="0" anchor="t" bIns="91425" lIns="91425" spcFirstLastPara="1" rIns="91425" wrap="square" tIns="91425">
+          <a:bodyPr spcFirstLastPara="1" wrap="square" lIns="91425" tIns="91425" rIns="91425" bIns="91425" anchor="t" anchorCtr="0">
             <a:noAutofit/>
           </a:bodyPr>
           <a:lstStyle/>
           <a:p>
-            <a:pPr indent="0" lvl="0" marL="0" rtl="0" algn="l">
+            <a:pPr marL="0" lvl="0" indent="0" algn="l" rtl="0">
               <a:spcBef>
                 <a:spcPts val="0"/>
               </a:spcBef>
@@ -8093,21 +8243,21 @@
               <a:buNone/>
             </a:pPr>
             <a:r>
-              <a:rPr b="1" lang="en-GB" sz="1800">
+              <a:rPr lang="en-GB" sz="1800" b="1">
                 <a:solidFill>
                   <a:srgbClr val="FFFFFF"/>
                 </a:solidFill>
               </a:rPr>
               <a:t>Notifications</a:t>
             </a:r>
-            <a:endParaRPr b="1" sz="1800">
+            <a:endParaRPr sz="1800" b="1">
               <a:solidFill>
                 <a:srgbClr val="FFFFFF"/>
               </a:solidFill>
             </a:endParaRPr>
           </a:p>
           <a:p>
-            <a:pPr indent="0" lvl="0" marL="0" rtl="0" algn="l">
+            <a:pPr marL="0" lvl="0" indent="0" algn="l" rtl="0">
               <a:spcBef>
                 <a:spcPts val="0"/>
               </a:spcBef>
@@ -8116,13 +8266,10 @@
               </a:spcAft>
               <a:buNone/>
             </a:pPr>
-            <a:r>
-              <a:t/>
-            </a:r>
             <a:endParaRPr/>
           </a:p>
           <a:p>
-            <a:pPr indent="0" lvl="0" marL="0" rtl="0" algn="l">
+            <a:pPr marL="0" lvl="0" indent="0" algn="l" rtl="0">
               <a:spcBef>
                 <a:spcPts val="0"/>
               </a:spcBef>
@@ -8133,15 +8280,7 @@
             </a:pPr>
             <a:r>
               <a:rPr lang="en-GB"/>
-              <a:t>Stay alert for the upcoming events by </a:t>
-            </a:r>
-            <a:r>
-              <a:rPr lang="en-GB"/>
-              <a:t>receiving</a:t>
-            </a:r>
-            <a:r>
-              <a:rPr lang="en-GB"/>
-              <a:t> notifications. Accept, Edit or Reject requests from the tenant.</a:t>
+              <a:t>Stay alert for the upcoming events by receiving notifications. Accept, Edit or Reject requests from the tenant.</a:t>
             </a:r>
             <a:endParaRPr/>
           </a:p>
@@ -8178,9 +8317,11 @@
       <p:sp>
         <p:nvSpPr>
           <p:cNvPr id="90" name="Google Shape;90;p17"/>
-          <p:cNvSpPr txBox="1"/>
+          <p:cNvSpPr txBox="1">
+            <a:spLocks noGrp="1"/>
+          </p:cNvSpPr>
           <p:nvPr>
-            <p:ph idx="2" type="body"/>
+            <p:ph type="body" idx="2"/>
           </p:nvPr>
         </p:nvSpPr>
         <p:spPr>
@@ -8193,12 +8334,12 @@
           </a:prstGeom>
         </p:spPr>
         <p:txBody>
-          <a:bodyPr anchorCtr="0" anchor="t" bIns="91425" lIns="91425" spcFirstLastPara="1" rIns="91425" wrap="square" tIns="91425">
+          <a:bodyPr spcFirstLastPara="1" wrap="square" lIns="91425" tIns="91425" rIns="91425" bIns="91425" anchor="t" anchorCtr="0">
             <a:noAutofit/>
           </a:bodyPr>
           <a:lstStyle/>
           <a:p>
-            <a:pPr indent="0" lvl="0" marL="0" rtl="0" algn="l">
+            <a:pPr marL="0" lvl="0" indent="0" algn="l" rtl="0">
               <a:spcBef>
                 <a:spcPts val="0"/>
               </a:spcBef>
@@ -8208,21 +8349,21 @@
               <a:buNone/>
             </a:pPr>
             <a:r>
-              <a:rPr b="1" lang="en-GB" sz="1800">
+              <a:rPr lang="en-GB" sz="1800" b="1">
                 <a:solidFill>
                   <a:srgbClr val="FFFFFF"/>
                 </a:solidFill>
               </a:rPr>
               <a:t>Feedbacks and Ratings</a:t>
             </a:r>
-            <a:endParaRPr b="1" sz="1800">
+            <a:endParaRPr sz="1800" b="1">
               <a:solidFill>
                 <a:srgbClr val="FFFFFF"/>
               </a:solidFill>
             </a:endParaRPr>
           </a:p>
           <a:p>
-            <a:pPr indent="0" lvl="0" marL="0" rtl="0" algn="l">
+            <a:pPr marL="0" lvl="0" indent="0" algn="l" rtl="0">
               <a:spcBef>
                 <a:spcPts val="0"/>
               </a:spcBef>
@@ -8231,13 +8372,10 @@
               </a:spcAft>
               <a:buNone/>
             </a:pPr>
-            <a:r>
-              <a:t/>
-            </a:r>
             <a:endParaRPr/>
           </a:p>
           <a:p>
-            <a:pPr indent="0" lvl="0" marL="0" rtl="0" algn="l">
+            <a:pPr marL="0" lvl="0" indent="0" algn="l" rtl="0">
               <a:spcBef>
                 <a:spcPts val="0"/>
               </a:spcBef>
@@ -8248,15 +8386,7 @@
             </a:pPr>
             <a:r>
               <a:rPr lang="en-GB"/>
-              <a:t>Drop feedbacks and ratings about the landlord, tenant, </a:t>
-            </a:r>
-            <a:r>
-              <a:rPr lang="en-GB"/>
-              <a:t>apartment</a:t>
-            </a:r>
-            <a:r>
-              <a:rPr lang="en-GB"/>
-              <a:t> rented and its timely maintenance. </a:t>
+              <a:t>Drop feedbacks and ratings about the landlord, tenant, apartment rented and its timely maintenance. </a:t>
             </a:r>
             <a:endParaRPr/>
           </a:p>
@@ -8299,11 +8429,11 @@
 </file>
 
 <file path=ppt/slides/slide6.xml><?xml version="1.0" encoding="utf-8"?>
-<p:sld xmlns:a="http://schemas.openxmlformats.org/drawingml/2006/main" xmlns:r="http://schemas.openxmlformats.org/officeDocument/2006/relationships" xmlns:mc="http://schemas.openxmlformats.org/markup-compatibility/2006" xmlns:mv="urn:schemas-microsoft-com:mac:vml" xmlns:p="http://schemas.openxmlformats.org/presentationml/2006/main" xmlns:c="http://schemas.openxmlformats.org/drawingml/2006/chart" xmlns:dgm="http://schemas.openxmlformats.org/drawingml/2006/diagram" xmlns:o="urn:schemas-microsoft-com:office:office" xmlns:v="urn:schemas-microsoft-com:vml" xmlns:pvml="urn:schemas-microsoft-com:office:powerpoint" xmlns:com="http://schemas.openxmlformats.org/drawingml/2006/compatibility" xmlns:p14="http://schemas.microsoft.com/office/powerpoint/2010/main" xmlns:p15="http://schemas.microsoft.com/office/powerpoint/2012/main">
+<p:sld xmlns:a="http://schemas.openxmlformats.org/drawingml/2006/main" xmlns:r="http://schemas.openxmlformats.org/officeDocument/2006/relationships" xmlns:p="http://schemas.openxmlformats.org/presentationml/2006/main">
   <p:cSld>
     <p:spTree>
       <p:nvGrpSpPr>
-        <p:cNvPr id="95" name="Shape 95"/>
+        <p:cNvPr id="1" name="Shape 95"/>
         <p:cNvGrpSpPr/>
         <p:nvPr/>
       </p:nvGrpSpPr>
@@ -8318,7 +8448,9 @@
       <p:sp>
         <p:nvSpPr>
           <p:cNvPr id="96" name="Google Shape;96;p18"/>
-          <p:cNvSpPr txBox="1"/>
+          <p:cNvSpPr txBox="1">
+            <a:spLocks noGrp="1"/>
+          </p:cNvSpPr>
           <p:nvPr>
             <p:ph type="title"/>
           </p:nvPr>
@@ -8333,12 +8465,12 @@
           </a:prstGeom>
         </p:spPr>
         <p:txBody>
-          <a:bodyPr anchorCtr="0" anchor="ctr" bIns="91425" lIns="91425" spcFirstLastPara="1" rIns="91425" wrap="square" tIns="91425">
+          <a:bodyPr spcFirstLastPara="1" wrap="square" lIns="91425" tIns="91425" rIns="91425" bIns="91425" anchor="ctr" anchorCtr="0">
             <a:noAutofit/>
           </a:bodyPr>
           <a:lstStyle/>
           <a:p>
-            <a:pPr indent="0" lvl="0" marL="0" rtl="0" algn="ctr">
+            <a:pPr marL="0" lvl="0" indent="0" algn="ctr" rtl="0">
               <a:spcBef>
                 <a:spcPts val="0"/>
               </a:spcBef>
@@ -8358,9 +8490,11 @@
       <p:sp>
         <p:nvSpPr>
           <p:cNvPr id="97" name="Google Shape;97;p18"/>
-          <p:cNvSpPr txBox="1"/>
+          <p:cNvSpPr txBox="1">
+            <a:spLocks noGrp="1"/>
+          </p:cNvSpPr>
           <p:nvPr>
-            <p:ph idx="1" type="body"/>
+            <p:ph type="body" idx="1"/>
           </p:nvPr>
         </p:nvSpPr>
         <p:spPr>
@@ -8373,12 +8507,12 @@
           </a:prstGeom>
         </p:spPr>
         <p:txBody>
-          <a:bodyPr anchorCtr="0" anchor="t" bIns="91425" lIns="91425" spcFirstLastPara="1" rIns="91425" wrap="square" tIns="91425">
+          <a:bodyPr spcFirstLastPara="1" wrap="square" lIns="91425" tIns="91425" rIns="91425" bIns="91425" anchor="t" anchorCtr="0">
             <a:noAutofit/>
           </a:bodyPr>
           <a:lstStyle/>
           <a:p>
-            <a:pPr indent="0" lvl="0" marL="0" rtl="0" algn="l">
+            <a:pPr marL="0" lvl="0" indent="0" algn="l" rtl="0">
               <a:spcBef>
                 <a:spcPts val="0"/>
               </a:spcBef>
@@ -8388,7 +8522,7 @@
               <a:buNone/>
             </a:pPr>
             <a:r>
-              <a:rPr b="1" lang="en-GB">
+              <a:rPr lang="en-GB" b="1">
                 <a:solidFill>
                   <a:schemeClr val="accent6"/>
                 </a:solidFill>
@@ -8402,7 +8536,7 @@
             </a:endParaRPr>
           </a:p>
           <a:p>
-            <a:pPr indent="-342900" lvl="0" marL="457200" rtl="0" algn="l">
+            <a:pPr marL="457200" lvl="0" indent="-342900" algn="l" rtl="0">
               <a:lnSpc>
                 <a:spcPct val="200000"/>
               </a:lnSpc>
@@ -8416,13 +8550,13 @@
               <a:buChar char="●"/>
             </a:pPr>
             <a:r>
-              <a:rPr b="1" lang="en-GB"/>
+              <a:rPr lang="en-GB" b="1"/>
               <a:t>Gathered requirements</a:t>
             </a:r>
             <a:endParaRPr b="1"/>
           </a:p>
           <a:p>
-            <a:pPr indent="-342900" lvl="0" marL="457200" rtl="0" algn="l">
+            <a:pPr marL="457200" lvl="0" indent="-342900" algn="l" rtl="0">
               <a:lnSpc>
                 <a:spcPct val="200000"/>
               </a:lnSpc>
@@ -8436,13 +8570,13 @@
               <a:buChar char="●"/>
             </a:pPr>
             <a:r>
-              <a:rPr b="1" lang="en-GB"/>
+              <a:rPr lang="en-GB" b="1"/>
               <a:t>Created prototype</a:t>
             </a:r>
             <a:endParaRPr b="1"/>
           </a:p>
           <a:p>
-            <a:pPr indent="0" lvl="0" marL="0" rtl="0" algn="l">
+            <a:pPr marL="0" lvl="0" indent="0" algn="l" rtl="0">
               <a:spcBef>
                 <a:spcPts val="1600"/>
               </a:spcBef>
@@ -8452,13 +8586,13 @@
               <a:buNone/>
             </a:pPr>
             <a:r>
-              <a:rPr b="1" lang="en-GB"/>
+              <a:rPr lang="en-GB" b="1"/>
               <a:t>     </a:t>
             </a:r>
             <a:endParaRPr b="1"/>
           </a:p>
           <a:p>
-            <a:pPr indent="0" lvl="0" marL="0" rtl="0" algn="l">
+            <a:pPr marL="0" lvl="0" indent="0" algn="l" rtl="0">
               <a:spcBef>
                 <a:spcPts val="1600"/>
               </a:spcBef>
@@ -8467,9 +8601,6 @@
               </a:spcAft>
               <a:buNone/>
             </a:pPr>
-            <a:r>
-              <a:t/>
-            </a:r>
             <a:endParaRPr b="1"/>
           </a:p>
         </p:txBody>
@@ -8509,7 +8640,7 @@
           <p:nvPr/>
         </p:nvCxnSpPr>
         <p:spPr>
-          <a:xfrm flipH="1" rot="10800000">
+          <a:xfrm rot="10800000" flipH="1">
             <a:off x="3572250" y="3115575"/>
             <a:ext cx="2323200" cy="13500"/>
           </a:xfrm>
@@ -8517,14 +8648,14 @@
             <a:avLst/>
           </a:prstGeom>
           <a:noFill/>
-          <a:ln cap="flat" cmpd="sng" w="38100">
+          <a:ln w="38100" cap="flat" cmpd="sng">
             <a:solidFill>
               <a:srgbClr val="FF6252"/>
             </a:solidFill>
             <a:prstDash val="solid"/>
             <a:round/>
-            <a:headEnd len="med" w="med" type="none"/>
-            <a:tailEnd len="med" w="med" type="triangle"/>
+            <a:headEnd type="none" w="med" len="med"/>
+            <a:tailEnd type="triangle" w="med" len="med"/>
           </a:ln>
         </p:spPr>
       </p:cxnSp>
@@ -8537,11 +8668,11 @@
 </file>
 
 <file path=ppt/slides/slide7.xml><?xml version="1.0" encoding="utf-8"?>
-<p:sld xmlns:a="http://schemas.openxmlformats.org/drawingml/2006/main" xmlns:r="http://schemas.openxmlformats.org/officeDocument/2006/relationships" xmlns:mc="http://schemas.openxmlformats.org/markup-compatibility/2006" xmlns:mv="urn:schemas-microsoft-com:mac:vml" xmlns:p="http://schemas.openxmlformats.org/presentationml/2006/main" xmlns:c="http://schemas.openxmlformats.org/drawingml/2006/chart" xmlns:dgm="http://schemas.openxmlformats.org/drawingml/2006/diagram" xmlns:o="urn:schemas-microsoft-com:office:office" xmlns:v="urn:schemas-microsoft-com:vml" xmlns:pvml="urn:schemas-microsoft-com:office:powerpoint" xmlns:com="http://schemas.openxmlformats.org/drawingml/2006/compatibility" xmlns:p14="http://schemas.microsoft.com/office/powerpoint/2010/main" xmlns:p15="http://schemas.microsoft.com/office/powerpoint/2012/main">
+<p:sld xmlns:a="http://schemas.openxmlformats.org/drawingml/2006/main" xmlns:r="http://schemas.openxmlformats.org/officeDocument/2006/relationships" xmlns:p="http://schemas.openxmlformats.org/presentationml/2006/main">
   <p:cSld>
     <p:spTree>
       <p:nvGrpSpPr>
-        <p:cNvPr id="103" name="Shape 103"/>
+        <p:cNvPr id="1" name="Shape 103"/>
         <p:cNvGrpSpPr/>
         <p:nvPr/>
       </p:nvGrpSpPr>
@@ -8556,7 +8687,9 @@
       <p:sp>
         <p:nvSpPr>
           <p:cNvPr id="104" name="Google Shape;104;p19"/>
-          <p:cNvSpPr txBox="1"/>
+          <p:cNvSpPr txBox="1">
+            <a:spLocks noGrp="1"/>
+          </p:cNvSpPr>
           <p:nvPr>
             <p:ph type="title"/>
           </p:nvPr>
@@ -8571,12 +8704,12 @@
           </a:prstGeom>
         </p:spPr>
         <p:txBody>
-          <a:bodyPr anchorCtr="0" anchor="ctr" bIns="91425" lIns="91425" spcFirstLastPara="1" rIns="91425" wrap="square" tIns="91425">
+          <a:bodyPr spcFirstLastPara="1" wrap="square" lIns="91425" tIns="91425" rIns="91425" bIns="91425" anchor="ctr" anchorCtr="0">
             <a:noAutofit/>
           </a:bodyPr>
           <a:lstStyle/>
           <a:p>
-            <a:pPr indent="0" lvl="0" marL="0" rtl="0" algn="ctr">
+            <a:pPr marL="0" lvl="0" indent="0" algn="ctr" rtl="0">
               <a:spcBef>
                 <a:spcPts val="0"/>
               </a:spcBef>
@@ -8596,9 +8729,11 @@
       <p:sp>
         <p:nvSpPr>
           <p:cNvPr id="105" name="Google Shape;105;p19"/>
-          <p:cNvSpPr txBox="1"/>
+          <p:cNvSpPr txBox="1">
+            <a:spLocks noGrp="1"/>
+          </p:cNvSpPr>
           <p:nvPr>
-            <p:ph idx="1" type="body"/>
+            <p:ph type="body" idx="1"/>
           </p:nvPr>
         </p:nvSpPr>
         <p:spPr>
@@ -8611,12 +8746,12 @@
           </a:prstGeom>
         </p:spPr>
         <p:txBody>
-          <a:bodyPr anchorCtr="0" anchor="t" bIns="91425" lIns="91425" spcFirstLastPara="1" rIns="91425" wrap="square" tIns="91425">
+          <a:bodyPr spcFirstLastPara="1" wrap="square" lIns="91425" tIns="91425" rIns="91425" bIns="91425" anchor="t" anchorCtr="0">
             <a:noAutofit/>
           </a:bodyPr>
           <a:lstStyle/>
           <a:p>
-            <a:pPr indent="0" lvl="0" marL="0" rtl="0" algn="l">
+            <a:pPr marL="0" lvl="0" indent="0" algn="l" rtl="0">
               <a:spcBef>
                 <a:spcPts val="0"/>
               </a:spcBef>
@@ -8626,7 +8761,7 @@
               <a:buNone/>
             </a:pPr>
             <a:r>
-              <a:rPr b="1" lang="en-GB">
+              <a:rPr lang="en-GB" b="1">
                 <a:solidFill>
                   <a:schemeClr val="accent6"/>
                 </a:solidFill>
@@ -8640,7 +8775,7 @@
             </a:endParaRPr>
           </a:p>
           <a:p>
-            <a:pPr indent="-342900" lvl="0" marL="457200" rtl="0" algn="l">
+            <a:pPr marL="457200" lvl="0" indent="-342900" algn="l" rtl="0">
               <a:lnSpc>
                 <a:spcPct val="200000"/>
               </a:lnSpc>
@@ -8654,13 +8789,13 @@
               <a:buChar char="●"/>
             </a:pPr>
             <a:r>
-              <a:rPr b="1" lang="en-GB"/>
+              <a:rPr lang="en-GB" b="1"/>
               <a:t>Revision of project proposal as advised</a:t>
             </a:r>
             <a:endParaRPr b="1"/>
           </a:p>
           <a:p>
-            <a:pPr indent="-342900" lvl="0" marL="457200" rtl="0" algn="l">
+            <a:pPr marL="457200" lvl="0" indent="-342900" algn="l" rtl="0">
               <a:lnSpc>
                 <a:spcPct val="200000"/>
               </a:lnSpc>
@@ -8674,13 +8809,13 @@
               <a:buChar char="●"/>
             </a:pPr>
             <a:r>
-              <a:rPr b="1" lang="en-GB"/>
+              <a:rPr lang="en-GB" b="1"/>
               <a:t>Activities of previous project halted                    </a:t>
             </a:r>
             <a:endParaRPr b="1"/>
           </a:p>
           <a:p>
-            <a:pPr indent="0" lvl="0" marL="0" rtl="0" algn="l">
+            <a:pPr marL="0" lvl="0" indent="0" algn="l" rtl="0">
               <a:spcBef>
                 <a:spcPts val="1600"/>
               </a:spcBef>
@@ -8689,9 +8824,6 @@
               </a:spcAft>
               <a:buNone/>
             </a:pPr>
-            <a:r>
-              <a:t/>
-            </a:r>
             <a:endParaRPr b="1"/>
           </a:p>
         </p:txBody>
@@ -8699,9 +8831,11 @@
       <p:sp>
         <p:nvSpPr>
           <p:cNvPr id="106" name="Google Shape;106;p19"/>
-          <p:cNvSpPr txBox="1"/>
+          <p:cNvSpPr txBox="1">
+            <a:spLocks noGrp="1"/>
+          </p:cNvSpPr>
           <p:nvPr>
-            <p:ph idx="1" type="body"/>
+            <p:ph type="body" idx="1"/>
           </p:nvPr>
         </p:nvSpPr>
         <p:spPr>
@@ -8714,12 +8848,12 @@
           </a:prstGeom>
         </p:spPr>
         <p:txBody>
-          <a:bodyPr anchorCtr="0" anchor="t" bIns="91425" lIns="91425" spcFirstLastPara="1" rIns="91425" wrap="square" tIns="91425">
+          <a:bodyPr spcFirstLastPara="1" wrap="square" lIns="91425" tIns="91425" rIns="91425" bIns="91425" anchor="t" anchorCtr="0">
             <a:noAutofit/>
           </a:bodyPr>
           <a:lstStyle/>
           <a:p>
-            <a:pPr indent="0" lvl="0" marL="0" rtl="0" algn="l">
+            <a:pPr marL="0" lvl="0" indent="0" algn="l" rtl="0">
               <a:spcBef>
                 <a:spcPts val="0"/>
               </a:spcBef>
@@ -8729,7 +8863,7 @@
               <a:buNone/>
             </a:pPr>
             <a:r>
-              <a:rPr b="1" lang="en-GB">
+              <a:rPr lang="en-GB" b="1">
                 <a:solidFill>
                   <a:schemeClr val="accent6"/>
                 </a:solidFill>
@@ -8739,7 +8873,7 @@
             <a:endParaRPr b="1"/>
           </a:p>
           <a:p>
-            <a:pPr indent="-342900" lvl="0" marL="457200" rtl="0" algn="l">
+            <a:pPr marL="457200" lvl="0" indent="-342900" algn="l" rtl="0">
               <a:spcBef>
                 <a:spcPts val="1600"/>
               </a:spcBef>
@@ -8750,17 +8884,13 @@
               <a:buChar char="●"/>
             </a:pPr>
             <a:r>
-              <a:rPr b="1" lang="en-GB"/>
-              <a:t>Changed our schedule to accommodate </a:t>
-            </a:r>
-            <a:r>
-              <a:rPr b="1" lang="en-GB"/>
-              <a:t>new tasks and now we are on track                </a:t>
+              <a:rPr lang="en-GB" b="1"/>
+              <a:t>Changed our schedule to accommodate new tasks and now we are on track                </a:t>
             </a:r>
             <a:endParaRPr b="1"/>
           </a:p>
           <a:p>
-            <a:pPr indent="0" lvl="0" marL="0" rtl="0" algn="l">
+            <a:pPr marL="0" lvl="0" indent="0" algn="l" rtl="0">
               <a:spcBef>
                 <a:spcPts val="1600"/>
               </a:spcBef>
@@ -8769,9 +8899,6 @@
               </a:spcAft>
               <a:buNone/>
             </a:pPr>
-            <a:r>
-              <a:t/>
-            </a:r>
             <a:endParaRPr b="1"/>
           </a:p>
         </p:txBody>
@@ -8785,11 +8912,11 @@
 </file>
 
 <file path=ppt/slides/slide8.xml><?xml version="1.0" encoding="utf-8"?>
-<p:sld xmlns:a="http://schemas.openxmlformats.org/drawingml/2006/main" xmlns:r="http://schemas.openxmlformats.org/officeDocument/2006/relationships" xmlns:mc="http://schemas.openxmlformats.org/markup-compatibility/2006" xmlns:mv="urn:schemas-microsoft-com:mac:vml" xmlns:p="http://schemas.openxmlformats.org/presentationml/2006/main" xmlns:c="http://schemas.openxmlformats.org/drawingml/2006/chart" xmlns:dgm="http://schemas.openxmlformats.org/drawingml/2006/diagram" xmlns:o="urn:schemas-microsoft-com:office:office" xmlns:v="urn:schemas-microsoft-com:vml" xmlns:pvml="urn:schemas-microsoft-com:office:powerpoint" xmlns:com="http://schemas.openxmlformats.org/drawingml/2006/compatibility" xmlns:p14="http://schemas.microsoft.com/office/powerpoint/2010/main" xmlns:p15="http://schemas.microsoft.com/office/powerpoint/2012/main">
+<p:sld xmlns:a="http://schemas.openxmlformats.org/drawingml/2006/main" xmlns:r="http://schemas.openxmlformats.org/officeDocument/2006/relationships" xmlns:p="http://schemas.openxmlformats.org/presentationml/2006/main">
   <p:cSld>
     <p:spTree>
       <p:nvGrpSpPr>
-        <p:cNvPr id="110" name="Shape 110"/>
+        <p:cNvPr id="1" name="Shape 110"/>
         <p:cNvGrpSpPr/>
         <p:nvPr/>
       </p:nvGrpSpPr>
@@ -8804,7 +8931,9 @@
       <p:sp>
         <p:nvSpPr>
           <p:cNvPr id="111" name="Google Shape;111;p20"/>
-          <p:cNvSpPr txBox="1"/>
+          <p:cNvSpPr txBox="1">
+            <a:spLocks noGrp="1"/>
+          </p:cNvSpPr>
           <p:nvPr>
             <p:ph type="title"/>
           </p:nvPr>
@@ -8819,12 +8948,12 @@
           </a:prstGeom>
         </p:spPr>
         <p:txBody>
-          <a:bodyPr anchorCtr="0" anchor="t" bIns="91425" lIns="91425" spcFirstLastPara="1" rIns="91425" wrap="square" tIns="91425">
+          <a:bodyPr spcFirstLastPara="1" wrap="square" lIns="91425" tIns="91425" rIns="91425" bIns="91425" anchor="t" anchorCtr="0">
             <a:noAutofit/>
           </a:bodyPr>
           <a:lstStyle/>
           <a:p>
-            <a:pPr indent="0" lvl="0" marL="0" rtl="0" algn="ctr">
+            <a:pPr marL="0" lvl="0" indent="0" algn="ctr" rtl="0">
               <a:spcBef>
                 <a:spcPts val="0"/>
               </a:spcBef>
@@ -8906,11 +9035,11 @@
 </file>
 
 <file path=ppt/slides/slide9.xml><?xml version="1.0" encoding="utf-8"?>
-<p:sld xmlns:a="http://schemas.openxmlformats.org/drawingml/2006/main" xmlns:r="http://schemas.openxmlformats.org/officeDocument/2006/relationships" xmlns:mc="http://schemas.openxmlformats.org/markup-compatibility/2006" xmlns:mv="urn:schemas-microsoft-com:mac:vml" xmlns:p="http://schemas.openxmlformats.org/presentationml/2006/main" xmlns:c="http://schemas.openxmlformats.org/drawingml/2006/chart" xmlns:dgm="http://schemas.openxmlformats.org/drawingml/2006/diagram" xmlns:o="urn:schemas-microsoft-com:office:office" xmlns:v="urn:schemas-microsoft-com:vml" xmlns:pvml="urn:schemas-microsoft-com:office:powerpoint" xmlns:com="http://schemas.openxmlformats.org/drawingml/2006/compatibility" xmlns:p14="http://schemas.microsoft.com/office/powerpoint/2010/main" xmlns:p15="http://schemas.microsoft.com/office/powerpoint/2012/main">
+<p:sld xmlns:a="http://schemas.openxmlformats.org/drawingml/2006/main" xmlns:r="http://schemas.openxmlformats.org/officeDocument/2006/relationships" xmlns:p="http://schemas.openxmlformats.org/presentationml/2006/main">
   <p:cSld>
     <p:spTree>
       <p:nvGrpSpPr>
-        <p:cNvPr id="117" name="Shape 117"/>
+        <p:cNvPr id="1" name="Shape 117"/>
         <p:cNvGrpSpPr/>
         <p:nvPr/>
       </p:nvGrpSpPr>
@@ -8925,7 +9054,9 @@
       <p:sp>
         <p:nvSpPr>
           <p:cNvPr id="118" name="Google Shape;118;p21"/>
-          <p:cNvSpPr txBox="1"/>
+          <p:cNvSpPr txBox="1">
+            <a:spLocks noGrp="1"/>
+          </p:cNvSpPr>
           <p:nvPr>
             <p:ph type="title"/>
           </p:nvPr>
@@ -8940,12 +9071,12 @@
           </a:prstGeom>
         </p:spPr>
         <p:txBody>
-          <a:bodyPr anchorCtr="0" anchor="ctr" bIns="91425" lIns="91425" spcFirstLastPara="1" rIns="91425" wrap="square" tIns="91425">
+          <a:bodyPr spcFirstLastPara="1" wrap="square" lIns="91425" tIns="91425" rIns="91425" bIns="91425" anchor="ctr" anchorCtr="0">
             <a:noAutofit/>
           </a:bodyPr>
           <a:lstStyle/>
           <a:p>
-            <a:pPr indent="0" lvl="0" marL="0" rtl="0" algn="ctr">
+            <a:pPr marL="0" lvl="0" indent="0" algn="ctr" rtl="0">
               <a:spcBef>
                 <a:spcPts val="0"/>
               </a:spcBef>
@@ -8965,9 +9096,11 @@
       <p:sp>
         <p:nvSpPr>
           <p:cNvPr id="119" name="Google Shape;119;p21"/>
-          <p:cNvSpPr txBox="1"/>
+          <p:cNvSpPr txBox="1">
+            <a:spLocks noGrp="1"/>
+          </p:cNvSpPr>
           <p:nvPr>
-            <p:ph idx="1" type="body"/>
+            <p:ph type="body" idx="1"/>
           </p:nvPr>
         </p:nvSpPr>
         <p:spPr>
@@ -8980,12 +9113,12 @@
           </a:prstGeom>
         </p:spPr>
         <p:txBody>
-          <a:bodyPr anchorCtr="0" anchor="ctr" bIns="91425" lIns="91425" spcFirstLastPara="1" rIns="91425" wrap="square" tIns="91425">
+          <a:bodyPr spcFirstLastPara="1" wrap="square" lIns="91425" tIns="91425" rIns="91425" bIns="91425" anchor="ctr" anchorCtr="0">
             <a:noAutofit/>
           </a:bodyPr>
           <a:lstStyle/>
           <a:p>
-            <a:pPr indent="-355600" lvl="0" marL="457200" rtl="0" algn="l">
+            <a:pPr marL="457200" lvl="0" indent="-355600" algn="l" rtl="0">
               <a:lnSpc>
                 <a:spcPct val="200000"/>
               </a:lnSpc>
@@ -9005,7 +9138,7 @@
             <a:endParaRPr sz="2000"/>
           </a:p>
           <a:p>
-            <a:pPr indent="-355600" lvl="0" marL="457200" rtl="0" algn="l">
+            <a:pPr marL="457200" lvl="0" indent="-355600" algn="l" rtl="0">
               <a:lnSpc>
                 <a:spcPct val="200000"/>
               </a:lnSpc>
@@ -9025,7 +9158,7 @@
             <a:endParaRPr sz="2000"/>
           </a:p>
           <a:p>
-            <a:pPr indent="-355600" lvl="0" marL="457200" rtl="0" algn="l">
+            <a:pPr marL="457200" lvl="0" indent="-355600" algn="l" rtl="0">
               <a:lnSpc>
                 <a:spcPct val="200000"/>
               </a:lnSpc>
@@ -9045,7 +9178,7 @@
             <a:endParaRPr sz="2000"/>
           </a:p>
           <a:p>
-            <a:pPr indent="-355600" lvl="0" marL="457200" rtl="0" algn="l">
+            <a:pPr marL="457200" lvl="0" indent="-355600" algn="l" rtl="0">
               <a:lnSpc>
                 <a:spcPct val="200000"/>
               </a:lnSpc>
@@ -9075,7 +9208,7 @@
 </file>
 
 <file path=ppt/theme/theme1.xml><?xml version="1.0" encoding="utf-8"?>
-<a:theme xmlns:a="http://schemas.openxmlformats.org/drawingml/2006/main" xmlns:r="http://schemas.openxmlformats.org/officeDocument/2006/relationships" name="Slate">
+<a:theme xmlns:a="http://schemas.openxmlformats.org/drawingml/2006/main" name="Slate">
   <a:themeElements>
     <a:clrScheme name="Slate">
       <a:dk1>
@@ -9350,11 +9483,13 @@
       </a:bgFillStyleLst>
     </a:fmtScheme>
   </a:themeElements>
+  <a:objectDefaults/>
+  <a:extraClrSchemeLst/>
 </a:theme>
 </file>
 
 <file path=ppt/theme/theme2.xml><?xml version="1.0" encoding="utf-8"?>
-<a:theme xmlns:a="http://schemas.openxmlformats.org/drawingml/2006/main" xmlns:r="http://schemas.openxmlformats.org/officeDocument/2006/relationships">
+<a:theme xmlns:a="http://schemas.openxmlformats.org/drawingml/2006/main">
   <a:themeElements>
     <a:clrScheme name="Default">
       <a:dk1>
@@ -9629,5 +9764,7 @@
       </a:bgFillStyleLst>
     </a:fmtScheme>
   </a:themeElements>
+  <a:objectDefaults/>
+  <a:extraClrSchemeLst/>
 </a:theme>
 </file>
--- a/FYP First Evaluation.pptx
+++ b/FYP First Evaluation.pptx
@@ -7037,12 +7037,12 @@
               <a:t>(</a:t>
             </a:r>
             <a:r>
-              <a:rPr lang="en-GB" dirty="0" err="1"/>
+              <a:rPr lang="en-GB" dirty="0" err="1" smtClean="0"/>
               <a:t>Rentrack</a:t>
             </a:r>
             <a:r>
-              <a:rPr lang="en-GB" dirty="0"/>
-              <a:t>)</a:t>
+              <a:rPr lang="en-GB" smtClean="0"/>
+              <a:t>)presentation</a:t>
             </a:r>
             <a:endParaRPr dirty="0"/>
           </a:p>

--- a/FYP First Evaluation.pptx
+++ b/FYP First Evaluation.pptx
@@ -260,6 +260,11 @@
       </a:defRPr>
     </a:lvl9pPr>
   </p:defaultTextStyle>
+  <p:extLst>
+    <p:ext uri="{EFAFB233-063F-42B5-8137-9DF3F51BA10A}">
+      <p15:sldGuideLst xmlns:p15="http://schemas.microsoft.com/office/powerpoint/2012/main"/>
+    </p:ext>
+  </p:extLst>
 </p:presentation>
 </file>
 
@@ -7037,12 +7042,12 @@
               <a:t>(</a:t>
             </a:r>
             <a:r>
-              <a:rPr lang="en-GB" dirty="0" err="1" smtClean="0"/>
+              <a:rPr lang="en-GB" dirty="0" err="1"/>
               <a:t>Rentrack</a:t>
             </a:r>
             <a:r>
-              <a:rPr lang="en-GB" smtClean="0"/>
-              <a:t>)presentation</a:t>
+              <a:rPr lang="en-GB" dirty="0"/>
+              <a:t>)</a:t>
             </a:r>
             <a:endParaRPr dirty="0"/>
           </a:p>
@@ -7082,6 +7087,10 @@
               </a:spcAft>
               <a:buNone/>
             </a:pPr>
+            <a:r>
+              <a:rPr lang="en-GB" sz="2000"/>
+              <a:t>testinggg</a:t>
+            </a:r>
             <a:endParaRPr sz="2000" dirty="0"/>
           </a:p>
         </p:txBody>
